--- a/Design/Slide Capstone Project - TKXDPM - 20211.pptx
+++ b/Design/Slide Capstone Project - TKXDPM - 20211.pptx
@@ -1,26 +1,145 @@
 
 <file path=ppt/presentation.xml><?xml version="1.0" encoding="utf-8"?>
-<p:presentation xmlns:a="http://schemas.openxmlformats.org/drawingml/2006/main" xmlns:r="http://schemas.openxmlformats.org/officeDocument/2006/relationships" xmlns:p="http://schemas.openxmlformats.org/presentationml/2006/main">
+<p:presentation xmlns:a="http://schemas.openxmlformats.org/drawingml/2006/main" xmlns:r="http://schemas.openxmlformats.org/officeDocument/2006/relationships" xmlns:p="http://schemas.openxmlformats.org/presentationml/2006/main" bookmarkIdSeed="3">
   <p:sldMasterIdLst>
     <p:sldMasterId id="2147483648" r:id="rId1"/>
   </p:sldMasterIdLst>
   <p:sldIdLst>
-    <p:sldId id="256" r:id="rId6"/>
-    <p:sldId id="257" r:id="rId7"/>
-    <p:sldId id="258" r:id="rId8"/>
-    <p:sldId id="259" r:id="rId9"/>
-    <p:sldId id="260" r:id="rId10"/>
-    <p:sldId id="261" r:id="rId11"/>
-    <p:sldId id="262" r:id="rId12"/>
-    <p:sldId id="263" r:id="rId13"/>
+    <p:sldId id="256" r:id="rId2"/>
+    <p:sldId id="258" r:id="rId3"/>
+    <p:sldId id="257" r:id="rId4"/>
+    <p:sldId id="264" r:id="rId5"/>
+    <p:sldId id="265" r:id="rId6"/>
+    <p:sldId id="266" r:id="rId7"/>
+    <p:sldId id="267" r:id="rId8"/>
+    <p:sldId id="268" r:id="rId9"/>
+    <p:sldId id="269" r:id="rId10"/>
+    <p:sldId id="270" r:id="rId11"/>
+    <p:sldId id="271" r:id="rId12"/>
+    <p:sldId id="272" r:id="rId13"/>
+    <p:sldId id="273" r:id="rId14"/>
+    <p:sldId id="274" r:id="rId15"/>
+    <p:sldId id="262" r:id="rId16"/>
+    <p:sldId id="263" r:id="rId17"/>
   </p:sldIdLst>
   <p:sldSz cx="18288000" cy="10287000"/>
   <p:notesSz cx="18288000" cy="10287000"/>
+  <p:defaultTextStyle>
+    <a:defPPr>
+      <a:defRPr lang="en-US"/>
+    </a:defPPr>
+    <a:lvl1pPr marL="0" algn="l" defTabSz="914400" rtl="0" eaLnBrk="1" latinLnBrk="0" hangingPunct="1">
+      <a:defRPr sz="1800" kern="1200">
+        <a:solidFill>
+          <a:schemeClr val="tx1"/>
+        </a:solidFill>
+        <a:latin typeface="+mn-lt"/>
+        <a:ea typeface="+mn-ea"/>
+        <a:cs typeface="+mn-cs"/>
+      </a:defRPr>
+    </a:lvl1pPr>
+    <a:lvl2pPr marL="457200" algn="l" defTabSz="914400" rtl="0" eaLnBrk="1" latinLnBrk="0" hangingPunct="1">
+      <a:defRPr sz="1800" kern="1200">
+        <a:solidFill>
+          <a:schemeClr val="tx1"/>
+        </a:solidFill>
+        <a:latin typeface="+mn-lt"/>
+        <a:ea typeface="+mn-ea"/>
+        <a:cs typeface="+mn-cs"/>
+      </a:defRPr>
+    </a:lvl2pPr>
+    <a:lvl3pPr marL="914400" algn="l" defTabSz="914400" rtl="0" eaLnBrk="1" latinLnBrk="0" hangingPunct="1">
+      <a:defRPr sz="1800" kern="1200">
+        <a:solidFill>
+          <a:schemeClr val="tx1"/>
+        </a:solidFill>
+        <a:latin typeface="+mn-lt"/>
+        <a:ea typeface="+mn-ea"/>
+        <a:cs typeface="+mn-cs"/>
+      </a:defRPr>
+    </a:lvl3pPr>
+    <a:lvl4pPr marL="1371600" algn="l" defTabSz="914400" rtl="0" eaLnBrk="1" latinLnBrk="0" hangingPunct="1">
+      <a:defRPr sz="1800" kern="1200">
+        <a:solidFill>
+          <a:schemeClr val="tx1"/>
+        </a:solidFill>
+        <a:latin typeface="+mn-lt"/>
+        <a:ea typeface="+mn-ea"/>
+        <a:cs typeface="+mn-cs"/>
+      </a:defRPr>
+    </a:lvl4pPr>
+    <a:lvl5pPr marL="1828800" algn="l" defTabSz="914400" rtl="0" eaLnBrk="1" latinLnBrk="0" hangingPunct="1">
+      <a:defRPr sz="1800" kern="1200">
+        <a:solidFill>
+          <a:schemeClr val="tx1"/>
+        </a:solidFill>
+        <a:latin typeface="+mn-lt"/>
+        <a:ea typeface="+mn-ea"/>
+        <a:cs typeface="+mn-cs"/>
+      </a:defRPr>
+    </a:lvl5pPr>
+    <a:lvl6pPr marL="2286000" algn="l" defTabSz="914400" rtl="0" eaLnBrk="1" latinLnBrk="0" hangingPunct="1">
+      <a:defRPr sz="1800" kern="1200">
+        <a:solidFill>
+          <a:schemeClr val="tx1"/>
+        </a:solidFill>
+        <a:latin typeface="+mn-lt"/>
+        <a:ea typeface="+mn-ea"/>
+        <a:cs typeface="+mn-cs"/>
+      </a:defRPr>
+    </a:lvl6pPr>
+    <a:lvl7pPr marL="2743200" algn="l" defTabSz="914400" rtl="0" eaLnBrk="1" latinLnBrk="0" hangingPunct="1">
+      <a:defRPr sz="1800" kern="1200">
+        <a:solidFill>
+          <a:schemeClr val="tx1"/>
+        </a:solidFill>
+        <a:latin typeface="+mn-lt"/>
+        <a:ea typeface="+mn-ea"/>
+        <a:cs typeface="+mn-cs"/>
+      </a:defRPr>
+    </a:lvl7pPr>
+    <a:lvl8pPr marL="3200400" algn="l" defTabSz="914400" rtl="0" eaLnBrk="1" latinLnBrk="0" hangingPunct="1">
+      <a:defRPr sz="1800" kern="1200">
+        <a:solidFill>
+          <a:schemeClr val="tx1"/>
+        </a:solidFill>
+        <a:latin typeface="+mn-lt"/>
+        <a:ea typeface="+mn-ea"/>
+        <a:cs typeface="+mn-cs"/>
+      </a:defRPr>
+    </a:lvl8pPr>
+    <a:lvl9pPr marL="3657600" algn="l" defTabSz="914400" rtl="0" eaLnBrk="1" latinLnBrk="0" hangingPunct="1">
+      <a:defRPr sz="1800" kern="1200">
+        <a:solidFill>
+          <a:schemeClr val="tx1"/>
+        </a:solidFill>
+        <a:latin typeface="+mn-lt"/>
+        <a:ea typeface="+mn-ea"/>
+        <a:cs typeface="+mn-cs"/>
+      </a:defRPr>
+    </a:lvl9pPr>
+  </p:defaultTextStyle>
+  <p:extLst>
+    <p:ext uri="{EFAFB233-063F-42B5-8137-9DF3F51BA10A}">
+      <p15:sldGuideLst xmlns:p15="http://schemas.microsoft.com/office/powerpoint/2012/main">
+        <p15:guide id="1" orient="horz" pos="2880">
+          <p15:clr>
+            <a:srgbClr val="A4A3A4"/>
+          </p15:clr>
+        </p15:guide>
+        <p15:guide id="2" pos="2160">
+          <p15:clr>
+            <a:srgbClr val="A4A3A4"/>
+          </p15:clr>
+        </p15:guide>
+      </p15:sldGuideLst>
+    </p:ext>
+  </p:extLst>
 </p:presentation>
 </file>
 
 <file path=ppt/slideLayouts/slideLayout1.xml><?xml version="1.0" encoding="utf-8"?>
-<p:sldLayout xmlns:a="http://schemas.openxmlformats.org/drawingml/2006/main" xmlns:r="http://schemas.openxmlformats.org/officeDocument/2006/relationships" xmlns:p="http://schemas.openxmlformats.org/presentationml/2006/main" preserve="1" type="obj">
+<p:sldLayout xmlns:a="http://schemas.openxmlformats.org/drawingml/2006/main" xmlns:r="http://schemas.openxmlformats.org/officeDocument/2006/relationships" xmlns:p="http://schemas.openxmlformats.org/presentationml/2006/main" type="obj" preserve="1">
   <p:cSld name="Title Slide">
     <p:spTree>
       <p:nvGrpSpPr>
@@ -64,7 +183,9 @@
               <a:defRPr/>
             </a:lvl1pPr>
           </a:lstStyle>
-          <a:p/>
+          <a:p>
+            <a:endParaRPr/>
+          </a:p>
         </p:txBody>
       </p:sp>
       <p:sp>
@@ -95,7 +216,9 @@
               <a:defRPr/>
             </a:lvl1pPr>
           </a:lstStyle>
-          <a:p/>
+          <a:p>
+            <a:endParaRPr/>
+          </a:p>
         </p:txBody>
       </p:sp>
       <p:sp>
@@ -105,7 +228,7 @@
             <a:spLocks noGrp="1"/>
           </p:cNvSpPr>
           <p:nvPr>
-            <p:ph type="ftr" idx="5" sz="quarter"/>
+            <p:ph type="ftr" sz="quarter" idx="5"/>
           </p:nvPr>
         </p:nvSpPr>
         <p:spPr/>
@@ -122,7 +245,9 @@
               </a:defRPr>
             </a:lvl1pPr>
           </a:lstStyle>
-          <a:p/>
+          <a:p>
+            <a:endParaRPr/>
+          </a:p>
         </p:txBody>
       </p:sp>
       <p:sp>
@@ -132,7 +257,7 @@
             <a:spLocks noGrp="1"/>
           </p:cNvSpPr>
           <p:nvPr>
-            <p:ph type="dt" idx="6" sz="half"/>
+            <p:ph type="dt" sz="half" idx="6"/>
           </p:nvPr>
         </p:nvSpPr>
         <p:spPr/>
@@ -152,7 +277,9 @@
           <a:p>
             <a:fld id="{1D8BD707-D9CF-40AE-B4C6-C98DA3205C09}" type="datetimeFigureOut">
               <a:rPr lang="en-US"/>
+              <a:t>1/7/2022</a:t>
             </a:fld>
+            <a:endParaRPr lang="en-US"/>
           </a:p>
         </p:txBody>
       </p:sp>
@@ -163,7 +290,7 @@
             <a:spLocks noGrp="1"/>
           </p:cNvSpPr>
           <p:nvPr>
-            <p:ph type="sldNum" idx="7" sz="quarter"/>
+            <p:ph type="sldNum" sz="quarter" idx="7"/>
           </p:nvPr>
         </p:nvSpPr>
         <p:spPr/>
@@ -182,8 +309,9 @@
           </a:lstStyle>
           <a:p>
             <a:fld id="{B6F15528-21DE-4FAA-801E-634DDDAF4B2B}" type="slidenum">
-              <a:t>#</a:t>
+              <a:t>‹#›</a:t>
             </a:fld>
+            <a:endParaRPr/>
           </a:p>
         </p:txBody>
       </p:sp>
@@ -196,7 +324,7 @@
 </file>
 
 <file path=ppt/slideLayouts/slideLayout2.xml><?xml version="1.0" encoding="utf-8"?>
-<p:sldLayout xmlns:a="http://schemas.openxmlformats.org/drawingml/2006/main" xmlns:r="http://schemas.openxmlformats.org/officeDocument/2006/relationships" xmlns:p="http://schemas.openxmlformats.org/presentationml/2006/main" preserve="1" type="obj" showMasterSp="0">
+<p:sldLayout xmlns:a="http://schemas.openxmlformats.org/drawingml/2006/main" xmlns:r="http://schemas.openxmlformats.org/officeDocument/2006/relationships" xmlns:p="http://schemas.openxmlformats.org/presentationml/2006/main" showMasterSp="0" type="obj" preserve="1">
   <p:cSld name="Title and Content">
     <p:bg>
       <p:bgPr>
@@ -244,7 +372,9 @@
               </a:defRPr>
             </a:lvl1pPr>
           </a:lstStyle>
-          <a:p/>
+          <a:p>
+            <a:endParaRPr/>
+          </a:p>
         </p:txBody>
       </p:sp>
       <p:sp>
@@ -265,7 +395,9 @@
               <a:defRPr/>
             </a:lvl1pPr>
           </a:lstStyle>
-          <a:p/>
+          <a:p>
+            <a:endParaRPr/>
+          </a:p>
         </p:txBody>
       </p:sp>
       <p:sp>
@@ -275,7 +407,7 @@
             <a:spLocks noGrp="1"/>
           </p:cNvSpPr>
           <p:nvPr>
-            <p:ph type="ftr" idx="5" sz="quarter"/>
+            <p:ph type="ftr" sz="quarter" idx="5"/>
           </p:nvPr>
         </p:nvSpPr>
         <p:spPr/>
@@ -292,7 +424,9 @@
               </a:defRPr>
             </a:lvl1pPr>
           </a:lstStyle>
-          <a:p/>
+          <a:p>
+            <a:endParaRPr/>
+          </a:p>
         </p:txBody>
       </p:sp>
       <p:sp>
@@ -302,7 +436,7 @@
             <a:spLocks noGrp="1"/>
           </p:cNvSpPr>
           <p:nvPr>
-            <p:ph type="dt" idx="6" sz="half"/>
+            <p:ph type="dt" sz="half" idx="6"/>
           </p:nvPr>
         </p:nvSpPr>
         <p:spPr/>
@@ -322,7 +456,9 @@
           <a:p>
             <a:fld id="{1D8BD707-D9CF-40AE-B4C6-C98DA3205C09}" type="datetimeFigureOut">
               <a:rPr lang="en-US"/>
+              <a:t>1/7/2022</a:t>
             </a:fld>
+            <a:endParaRPr lang="en-US"/>
           </a:p>
         </p:txBody>
       </p:sp>
@@ -333,7 +469,7 @@
             <a:spLocks noGrp="1"/>
           </p:cNvSpPr>
           <p:nvPr>
-            <p:ph type="sldNum" idx="7" sz="quarter"/>
+            <p:ph type="sldNum" sz="quarter" idx="7"/>
           </p:nvPr>
         </p:nvSpPr>
         <p:spPr/>
@@ -352,8 +488,9 @@
           </a:lstStyle>
           <a:p>
             <a:fld id="{B6F15528-21DE-4FAA-801E-634DDDAF4B2B}" type="slidenum">
-              <a:t>#</a:t>
+              <a:t>‹#›</a:t>
             </a:fld>
+            <a:endParaRPr/>
           </a:p>
         </p:txBody>
       </p:sp>
@@ -366,7 +503,7 @@
 </file>
 
 <file path=ppt/slideLayouts/slideLayout3.xml><?xml version="1.0" encoding="utf-8"?>
-<p:sldLayout xmlns:a="http://schemas.openxmlformats.org/drawingml/2006/main" xmlns:r="http://schemas.openxmlformats.org/officeDocument/2006/relationships" xmlns:p="http://schemas.openxmlformats.org/presentationml/2006/main" preserve="1" type="obj">
+<p:sldLayout xmlns:a="http://schemas.openxmlformats.org/drawingml/2006/main" xmlns:r="http://schemas.openxmlformats.org/officeDocument/2006/relationships" xmlns:p="http://schemas.openxmlformats.org/presentationml/2006/main" type="obj" preserve="1">
   <p:cSld name="Two Content">
     <p:spTree>
       <p:nvGrpSpPr>
@@ -406,7 +543,9 @@
               </a:defRPr>
             </a:lvl1pPr>
           </a:lstStyle>
-          <a:p/>
+          <a:p>
+            <a:endParaRPr/>
+          </a:p>
         </p:txBody>
       </p:sp>
       <p:sp>
@@ -416,7 +555,7 @@
             <a:spLocks noGrp="1"/>
           </p:cNvSpPr>
           <p:nvPr>
-            <p:ph idx="2" sz="half"/>
+            <p:ph sz="half" idx="2"/>
           </p:nvPr>
         </p:nvSpPr>
         <p:spPr>
@@ -437,7 +576,9 @@
               <a:defRPr/>
             </a:lvl1pPr>
           </a:lstStyle>
-          <a:p/>
+          <a:p>
+            <a:endParaRPr/>
+          </a:p>
         </p:txBody>
       </p:sp>
       <p:sp>
@@ -447,7 +588,7 @@
             <a:spLocks noGrp="1"/>
           </p:cNvSpPr>
           <p:nvPr>
-            <p:ph idx="3" sz="half"/>
+            <p:ph sz="half" idx="3"/>
           </p:nvPr>
         </p:nvSpPr>
         <p:spPr>
@@ -468,7 +609,9 @@
               <a:defRPr/>
             </a:lvl1pPr>
           </a:lstStyle>
-          <a:p/>
+          <a:p>
+            <a:endParaRPr/>
+          </a:p>
         </p:txBody>
       </p:sp>
       <p:sp>
@@ -478,7 +621,7 @@
             <a:spLocks noGrp="1"/>
           </p:cNvSpPr>
           <p:nvPr>
-            <p:ph type="ftr" idx="5" sz="quarter"/>
+            <p:ph type="ftr" sz="quarter" idx="5"/>
           </p:nvPr>
         </p:nvSpPr>
         <p:spPr/>
@@ -495,7 +638,9 @@
               </a:defRPr>
             </a:lvl1pPr>
           </a:lstStyle>
-          <a:p/>
+          <a:p>
+            <a:endParaRPr/>
+          </a:p>
         </p:txBody>
       </p:sp>
       <p:sp>
@@ -505,7 +650,7 @@
             <a:spLocks noGrp="1"/>
           </p:cNvSpPr>
           <p:nvPr>
-            <p:ph type="dt" idx="6" sz="half"/>
+            <p:ph type="dt" sz="half" idx="6"/>
           </p:nvPr>
         </p:nvSpPr>
         <p:spPr/>
@@ -525,7 +670,9 @@
           <a:p>
             <a:fld id="{1D8BD707-D9CF-40AE-B4C6-C98DA3205C09}" type="datetimeFigureOut">
               <a:rPr lang="en-US"/>
+              <a:t>1/7/2022</a:t>
             </a:fld>
+            <a:endParaRPr lang="en-US"/>
           </a:p>
         </p:txBody>
       </p:sp>
@@ -536,7 +683,7 @@
             <a:spLocks noGrp="1"/>
           </p:cNvSpPr>
           <p:nvPr>
-            <p:ph type="sldNum" idx="7" sz="quarter"/>
+            <p:ph type="sldNum" sz="quarter" idx="7"/>
           </p:nvPr>
         </p:nvSpPr>
         <p:spPr/>
@@ -555,8 +702,9 @@
           </a:lstStyle>
           <a:p>
             <a:fld id="{B6F15528-21DE-4FAA-801E-634DDDAF4B2B}" type="slidenum">
-              <a:t>#</a:t>
+              <a:t>‹#›</a:t>
             </a:fld>
+            <a:endParaRPr/>
           </a:p>
         </p:txBody>
       </p:sp>
@@ -569,7 +717,7 @@
 </file>
 
 <file path=ppt/slideLayouts/slideLayout4.xml><?xml version="1.0" encoding="utf-8"?>
-<p:sldLayout xmlns:a="http://schemas.openxmlformats.org/drawingml/2006/main" xmlns:r="http://schemas.openxmlformats.org/officeDocument/2006/relationships" xmlns:p="http://schemas.openxmlformats.org/presentationml/2006/main" preserve="1" type="obj">
+<p:sldLayout xmlns:a="http://schemas.openxmlformats.org/drawingml/2006/main" xmlns:r="http://schemas.openxmlformats.org/officeDocument/2006/relationships" xmlns:p="http://schemas.openxmlformats.org/presentationml/2006/main" type="obj" preserve="1">
   <p:cSld name="Title Only">
     <p:spTree>
       <p:nvGrpSpPr>
@@ -609,7 +757,9 @@
               </a:defRPr>
             </a:lvl1pPr>
           </a:lstStyle>
-          <a:p/>
+          <a:p>
+            <a:endParaRPr/>
+          </a:p>
         </p:txBody>
       </p:sp>
       <p:sp>
@@ -619,7 +769,7 @@
             <a:spLocks noGrp="1"/>
           </p:cNvSpPr>
           <p:nvPr>
-            <p:ph type="ftr" idx="5" sz="quarter"/>
+            <p:ph type="ftr" sz="quarter" idx="5"/>
           </p:nvPr>
         </p:nvSpPr>
         <p:spPr/>
@@ -636,7 +786,9 @@
               </a:defRPr>
             </a:lvl1pPr>
           </a:lstStyle>
-          <a:p/>
+          <a:p>
+            <a:endParaRPr/>
+          </a:p>
         </p:txBody>
       </p:sp>
       <p:sp>
@@ -646,7 +798,7 @@
             <a:spLocks noGrp="1"/>
           </p:cNvSpPr>
           <p:nvPr>
-            <p:ph type="dt" idx="6" sz="half"/>
+            <p:ph type="dt" sz="half" idx="6"/>
           </p:nvPr>
         </p:nvSpPr>
         <p:spPr/>
@@ -666,7 +818,9 @@
           <a:p>
             <a:fld id="{1D8BD707-D9CF-40AE-B4C6-C98DA3205C09}" type="datetimeFigureOut">
               <a:rPr lang="en-US"/>
+              <a:t>1/7/2022</a:t>
             </a:fld>
+            <a:endParaRPr lang="en-US"/>
           </a:p>
         </p:txBody>
       </p:sp>
@@ -677,7 +831,7 @@
             <a:spLocks noGrp="1"/>
           </p:cNvSpPr>
           <p:nvPr>
-            <p:ph type="sldNum" idx="7" sz="quarter"/>
+            <p:ph type="sldNum" sz="quarter" idx="7"/>
           </p:nvPr>
         </p:nvSpPr>
         <p:spPr/>
@@ -696,8 +850,9 @@
           </a:lstStyle>
           <a:p>
             <a:fld id="{B6F15528-21DE-4FAA-801E-634DDDAF4B2B}" type="slidenum">
-              <a:t>#</a:t>
+              <a:t>‹#›</a:t>
             </a:fld>
+            <a:endParaRPr/>
           </a:p>
         </p:txBody>
       </p:sp>
@@ -710,7 +865,7 @@
 </file>
 
 <file path=ppt/slideLayouts/slideLayout5.xml><?xml version="1.0" encoding="utf-8"?>
-<p:sldLayout xmlns:a="http://schemas.openxmlformats.org/drawingml/2006/main" xmlns:r="http://schemas.openxmlformats.org/officeDocument/2006/relationships" xmlns:p="http://schemas.openxmlformats.org/presentationml/2006/main" preserve="1" type="obj">
+<p:sldLayout xmlns:a="http://schemas.openxmlformats.org/drawingml/2006/main" xmlns:r="http://schemas.openxmlformats.org/officeDocument/2006/relationships" xmlns:p="http://schemas.openxmlformats.org/presentationml/2006/main" type="obj" preserve="1">
   <p:cSld name="Blank">
     <p:spTree>
       <p:nvGrpSpPr>
@@ -733,7 +888,7 @@
             <a:spLocks noGrp="1"/>
           </p:cNvSpPr>
           <p:nvPr>
-            <p:ph type="ftr" idx="5" sz="quarter"/>
+            <p:ph type="ftr" sz="quarter" idx="5"/>
           </p:nvPr>
         </p:nvSpPr>
         <p:spPr/>
@@ -750,7 +905,9 @@
               </a:defRPr>
             </a:lvl1pPr>
           </a:lstStyle>
-          <a:p/>
+          <a:p>
+            <a:endParaRPr/>
+          </a:p>
         </p:txBody>
       </p:sp>
       <p:sp>
@@ -760,7 +917,7 @@
             <a:spLocks noGrp="1"/>
           </p:cNvSpPr>
           <p:nvPr>
-            <p:ph type="dt" idx="6" sz="half"/>
+            <p:ph type="dt" sz="half" idx="6"/>
           </p:nvPr>
         </p:nvSpPr>
         <p:spPr/>
@@ -780,7 +937,9 @@
           <a:p>
             <a:fld id="{1D8BD707-D9CF-40AE-B4C6-C98DA3205C09}" type="datetimeFigureOut">
               <a:rPr lang="en-US"/>
+              <a:t>1/7/2022</a:t>
             </a:fld>
+            <a:endParaRPr lang="en-US"/>
           </a:p>
         </p:txBody>
       </p:sp>
@@ -791,7 +950,7 @@
             <a:spLocks noGrp="1"/>
           </p:cNvSpPr>
           <p:nvPr>
-            <p:ph type="sldNum" idx="7" sz="quarter"/>
+            <p:ph type="sldNum" sz="quarter" idx="7"/>
           </p:nvPr>
         </p:nvSpPr>
         <p:spPr/>
@@ -810,8 +969,9 @@
           </a:lstStyle>
           <a:p>
             <a:fld id="{B6F15528-21DE-4FAA-801E-634DDDAF4B2B}" type="slidenum">
-              <a:t>#</a:t>
+              <a:t>‹#›</a:t>
             </a:fld>
+            <a:endParaRPr/>
           </a:p>
         </p:txBody>
       </p:sp>
@@ -893,7 +1053,9 @@
         <p:txBody>
           <a:bodyPr wrap="square" lIns="0" tIns="0" rIns="0" bIns="0" rtlCol="0"/>
           <a:lstStyle/>
-          <a:p/>
+          <a:p>
+            <a:endParaRPr/>
+          </a:p>
         </p:txBody>
       </p:sp>
       <p:sp>
@@ -930,7 +1092,9 @@
               </a:defRPr>
             </a:lvl1pPr>
           </a:lstStyle>
-          <a:p/>
+          <a:p>
+            <a:endParaRPr/>
+          </a:p>
         </p:txBody>
       </p:sp>
       <p:sp>
@@ -961,7 +1125,9 @@
               <a:defRPr/>
             </a:lvl1pPr>
           </a:lstStyle>
-          <a:p/>
+          <a:p>
+            <a:endParaRPr/>
+          </a:p>
         </p:txBody>
       </p:sp>
       <p:sp>
@@ -971,7 +1137,7 @@
             <a:spLocks noGrp="1"/>
           </p:cNvSpPr>
           <p:nvPr>
-            <p:ph type="ftr" idx="5" sz="quarter"/>
+            <p:ph type="ftr" sz="quarter" idx="5"/>
           </p:nvPr>
         </p:nvSpPr>
         <p:spPr>
@@ -998,7 +1164,9 @@
               </a:defRPr>
             </a:lvl1pPr>
           </a:lstStyle>
-          <a:p/>
+          <a:p>
+            <a:endParaRPr/>
+          </a:p>
         </p:txBody>
       </p:sp>
       <p:sp>
@@ -1008,7 +1176,7 @@
             <a:spLocks noGrp="1"/>
           </p:cNvSpPr>
           <p:nvPr>
-            <p:ph type="dt" idx="6" sz="half"/>
+            <p:ph type="dt" sz="half" idx="6"/>
           </p:nvPr>
         </p:nvSpPr>
         <p:spPr>
@@ -1038,7 +1206,9 @@
           <a:p>
             <a:fld id="{1D8BD707-D9CF-40AE-B4C6-C98DA3205C09}" type="datetimeFigureOut">
               <a:rPr lang="en-US"/>
+              <a:t>1/7/2022</a:t>
             </a:fld>
+            <a:endParaRPr lang="en-US"/>
           </a:p>
         </p:txBody>
       </p:sp>
@@ -1049,7 +1219,7 @@
             <a:spLocks noGrp="1"/>
           </p:cNvSpPr>
           <p:nvPr>
-            <p:ph type="sldNum" idx="7" sz="quarter"/>
+            <p:ph type="sldNum" sz="quarter" idx="7"/>
           </p:nvPr>
         </p:nvSpPr>
         <p:spPr>
@@ -1078,14 +1248,15 @@
           </a:lstStyle>
           <a:p>
             <a:fld id="{B6F15528-21DE-4FAA-801E-634DDDAF4B2B}" type="slidenum">
-              <a:t>#</a:t>
+              <a:t>‹#›</a:t>
             </a:fld>
+            <a:endParaRPr/>
           </a:p>
         </p:txBody>
       </p:sp>
     </p:spTree>
   </p:cSld>
-  <p:clrMap folHlink="folHlink" hlink="hlink" accent1="accent1" accent2="accent2" accent3="accent3" accent4="accent4" accent5="accent5" accent6="accent6" tx2="dk2" bg2="lt2" tx1="dk1" bg1="lt1"/>
+  <p:clrMap bg1="lt1" tx1="dk1" bg2="lt2" tx2="dk2" accent1="accent1" accent2="accent2" accent3="accent3" accent4="accent4" accent5="accent5" accent6="accent6" hlink="hlink" folHlink="folHlink"/>
   <p:sldLayoutIdLst>
     <p:sldLayoutId id="2147483661" r:id="rId1"/>
     <p:sldLayoutId id="2147483662" r:id="rId2"/>
@@ -1299,7 +1470,9 @@
         <p:txBody>
           <a:bodyPr wrap="square" lIns="0" tIns="0" rIns="0" bIns="0" rtlCol="0"/>
           <a:lstStyle/>
-          <a:p/>
+          <a:p>
+            <a:endParaRPr/>
+          </a:p>
         </p:txBody>
       </p:sp>
       <p:grpSp>
@@ -1340,7 +1513,9 @@
           <p:txBody>
             <a:bodyPr wrap="square" lIns="0" tIns="0" rIns="0" bIns="0" rtlCol="0"/>
             <a:lstStyle/>
-            <a:p/>
+            <a:p>
+              <a:endParaRPr/>
+            </a:p>
           </p:txBody>
         </p:sp>
         <p:sp>
@@ -1388,7 +1563,9 @@
           <p:txBody>
             <a:bodyPr wrap="square" lIns="0" tIns="0" rIns="0" bIns="0" rtlCol="0"/>
             <a:lstStyle/>
-            <a:p/>
+            <a:p>
+              <a:endParaRPr/>
+            </a:p>
           </p:txBody>
         </p:sp>
         <p:sp>
@@ -2141,7 +2318,9 @@
           <p:txBody>
             <a:bodyPr wrap="square" lIns="0" tIns="0" rIns="0" bIns="0" rtlCol="0"/>
             <a:lstStyle/>
-            <a:p/>
+            <a:p>
+              <a:endParaRPr/>
+            </a:p>
           </p:txBody>
         </p:sp>
       </p:grpSp>
@@ -3198,7 +3377,9 @@
         <p:txBody>
           <a:bodyPr wrap="square" lIns="0" tIns="0" rIns="0" bIns="0" rtlCol="0"/>
           <a:lstStyle/>
-          <a:p/>
+          <a:p>
+            <a:endParaRPr/>
+          </a:p>
         </p:txBody>
       </p:sp>
       <p:sp>
@@ -3217,12 +3398,12 @@
           </a:prstGeom>
         </p:spPr>
         <p:txBody>
-          <a:bodyPr wrap="square" lIns="0" tIns="100330" rIns="0" bIns="0" rtlCol="0" vert="horz">
+          <a:bodyPr vert="horz" wrap="square" lIns="0" tIns="100330" rIns="0" bIns="0" rtlCol="0">
             <a:spAutoFit/>
           </a:bodyPr>
           <a:lstStyle/>
           <a:p>
-            <a:pPr algn="ctr" marR="69215">
+            <a:pPr marR="69215" algn="ctr">
               <a:lnSpc>
                 <a:spcPct val="100000"/>
               </a:lnSpc>
@@ -3238,7 +3419,7 @@
               </a:tabLst>
             </a:pPr>
             <a:r>
-              <a:rPr dirty="0" sz="2350" spc="229">
+              <a:rPr sz="2350" spc="229" dirty="0">
                 <a:solidFill>
                   <a:srgbClr val="252826"/>
                 </a:solidFill>
@@ -3248,7 +3429,7 @@
               <a:t>ĐẠI	</a:t>
             </a:r>
             <a:r>
-              <a:rPr dirty="0" sz="2350" spc="235">
+              <a:rPr sz="2350" spc="235" dirty="0">
                 <a:solidFill>
                   <a:srgbClr val="252826"/>
                 </a:solidFill>
@@ -3258,7 +3439,7 @@
               <a:t>HỌC	</a:t>
             </a:r>
             <a:r>
-              <a:rPr dirty="0" sz="2350" spc="180">
+              <a:rPr sz="2350" spc="180" dirty="0">
                 <a:solidFill>
                   <a:srgbClr val="252826"/>
                 </a:solidFill>
@@ -3268,7 +3449,7 @@
               <a:t>BÁCH	</a:t>
             </a:r>
             <a:r>
-              <a:rPr dirty="0" sz="2350" spc="280">
+              <a:rPr sz="2350" spc="280" dirty="0">
                 <a:solidFill>
                   <a:srgbClr val="252826"/>
                 </a:solidFill>
@@ -3278,7 +3459,7 @@
               <a:t>KHOA	</a:t>
             </a:r>
             <a:r>
-              <a:rPr dirty="0" sz="2350" spc="220">
+              <a:rPr sz="2350" spc="220" dirty="0">
                 <a:solidFill>
                   <a:srgbClr val="252826"/>
                 </a:solidFill>
@@ -3288,7 +3469,7 @@
               <a:t>HÀ	</a:t>
             </a:r>
             <a:r>
-              <a:rPr dirty="0" sz="2350" spc="325">
+              <a:rPr sz="2350" spc="325" dirty="0">
                 <a:solidFill>
                   <a:srgbClr val="252826"/>
                 </a:solidFill>
@@ -3321,7 +3502,7 @@
               </a:tabLst>
             </a:pPr>
             <a:r>
-              <a:rPr dirty="0" sz="2350" spc="160" b="1">
+              <a:rPr sz="2350" b="1" spc="160" dirty="0">
                 <a:solidFill>
                   <a:srgbClr val="252826"/>
                 </a:solidFill>
@@ -3331,7 +3512,7 @@
               <a:t>T</a:t>
             </a:r>
             <a:r>
-              <a:rPr dirty="0" sz="2350" spc="105" b="1">
+              <a:rPr sz="2350" b="1" spc="105" dirty="0">
                 <a:solidFill>
                   <a:srgbClr val="252826"/>
                 </a:solidFill>
@@ -3341,7 +3522,7 @@
               <a:t>R</a:t>
             </a:r>
             <a:r>
-              <a:rPr dirty="0" sz="2350" spc="80" b="1">
+              <a:rPr sz="2350" b="1" spc="80" dirty="0">
                 <a:solidFill>
                   <a:srgbClr val="252826"/>
                 </a:solidFill>
@@ -3351,7 +3532,7 @@
               <a:t>Ư</a:t>
             </a:r>
             <a:r>
-              <a:rPr dirty="0" sz="2350" spc="229" b="1">
+              <a:rPr sz="2350" b="1" spc="229" dirty="0">
                 <a:solidFill>
                   <a:srgbClr val="252826"/>
                 </a:solidFill>
@@ -3361,7 +3542,7 @@
               <a:t>Ờ</a:t>
             </a:r>
             <a:r>
-              <a:rPr dirty="0" sz="2350" spc="515" b="1">
+              <a:rPr sz="2350" b="1" spc="515" dirty="0">
                 <a:solidFill>
                   <a:srgbClr val="252826"/>
                 </a:solidFill>
@@ -3371,7 +3552,7 @@
               <a:t>N</a:t>
             </a:r>
             <a:r>
-              <a:rPr dirty="0" sz="2350" spc="-55" b="1">
+              <a:rPr sz="2350" b="1" spc="-55" dirty="0">
                 <a:solidFill>
                   <a:srgbClr val="252826"/>
                 </a:solidFill>
@@ -3381,7 +3562,7 @@
               <a:t>G</a:t>
             </a:r>
             <a:r>
-              <a:rPr dirty="0" sz="2350" b="1">
+              <a:rPr sz="2350" b="1" dirty="0">
                 <a:solidFill>
                   <a:srgbClr val="252826"/>
                 </a:solidFill>
@@ -3391,7 +3572,7 @@
               <a:t>	</a:t>
             </a:r>
             <a:r>
-              <a:rPr dirty="0" sz="2350" spc="165" b="1">
+              <a:rPr sz="2350" b="1" spc="165" dirty="0">
                 <a:solidFill>
                   <a:srgbClr val="252826"/>
                 </a:solidFill>
@@ -3401,7 +3582,7 @@
               <a:t>C</a:t>
             </a:r>
             <a:r>
-              <a:rPr dirty="0" sz="2350" spc="409" b="1">
+              <a:rPr sz="2350" b="1" spc="409" dirty="0">
                 <a:solidFill>
                   <a:srgbClr val="252826"/>
                 </a:solidFill>
@@ -3411,7 +3592,7 @@
               <a:t>Ô</a:t>
             </a:r>
             <a:r>
-              <a:rPr dirty="0" sz="2350" spc="515" b="1">
+              <a:rPr sz="2350" b="1" spc="515" dirty="0">
                 <a:solidFill>
                   <a:srgbClr val="252826"/>
                 </a:solidFill>
@@ -3421,7 +3602,7 @@
               <a:t>N</a:t>
             </a:r>
             <a:r>
-              <a:rPr dirty="0" sz="2350" spc="-55" b="1">
+              <a:rPr sz="2350" b="1" spc="-55" dirty="0">
                 <a:solidFill>
                   <a:srgbClr val="252826"/>
                 </a:solidFill>
@@ -3431,7 +3612,7 @@
               <a:t>G</a:t>
             </a:r>
             <a:r>
-              <a:rPr dirty="0" sz="2350" b="1">
+              <a:rPr sz="2350" b="1" dirty="0">
                 <a:solidFill>
                   <a:srgbClr val="252826"/>
                 </a:solidFill>
@@ -3441,7 +3622,7 @@
               <a:t>	</a:t>
             </a:r>
             <a:r>
-              <a:rPr dirty="0" sz="2350" spc="515" b="1">
+              <a:rPr sz="2350" b="1" spc="515" dirty="0">
                 <a:solidFill>
                   <a:srgbClr val="252826"/>
                 </a:solidFill>
@@ -3451,7 +3632,7 @@
               <a:t>N</a:t>
             </a:r>
             <a:r>
-              <a:rPr dirty="0" sz="2350" spc="175" b="1">
+              <a:rPr sz="2350" b="1" spc="175" dirty="0">
                 <a:solidFill>
                   <a:srgbClr val="252826"/>
                 </a:solidFill>
@@ -3461,7 +3642,7 @@
               <a:t>G</a:t>
             </a:r>
             <a:r>
-              <a:rPr dirty="0" sz="2350" spc="390" b="1">
+              <a:rPr sz="2350" b="1" spc="390" dirty="0">
                 <a:solidFill>
                   <a:srgbClr val="252826"/>
                 </a:solidFill>
@@ -3471,7 +3652,7 @@
               <a:t>H</a:t>
             </a:r>
             <a:r>
-              <a:rPr dirty="0" sz="2350" spc="-25" b="1">
+              <a:rPr sz="2350" b="1" spc="-25" dirty="0">
                 <a:solidFill>
                   <a:srgbClr val="252826"/>
                 </a:solidFill>
@@ -3481,7 +3662,7 @@
               <a:t>Ệ</a:t>
             </a:r>
             <a:r>
-              <a:rPr dirty="0" sz="2350" b="1">
+              <a:rPr sz="2350" b="1" dirty="0">
                 <a:solidFill>
                   <a:srgbClr val="252826"/>
                 </a:solidFill>
@@ -3491,7 +3672,7 @@
               <a:t>	</a:t>
             </a:r>
             <a:r>
-              <a:rPr dirty="0" sz="2350" spc="160" b="1">
+              <a:rPr sz="2350" b="1" spc="160" dirty="0">
                 <a:solidFill>
                   <a:srgbClr val="252826"/>
                 </a:solidFill>
@@ -3501,7 +3682,7 @@
               <a:t>T</a:t>
             </a:r>
             <a:r>
-              <a:rPr dirty="0" sz="2350" spc="390" b="1">
+              <a:rPr sz="2350" b="1" spc="390" dirty="0">
                 <a:solidFill>
                   <a:srgbClr val="252826"/>
                 </a:solidFill>
@@ -3511,7 +3692,7 @@
               <a:t>H</a:t>
             </a:r>
             <a:r>
-              <a:rPr dirty="0" sz="2350" spc="409" b="1">
+              <a:rPr sz="2350" b="1" spc="409" dirty="0">
                 <a:solidFill>
                   <a:srgbClr val="252826"/>
                 </a:solidFill>
@@ -3521,7 +3702,7 @@
               <a:t>Ô</a:t>
             </a:r>
             <a:r>
-              <a:rPr dirty="0" sz="2350" spc="515" b="1">
+              <a:rPr sz="2350" b="1" spc="515" dirty="0">
                 <a:solidFill>
                   <a:srgbClr val="252826"/>
                 </a:solidFill>
@@ -3531,7 +3712,7 @@
               <a:t>N</a:t>
             </a:r>
             <a:r>
-              <a:rPr dirty="0" sz="2350" spc="-55" b="1">
+              <a:rPr sz="2350" b="1" spc="-55" dirty="0">
                 <a:solidFill>
                   <a:srgbClr val="252826"/>
                 </a:solidFill>
@@ -3541,7 +3722,7 @@
               <a:t>G</a:t>
             </a:r>
             <a:r>
-              <a:rPr dirty="0" sz="2350" b="1">
+              <a:rPr sz="2350" b="1" dirty="0">
                 <a:solidFill>
                   <a:srgbClr val="252826"/>
                 </a:solidFill>
@@ -3551,7 +3732,7 @@
               <a:t>	</a:t>
             </a:r>
             <a:r>
-              <a:rPr dirty="0" sz="2350" spc="160" b="1">
+              <a:rPr sz="2350" b="1" spc="160" dirty="0">
                 <a:solidFill>
                   <a:srgbClr val="252826"/>
                 </a:solidFill>
@@ -3561,7 +3742,7 @@
               <a:t>T</a:t>
             </a:r>
             <a:r>
-              <a:rPr dirty="0" sz="2350" spc="325" b="1">
+              <a:rPr sz="2350" b="1" spc="325" dirty="0">
                 <a:solidFill>
                   <a:srgbClr val="252826"/>
                 </a:solidFill>
@@ -3571,7 +3752,7 @@
               <a:t>I</a:t>
             </a:r>
             <a:r>
-              <a:rPr dirty="0" sz="2350" spc="285" b="1">
+              <a:rPr sz="2350" b="1" spc="285" dirty="0">
                 <a:solidFill>
                   <a:srgbClr val="252826"/>
                 </a:solidFill>
@@ -3581,7 +3762,7 @@
               <a:t>N</a:t>
             </a:r>
             <a:r>
-              <a:rPr dirty="0" sz="2350" b="1">
+              <a:rPr sz="2350" b="1" dirty="0">
                 <a:solidFill>
                   <a:srgbClr val="252826"/>
                 </a:solidFill>
@@ -3591,7 +3772,7 @@
               <a:t>	</a:t>
             </a:r>
             <a:r>
-              <a:rPr dirty="0" sz="2350" spc="365" b="1">
+              <a:rPr sz="2350" b="1" spc="365" dirty="0">
                 <a:solidFill>
                   <a:srgbClr val="252826"/>
                 </a:solidFill>
@@ -3601,7 +3782,7 @@
               <a:t>V</a:t>
             </a:r>
             <a:r>
-              <a:rPr dirty="0" sz="2350" spc="-55" b="1">
+              <a:rPr sz="2350" b="1" spc="-55" dirty="0">
                 <a:solidFill>
                   <a:srgbClr val="252826"/>
                 </a:solidFill>
@@ -3611,7 +3792,7 @@
               <a:t>À</a:t>
             </a:r>
             <a:r>
-              <a:rPr dirty="0" sz="2350" b="1">
+              <a:rPr sz="2350" b="1" dirty="0">
                 <a:solidFill>
                   <a:srgbClr val="252826"/>
                 </a:solidFill>
@@ -3621,7 +3802,7 @@
               <a:t>	</a:t>
             </a:r>
             <a:r>
-              <a:rPr dirty="0" sz="2350" spc="160" b="1">
+              <a:rPr sz="2350" b="1" spc="160" dirty="0">
                 <a:solidFill>
                   <a:srgbClr val="252826"/>
                 </a:solidFill>
@@ -3631,7 +3812,7 @@
               <a:t>T</a:t>
             </a:r>
             <a:r>
-              <a:rPr dirty="0" sz="2350" spc="105" b="1">
+              <a:rPr sz="2350" b="1" spc="105" dirty="0">
                 <a:solidFill>
                   <a:srgbClr val="252826"/>
                 </a:solidFill>
@@ -3641,7 +3822,7 @@
               <a:t>R</a:t>
             </a:r>
             <a:r>
-              <a:rPr dirty="0" sz="2350" spc="270" b="1">
+              <a:rPr sz="2350" b="1" spc="270" dirty="0">
                 <a:solidFill>
                   <a:srgbClr val="252826"/>
                 </a:solidFill>
@@ -3651,7 +3832,7 @@
               <a:t>U</a:t>
             </a:r>
             <a:r>
-              <a:rPr dirty="0" sz="2350" spc="315" b="1">
+              <a:rPr sz="2350" b="1" spc="315" dirty="0">
                 <a:solidFill>
                   <a:srgbClr val="252826"/>
                 </a:solidFill>
@@ -3661,7 +3842,7 @@
               <a:t>Y</a:t>
             </a:r>
             <a:r>
-              <a:rPr dirty="0" sz="2350" spc="204" b="1">
+              <a:rPr sz="2350" b="1" spc="204" dirty="0">
                 <a:solidFill>
                   <a:srgbClr val="252826"/>
                 </a:solidFill>
@@ -3671,7 +3852,7 @@
               <a:t>Ề</a:t>
             </a:r>
             <a:r>
-              <a:rPr dirty="0" sz="2350" spc="285" b="1">
+              <a:rPr sz="2350" b="1" spc="285" dirty="0">
                 <a:solidFill>
                   <a:srgbClr val="252826"/>
                 </a:solidFill>
@@ -3681,7 +3862,7 @@
               <a:t>N</a:t>
             </a:r>
             <a:r>
-              <a:rPr dirty="0" sz="2350" b="1">
+              <a:rPr sz="2350" b="1" dirty="0">
                 <a:solidFill>
                   <a:srgbClr val="252826"/>
                 </a:solidFill>
@@ -3691,7 +3872,7 @@
               <a:t>	</a:t>
             </a:r>
             <a:r>
-              <a:rPr dirty="0" sz="2350" spc="160" b="1">
+              <a:rPr sz="2350" b="1" spc="160" dirty="0">
                 <a:solidFill>
                   <a:srgbClr val="252826"/>
                 </a:solidFill>
@@ -3701,7 +3882,7 @@
               <a:t>T</a:t>
             </a:r>
             <a:r>
-              <a:rPr dirty="0" sz="2350" spc="390" b="1">
+              <a:rPr sz="2350" b="1" spc="390" dirty="0">
                 <a:solidFill>
                   <a:srgbClr val="252826"/>
                 </a:solidFill>
@@ -3711,7 +3892,7 @@
               <a:t>H</a:t>
             </a:r>
             <a:r>
-              <a:rPr dirty="0" sz="2350" spc="409" b="1">
+              <a:rPr sz="2350" b="1" spc="409" dirty="0">
                 <a:solidFill>
                   <a:srgbClr val="252826"/>
                 </a:solidFill>
@@ -3721,7 +3902,7 @@
               <a:t>Ô</a:t>
             </a:r>
             <a:r>
-              <a:rPr dirty="0" sz="2350" spc="515" b="1">
+              <a:rPr sz="2350" b="1" spc="515" dirty="0">
                 <a:solidFill>
                   <a:srgbClr val="252826"/>
                 </a:solidFill>
@@ -3731,7 +3912,7 @@
               <a:t>N</a:t>
             </a:r>
             <a:r>
-              <a:rPr dirty="0" sz="2350" spc="-55" b="1">
+              <a:rPr sz="2350" b="1" spc="-55" dirty="0">
                 <a:solidFill>
                   <a:srgbClr val="252826"/>
                 </a:solidFill>
@@ -3758,10 +3939,12 @@
           </p:nvPr>
         </p:nvSpPr>
         <p:spPr>
-          <a:prstGeom prst="rect"/>
+          <a:prstGeom prst="rect">
+            <a:avLst/>
+          </a:prstGeom>
         </p:spPr>
         <p:txBody>
-          <a:bodyPr wrap="square" lIns="0" tIns="12700" rIns="0" bIns="0" rtlCol="0" vert="horz">
+          <a:bodyPr vert="horz" wrap="square" lIns="0" tIns="12700" rIns="0" bIns="0" rtlCol="0">
             <a:spAutoFit/>
           </a:bodyPr>
           <a:lstStyle/>
@@ -3787,15 +3970,15 @@
               </a:tabLst>
             </a:pPr>
             <a:r>
-              <a:rPr dirty="0" spc="30"/>
+              <a:rPr spc="30" dirty="0"/>
               <a:t>B</a:t>
             </a:r>
             <a:r>
-              <a:rPr dirty="0" spc="285"/>
+              <a:rPr spc="285" dirty="0"/>
               <a:t>Á</a:t>
             </a:r>
             <a:r>
-              <a:rPr dirty="0" spc="290"/>
+              <a:rPr spc="290" dirty="0"/>
               <a:t>O</a:t>
             </a:r>
             <a:r>
@@ -3803,15 +3986,15 @@
               <a:t>	</a:t>
             </a:r>
             <a:r>
-              <a:rPr dirty="0" spc="270"/>
+              <a:rPr spc="270" dirty="0"/>
               <a:t>C</a:t>
             </a:r>
             <a:r>
-              <a:rPr dirty="0" spc="285"/>
+              <a:rPr spc="285" dirty="0"/>
               <a:t>Á</a:t>
             </a:r>
             <a:r>
-              <a:rPr dirty="0" spc="290"/>
+              <a:rPr spc="290" dirty="0"/>
               <a:t>O</a:t>
             </a:r>
             <a:r>
@@ -3819,15 +4002,15 @@
               <a:t>	</a:t>
             </a:r>
             <a:r>
-              <a:rPr dirty="0" spc="30"/>
+              <a:rPr spc="30" dirty="0"/>
               <a:t>B</a:t>
             </a:r>
             <a:r>
-              <a:rPr dirty="0" spc="285"/>
+              <a:rPr spc="285" dirty="0"/>
               <a:t>À</a:t>
             </a:r>
             <a:r>
-              <a:rPr dirty="0" spc="145"/>
+              <a:rPr spc="145" dirty="0"/>
               <a:t>I</a:t>
             </a:r>
             <a:r>
@@ -3835,15 +4018,15 @@
               <a:t>	</a:t>
             </a:r>
             <a:r>
-              <a:rPr dirty="0" spc="270"/>
+              <a:rPr spc="270" dirty="0"/>
               <a:t>T</a:t>
             </a:r>
             <a:r>
-              <a:rPr dirty="0" spc="285"/>
+              <a:rPr spc="285" dirty="0"/>
               <a:t>Ậ</a:t>
             </a:r>
             <a:r>
-              <a:rPr dirty="0" spc="-210"/>
+              <a:rPr spc="-210" dirty="0"/>
               <a:t>P</a:t>
             </a:r>
             <a:r>
@@ -3851,15 +4034,15 @@
               <a:t>	</a:t>
             </a:r>
             <a:r>
-              <a:rPr dirty="0" spc="445"/>
+              <a:rPr spc="445" dirty="0"/>
               <a:t>L</a:t>
             </a:r>
             <a:r>
-              <a:rPr dirty="0" spc="375"/>
+              <a:rPr spc="375" dirty="0"/>
               <a:t>Ớ</a:t>
             </a:r>
             <a:r>
-              <a:rPr dirty="0" spc="455"/>
+              <a:rPr spc="455" dirty="0"/>
               <a:t>N</a:t>
             </a:r>
             <a:r>
@@ -3867,23 +4050,23 @@
               <a:t>	</a:t>
             </a:r>
             <a:r>
-              <a:rPr dirty="0" spc="270"/>
+              <a:rPr spc="270" dirty="0"/>
               <a:t>T</a:t>
             </a:r>
             <a:r>
-              <a:rPr dirty="0" spc="635"/>
+              <a:rPr spc="635" dirty="0"/>
               <a:t>H</a:t>
             </a:r>
             <a:r>
-              <a:rPr dirty="0" spc="520"/>
+              <a:rPr spc="520" dirty="0"/>
               <a:t>I</a:t>
             </a:r>
             <a:r>
-              <a:rPr dirty="0" spc="340"/>
+              <a:rPr spc="340" dirty="0"/>
               <a:t>Ế</a:t>
             </a:r>
             <a:r>
-              <a:rPr dirty="0" spc="-105"/>
+              <a:rPr spc="-105" dirty="0"/>
               <a:t>T</a:t>
             </a:r>
             <a:r>
@@ -3891,11 +4074,11 @@
               <a:t>	</a:t>
             </a:r>
             <a:r>
-              <a:rPr dirty="0" spc="250"/>
+              <a:rPr spc="250" dirty="0"/>
               <a:t>K</a:t>
             </a:r>
             <a:r>
-              <a:rPr dirty="0" spc="-35"/>
+              <a:rPr spc="-35" dirty="0"/>
               <a:t>Ế</a:t>
             </a:r>
             <a:r>
@@ -3903,15 +4086,15 @@
               <a:t>	</a:t>
             </a:r>
             <a:r>
-              <a:rPr dirty="0" spc="475"/>
+              <a:rPr spc="475" dirty="0"/>
               <a:t>X</a:t>
             </a:r>
             <a:r>
-              <a:rPr dirty="0" spc="285"/>
+              <a:rPr spc="285" dirty="0"/>
               <a:t>Â</a:t>
             </a:r>
             <a:r>
-              <a:rPr dirty="0" spc="135"/>
+              <a:rPr spc="135" dirty="0"/>
               <a:t>Y</a:t>
             </a:r>
             <a:r>
@@ -3919,19 +4102,19 @@
               <a:t>	</a:t>
             </a:r>
             <a:r>
-              <a:rPr dirty="0" spc="520"/>
+              <a:rPr spc="520" dirty="0"/>
               <a:t>D</a:t>
             </a:r>
             <a:r>
-              <a:rPr dirty="0" spc="135"/>
+              <a:rPr spc="135" dirty="0"/>
               <a:t>Ự</a:t>
             </a:r>
             <a:r>
-              <a:rPr dirty="0" spc="825"/>
+              <a:rPr spc="825" dirty="0"/>
               <a:t>N</a:t>
             </a:r>
             <a:r>
-              <a:rPr dirty="0" spc="-85"/>
+              <a:rPr spc="-85" dirty="0"/>
               <a:t>G</a:t>
             </a:r>
             <a:r>
@@ -3939,19 +4122,19 @@
               <a:t>	</a:t>
             </a:r>
             <a:r>
-              <a:rPr dirty="0" spc="165"/>
+              <a:rPr spc="165" dirty="0"/>
               <a:t>P</a:t>
             </a:r>
             <a:r>
-              <a:rPr dirty="0" spc="635"/>
+              <a:rPr spc="635" dirty="0"/>
               <a:t>H</a:t>
             </a:r>
             <a:r>
-              <a:rPr dirty="0" spc="285"/>
+              <a:rPr spc="285" dirty="0"/>
               <a:t>Ầ</a:t>
             </a:r>
             <a:r>
-              <a:rPr dirty="0" spc="455"/>
+              <a:rPr spc="455" dirty="0"/>
               <a:t>N</a:t>
             </a:r>
             <a:r>
@@ -3959,15 +4142,15 @@
               <a:t>	</a:t>
             </a:r>
             <a:r>
-              <a:rPr dirty="0" spc="750"/>
+              <a:rPr spc="750" dirty="0"/>
               <a:t>M</a:t>
             </a:r>
             <a:r>
-              <a:rPr dirty="0" spc="340"/>
+              <a:rPr spc="340" dirty="0"/>
               <a:t>Ề</a:t>
             </a:r>
             <a:r>
-              <a:rPr dirty="0" spc="380"/>
+              <a:rPr spc="380" dirty="0"/>
               <a:t>M</a:t>
             </a:r>
           </a:p>
@@ -3989,12 +4172,12 @@
           </a:prstGeom>
         </p:spPr>
         <p:txBody>
-          <a:bodyPr wrap="square" lIns="0" tIns="240665" rIns="0" bIns="0" rtlCol="0" vert="horz">
+          <a:bodyPr vert="horz" wrap="square" lIns="0" tIns="240665" rIns="0" bIns="0" rtlCol="0">
             <a:spAutoFit/>
           </a:bodyPr>
           <a:lstStyle/>
           <a:p>
-            <a:pPr algn="ctr" marR="113030">
+            <a:pPr marR="113030" algn="ctr">
               <a:lnSpc>
                 <a:spcPct val="100000"/>
               </a:lnSpc>
@@ -4006,7 +4189,7 @@
               </a:tabLst>
             </a:pPr>
             <a:r>
-              <a:rPr dirty="0" sz="2800" spc="135" b="1">
+              <a:rPr sz="2800" b="1" spc="135" dirty="0">
                 <a:solidFill>
                   <a:srgbClr val="252826"/>
                 </a:solidFill>
@@ -4016,7 +4199,7 @@
               <a:t>ĐỀ	</a:t>
             </a:r>
             <a:r>
-              <a:rPr dirty="0" sz="2800" spc="95" b="1">
+              <a:rPr sz="2800" b="1" spc="95" dirty="0">
                 <a:solidFill>
                   <a:srgbClr val="252826"/>
                 </a:solidFill>
@@ -4052,7 +4235,7 @@
               </a:tabLst>
             </a:pPr>
             <a:r>
-              <a:rPr dirty="0" sz="2800" spc="155" b="1">
+              <a:rPr sz="2800" b="1" spc="155" dirty="0">
                 <a:solidFill>
                   <a:srgbClr val="252826"/>
                 </a:solidFill>
@@ -4062,7 +4245,7 @@
               <a:t>THIẾT	</a:t>
             </a:r>
             <a:r>
-              <a:rPr dirty="0" sz="2800" spc="20" b="1">
+              <a:rPr sz="2800" b="1" spc="20" dirty="0">
                 <a:solidFill>
                   <a:srgbClr val="252826"/>
                 </a:solidFill>
@@ -4072,7 +4255,7 @@
               <a:t>KẾ	</a:t>
             </a:r>
             <a:r>
-              <a:rPr dirty="0" sz="2800" spc="130" b="1">
+              <a:rPr sz="2800" b="1" spc="130" dirty="0">
                 <a:solidFill>
                   <a:srgbClr val="252826"/>
                 </a:solidFill>
@@ -4082,7 +4265,7 @@
               <a:t>VÀ	</a:t>
             </a:r>
             <a:r>
-              <a:rPr dirty="0" sz="2800" spc="145" b="1">
+              <a:rPr sz="2800" b="1" spc="145" dirty="0">
                 <a:solidFill>
                   <a:srgbClr val="252826"/>
                 </a:solidFill>
@@ -4092,7 +4275,7 @@
               <a:t>XÂY	</a:t>
             </a:r>
             <a:r>
-              <a:rPr dirty="0" sz="2800" spc="175" b="1">
+              <a:rPr sz="2800" b="1" spc="175" dirty="0">
                 <a:solidFill>
                   <a:srgbClr val="252826"/>
                 </a:solidFill>
@@ -4102,7 +4285,7 @@
               <a:t>DỰNG	</a:t>
             </a:r>
             <a:r>
-              <a:rPr dirty="0" sz="2800" spc="165" b="1">
+              <a:rPr sz="2800" b="1" spc="165" dirty="0">
                 <a:solidFill>
                   <a:srgbClr val="252826"/>
                 </a:solidFill>
@@ -4112,7 +4295,7 @@
               <a:t>HỆ	</a:t>
             </a:r>
             <a:r>
-              <a:rPr dirty="0" sz="2800" spc="250" b="1">
+              <a:rPr sz="2800" b="1" spc="250" dirty="0">
                 <a:solidFill>
                   <a:srgbClr val="252826"/>
                 </a:solidFill>
@@ -4122,7 +4305,7 @@
               <a:t>THỐNG	</a:t>
             </a:r>
             <a:r>
-              <a:rPr dirty="0" sz="2800" spc="160" b="1">
+              <a:rPr sz="2800" b="1" spc="160" dirty="0">
                 <a:solidFill>
                   <a:srgbClr val="252826"/>
                 </a:solidFill>
@@ -4132,7 +4315,7 @@
               <a:t>THUÊ	</a:t>
             </a:r>
             <a:r>
-              <a:rPr dirty="0" sz="2800" spc="105" b="1">
+              <a:rPr sz="2800" b="1" spc="105" dirty="0">
                 <a:solidFill>
                   <a:srgbClr val="252826"/>
                 </a:solidFill>
@@ -4142,7 +4325,7 @@
               <a:t>XE	</a:t>
             </a:r>
             <a:r>
-              <a:rPr dirty="0" sz="2800" spc="80" b="1">
+              <a:rPr sz="2800" b="1" spc="80" dirty="0">
                 <a:solidFill>
                   <a:srgbClr val="252826"/>
                 </a:solidFill>
@@ -4152,7 +4335,7 @@
               <a:t>ĐẠP	</a:t>
             </a:r>
             <a:r>
-              <a:rPr dirty="0" sz="2800" spc="145" b="1">
+              <a:rPr sz="2800" b="1" spc="145" dirty="0">
                 <a:solidFill>
                   <a:srgbClr val="252826"/>
                 </a:solidFill>
@@ -4184,7 +4367,7 @@
           </a:prstGeom>
         </p:spPr>
         <p:txBody>
-          <a:bodyPr wrap="square" lIns="0" tIns="12700" rIns="0" bIns="0" rtlCol="0" vert="horz">
+          <a:bodyPr vert="horz" wrap="square" lIns="0" tIns="12700" rIns="0" bIns="0" rtlCol="0">
             <a:spAutoFit/>
           </a:bodyPr>
           <a:lstStyle/>
@@ -4201,7 +4384,7 @@
               </a:tabLst>
             </a:pPr>
             <a:r>
-              <a:rPr dirty="0" sz="3150" spc="690" b="1">
+              <a:rPr sz="3150" b="1" spc="690" dirty="0">
                 <a:solidFill>
                   <a:srgbClr val="252826"/>
                 </a:solidFill>
@@ -4211,7 +4394,7 @@
               <a:t>N</a:t>
             </a:r>
             <a:r>
-              <a:rPr dirty="0" sz="3150" spc="530" b="1">
+              <a:rPr sz="3150" b="1" spc="530" dirty="0">
                 <a:solidFill>
                   <a:srgbClr val="252826"/>
                 </a:solidFill>
@@ -4221,7 +4404,7 @@
               <a:t>H</a:t>
             </a:r>
             <a:r>
-              <a:rPr dirty="0" sz="3150" spc="550" b="1">
+              <a:rPr sz="3150" b="1" spc="550" dirty="0">
                 <a:solidFill>
                   <a:srgbClr val="252826"/>
                 </a:solidFill>
@@ -4231,7 +4414,7 @@
               <a:t>Ó</a:t>
             </a:r>
             <a:r>
-              <a:rPr dirty="0" sz="3150" spc="630" b="1">
+              <a:rPr sz="3150" b="1" spc="630" dirty="0">
                 <a:solidFill>
                   <a:srgbClr val="252826"/>
                 </a:solidFill>
@@ -4241,7 +4424,7 @@
               <a:t>M</a:t>
             </a:r>
             <a:r>
-              <a:rPr dirty="0" sz="3150" spc="-490" b="1">
+              <a:rPr sz="3150" b="1" spc="-490" dirty="0">
                 <a:solidFill>
                   <a:srgbClr val="252826"/>
                 </a:solidFill>
@@ -4251,7 +4434,7 @@
               <a:t>:</a:t>
             </a:r>
             <a:r>
-              <a:rPr dirty="0" sz="3150" b="1">
+              <a:rPr sz="3150" b="1" dirty="0">
                 <a:solidFill>
                   <a:srgbClr val="252826"/>
                 </a:solidFill>
@@ -4261,7 +4444,7 @@
               <a:t>	</a:t>
             </a:r>
             <a:r>
-              <a:rPr dirty="0" sz="3150" spc="-390" b="1">
+              <a:rPr sz="3150" b="1" spc="-390" dirty="0">
                 <a:solidFill>
                   <a:srgbClr val="252826"/>
                 </a:solidFill>
@@ -4271,7 +4454,7 @@
               <a:t>1</a:t>
             </a:r>
             <a:r>
-              <a:rPr dirty="0" sz="3150" spc="-195" b="1">
+              <a:rPr sz="3150" b="1" spc="-195" dirty="0">
                 <a:solidFill>
                   <a:srgbClr val="252826"/>
                 </a:solidFill>
@@ -4303,7 +4486,7 @@
           </a:prstGeom>
         </p:spPr>
         <p:txBody>
-          <a:bodyPr wrap="square" lIns="0" tIns="12700" rIns="0" bIns="0" rtlCol="0" vert="horz">
+          <a:bodyPr vert="horz" wrap="square" lIns="0" tIns="12700" rIns="0" bIns="0" rtlCol="0">
             <a:spAutoFit/>
           </a:bodyPr>
           <a:lstStyle/>
@@ -4324,7 +4507,7 @@
               </a:tabLst>
             </a:pPr>
             <a:r>
-              <a:rPr dirty="0" sz="2350" spc="180" b="1">
+              <a:rPr sz="2350" b="1" spc="180" dirty="0">
                 <a:solidFill>
                   <a:srgbClr val="252826"/>
                 </a:solidFill>
@@ -4334,7 +4517,7 @@
               <a:t>TRẦN	</a:t>
             </a:r>
             <a:r>
-              <a:rPr dirty="0" sz="2350" spc="215" b="1">
+              <a:rPr sz="2350" b="1" spc="215" dirty="0">
                 <a:solidFill>
                   <a:srgbClr val="252826"/>
                 </a:solidFill>
@@ -4344,7 +4527,7 @@
               <a:t>THỊ	</a:t>
             </a:r>
             <a:r>
-              <a:rPr dirty="0" sz="2350" spc="315" b="1">
+              <a:rPr sz="2350" b="1" spc="315" dirty="0">
                 <a:solidFill>
                   <a:srgbClr val="252826"/>
                 </a:solidFill>
@@ -4354,7 +4537,7 @@
               <a:t>HỒNG	</a:t>
             </a:r>
             <a:r>
-              <a:rPr dirty="0" sz="2350" spc="325" b="1">
+              <a:rPr sz="2350" b="1" spc="325" dirty="0">
                 <a:solidFill>
                   <a:srgbClr val="252826"/>
                 </a:solidFill>
@@ -4364,7 +4547,7 @@
               <a:t>NHUNG	</a:t>
             </a:r>
             <a:r>
-              <a:rPr dirty="0" sz="2350" spc="-70" b="1">
+              <a:rPr sz="2350" b="1" spc="-70" dirty="0">
                 <a:solidFill>
                   <a:srgbClr val="252826"/>
                 </a:solidFill>
@@ -4374,7 +4557,7 @@
               <a:t>-	</a:t>
             </a:r>
             <a:r>
-              <a:rPr dirty="0" sz="2350" spc="120" b="1">
+              <a:rPr sz="2350" b="1" spc="120" dirty="0">
                 <a:solidFill>
                   <a:srgbClr val="252826"/>
                 </a:solidFill>
@@ -4409,7 +4592,7 @@
               </a:tabLst>
             </a:pPr>
             <a:r>
-              <a:rPr dirty="0" sz="2350" spc="320" b="1">
+              <a:rPr sz="2350" b="1" spc="320" dirty="0">
                 <a:solidFill>
                   <a:srgbClr val="252826"/>
                 </a:solidFill>
@@ -4419,7 +4602,7 @@
               <a:t>D</a:t>
             </a:r>
             <a:r>
-              <a:rPr dirty="0" sz="2350" spc="80" b="1">
+              <a:rPr sz="2350" b="1" spc="80" dirty="0">
                 <a:solidFill>
                   <a:srgbClr val="252826"/>
                 </a:solidFill>
@@ -4429,7 +4612,7 @@
               <a:t>Ư</a:t>
             </a:r>
             <a:r>
-              <a:rPr dirty="0" sz="2350" spc="229" b="1">
+              <a:rPr sz="2350" b="1" spc="229" dirty="0">
                 <a:solidFill>
                   <a:srgbClr val="252826"/>
                 </a:solidFill>
@@ -4439,7 +4622,7 @@
               <a:t>Ơ</a:t>
             </a:r>
             <a:r>
-              <a:rPr dirty="0" sz="2350" spc="515" b="1">
+              <a:rPr sz="2350" b="1" spc="515" dirty="0">
                 <a:solidFill>
                   <a:srgbClr val="252826"/>
                 </a:solidFill>
@@ -4449,7 +4632,7 @@
               <a:t>N</a:t>
             </a:r>
             <a:r>
-              <a:rPr dirty="0" sz="2350" spc="-55" b="1">
+              <a:rPr sz="2350" b="1" spc="-55" dirty="0">
                 <a:solidFill>
                   <a:srgbClr val="252826"/>
                 </a:solidFill>
@@ -4459,7 +4642,7 @@
               <a:t>G</a:t>
             </a:r>
             <a:r>
-              <a:rPr dirty="0" sz="2350" b="1">
+              <a:rPr sz="2350" b="1" dirty="0">
                 <a:solidFill>
                   <a:srgbClr val="252826"/>
                 </a:solidFill>
@@ -4469,7 +4652,7 @@
               <a:t>		</a:t>
             </a:r>
             <a:r>
-              <a:rPr dirty="0" sz="2350" spc="390" b="1">
+              <a:rPr sz="2350" b="1" spc="390" dirty="0">
                 <a:solidFill>
                   <a:srgbClr val="252826"/>
                 </a:solidFill>
@@ -4479,7 +4662,7 @@
               <a:t>H</a:t>
             </a:r>
             <a:r>
-              <a:rPr dirty="0" sz="2350" spc="270" b="1">
+              <a:rPr sz="2350" b="1" spc="270" dirty="0">
                 <a:solidFill>
                   <a:srgbClr val="252826"/>
                 </a:solidFill>
@@ -4489,7 +4672,7 @@
               <a:t>U</a:t>
             </a:r>
             <a:r>
-              <a:rPr dirty="0" sz="2350" spc="-25" b="1">
+              <a:rPr sz="2350" b="1" spc="-25" dirty="0">
                 <a:solidFill>
                   <a:srgbClr val="252826"/>
                 </a:solidFill>
@@ -4499,7 +4682,7 @@
               <a:t>Ệ</a:t>
             </a:r>
             <a:r>
-              <a:rPr dirty="0" sz="2350" b="1">
+              <a:rPr sz="2350" b="1" dirty="0">
                 <a:solidFill>
                   <a:srgbClr val="252826"/>
                 </a:solidFill>
@@ -4509,7 +4692,7 @@
               <a:t>	</a:t>
             </a:r>
             <a:r>
-              <a:rPr dirty="0" sz="2350" spc="275" b="1">
+              <a:rPr sz="2350" b="1" spc="275" dirty="0">
                 <a:solidFill>
                   <a:srgbClr val="252826"/>
                 </a:solidFill>
@@ -4519,7 +4702,7 @@
               <a:t>L</a:t>
             </a:r>
             <a:r>
-              <a:rPr dirty="0" sz="2350" spc="325" b="1">
+              <a:rPr sz="2350" b="1" spc="325" dirty="0">
                 <a:solidFill>
                   <a:srgbClr val="252826"/>
                 </a:solidFill>
@@ -4529,7 +4712,7 @@
               <a:t>I</a:t>
             </a:r>
             <a:r>
-              <a:rPr dirty="0" sz="2350" spc="515" b="1">
+              <a:rPr sz="2350" b="1" spc="515" dirty="0">
                 <a:solidFill>
                   <a:srgbClr val="252826"/>
                 </a:solidFill>
@@ -4539,7 +4722,7 @@
               <a:t>N</a:t>
             </a:r>
             <a:r>
-              <a:rPr dirty="0" sz="2350" spc="160" b="1">
+              <a:rPr sz="2350" b="1" spc="160" dirty="0">
                 <a:solidFill>
                   <a:srgbClr val="252826"/>
                 </a:solidFill>
@@ -4549,7 +4732,7 @@
               <a:t>H</a:t>
             </a:r>
             <a:r>
-              <a:rPr dirty="0" sz="2350" b="1">
+              <a:rPr sz="2350" b="1" dirty="0">
                 <a:solidFill>
                   <a:srgbClr val="252826"/>
                 </a:solidFill>
@@ -4559,7 +4742,7 @@
               <a:t>		</a:t>
             </a:r>
             <a:r>
-              <a:rPr dirty="0" sz="2350" spc="-70" b="1">
+              <a:rPr sz="2350" b="1" spc="-70" dirty="0">
                 <a:solidFill>
                   <a:srgbClr val="252826"/>
                 </a:solidFill>
@@ -4569,7 +4752,7 @@
               <a:t>-</a:t>
             </a:r>
             <a:r>
-              <a:rPr dirty="0" sz="2350" b="1">
+              <a:rPr sz="2350" b="1" dirty="0">
                 <a:solidFill>
                   <a:srgbClr val="252826"/>
                 </a:solidFill>
@@ -4579,7 +4762,7 @@
               <a:t>		</a:t>
             </a:r>
             <a:r>
-              <a:rPr dirty="0" sz="2350" spc="235" b="1">
+              <a:rPr sz="2350" b="1" spc="235" dirty="0">
                 <a:solidFill>
                   <a:srgbClr val="252826"/>
                 </a:solidFill>
@@ -4589,7 +4772,7 @@
               <a:t>2</a:t>
             </a:r>
             <a:r>
-              <a:rPr dirty="0" sz="2350" spc="390" b="1">
+              <a:rPr sz="2350" b="1" spc="390" dirty="0">
                 <a:solidFill>
                   <a:srgbClr val="252826"/>
                 </a:solidFill>
@@ -4599,7 +4782,7 @@
               <a:t>0</a:t>
             </a:r>
             <a:r>
-              <a:rPr dirty="0" sz="2350" spc="-285" b="1">
+              <a:rPr sz="2350" b="1" spc="-285" dirty="0">
                 <a:solidFill>
                   <a:srgbClr val="252826"/>
                 </a:solidFill>
@@ -4609,7 +4792,7 @@
               <a:t>1</a:t>
             </a:r>
             <a:r>
-              <a:rPr dirty="0" sz="2350" spc="160" b="1">
+              <a:rPr sz="2350" b="1" spc="160" dirty="0">
                 <a:solidFill>
                   <a:srgbClr val="252826"/>
                 </a:solidFill>
@@ -4619,7 +4802,7 @@
               <a:t>8</a:t>
             </a:r>
             <a:r>
-              <a:rPr dirty="0" sz="2350" spc="155" b="1">
+              <a:rPr sz="2350" b="1" spc="155" dirty="0">
                 <a:solidFill>
                   <a:srgbClr val="252826"/>
                 </a:solidFill>
@@ -4629,7 +4812,7 @@
               <a:t>3</a:t>
             </a:r>
             <a:r>
-              <a:rPr dirty="0" sz="2350" spc="190" b="1">
+              <a:rPr sz="2350" b="1" spc="190" dirty="0">
                 <a:solidFill>
                   <a:srgbClr val="252826"/>
                 </a:solidFill>
@@ -4639,7 +4822,7 @@
               <a:t>9</a:t>
             </a:r>
             <a:r>
-              <a:rPr dirty="0" sz="2350" spc="195" b="1">
+              <a:rPr sz="2350" b="1" spc="195" dirty="0">
                 <a:solidFill>
                   <a:srgbClr val="252826"/>
                 </a:solidFill>
@@ -4649,7 +4832,7 @@
               <a:t>4</a:t>
             </a:r>
             <a:r>
-              <a:rPr dirty="0" sz="2350" spc="5" b="1">
+              <a:rPr sz="2350" b="1" spc="5" dirty="0">
                 <a:solidFill>
                   <a:srgbClr val="252826"/>
                 </a:solidFill>
@@ -4659,7 +4842,7 @@
               <a:t>2  </a:t>
             </a:r>
             <a:r>
-              <a:rPr dirty="0" sz="2350" spc="204" b="1">
+              <a:rPr sz="2350" b="1" spc="204" dirty="0">
                 <a:solidFill>
                   <a:srgbClr val="252826"/>
                 </a:solidFill>
@@ -4669,7 +4852,7 @@
               <a:t>VŨ	</a:t>
             </a:r>
             <a:r>
-              <a:rPr dirty="0" sz="2350" spc="215" b="1">
+              <a:rPr sz="2350" b="1" spc="215" dirty="0">
                 <a:solidFill>
                   <a:srgbClr val="252826"/>
                 </a:solidFill>
@@ -4679,7 +4862,7 @@
               <a:t>THỊ	</a:t>
             </a:r>
             <a:r>
-              <a:rPr dirty="0" sz="2350" spc="260" b="1">
+              <a:rPr sz="2350" b="1" spc="260" dirty="0">
                 <a:solidFill>
                   <a:srgbClr val="252826"/>
                 </a:solidFill>
@@ -4689,7 +4872,7 @@
               <a:t>NGỌC		</a:t>
             </a:r>
             <a:r>
-              <a:rPr dirty="0" sz="2350" spc="245" b="1">
+              <a:rPr sz="2350" b="1" spc="245" dirty="0">
                 <a:solidFill>
                   <a:srgbClr val="252826"/>
                 </a:solidFill>
@@ -4699,7 +4882,7 @@
               <a:t>LAN	</a:t>
             </a:r>
             <a:r>
-              <a:rPr dirty="0" sz="2350" spc="-70" b="1">
+              <a:rPr sz="2350" b="1" spc="-70" dirty="0">
                 <a:solidFill>
                   <a:srgbClr val="252826"/>
                 </a:solidFill>
@@ -4709,7 +4892,7 @@
               <a:t>-	</a:t>
             </a:r>
             <a:r>
-              <a:rPr dirty="0" sz="2350" spc="120" b="1">
+              <a:rPr sz="2350" b="1" spc="120" dirty="0">
                 <a:solidFill>
                   <a:srgbClr val="252826"/>
                 </a:solidFill>
@@ -4770,7 +4953,9 @@
         <p:txBody>
           <a:bodyPr wrap="square" lIns="0" tIns="0" rIns="0" bIns="0" rtlCol="0"/>
           <a:lstStyle/>
-          <a:p/>
+          <a:p>
+            <a:endParaRPr/>
+          </a:p>
         </p:txBody>
       </p:sp>
     </p:spTree>
@@ -4781,7 +4966,7 @@
 </p:sld>
 </file>
 
-<file path=ppt/slides/slide2.xml><?xml version="1.0" encoding="utf-8"?>
+<file path=ppt/slides/slide10.xml><?xml version="1.0" encoding="utf-8"?>
 <p:sld xmlns:a="http://schemas.openxmlformats.org/drawingml/2006/main" xmlns:r="http://schemas.openxmlformats.org/officeDocument/2006/relationships" xmlns:p="http://schemas.openxmlformats.org/presentationml/2006/main">
   <p:cSld>
     <p:spTree>
@@ -4822,34 +5007,12 @@
         <p:txBody>
           <a:bodyPr wrap="square" lIns="0" tIns="0" rIns="0" bIns="0" rtlCol="0"/>
           <a:lstStyle/>
-          <a:p/>
-        </p:txBody>
-      </p:sp>
-      <p:sp>
-        <p:nvSpPr>
-          <p:cNvPr id="3" name="object 3"/>
-          <p:cNvSpPr/>
-          <p:nvPr/>
-        </p:nvSpPr>
-        <p:spPr>
-          <a:xfrm>
-            <a:off x="3251088" y="2008985"/>
-            <a:ext cx="10306049" cy="8278002"/>
-          </a:xfrm>
-          <a:prstGeom prst="rect">
-            <a:avLst/>
-          </a:prstGeom>
-          <a:blipFill>
-            <a:blip r:embed="rId3" cstate="print"/>
-            <a:stretch>
-              <a:fillRect/>
-            </a:stretch>
-          </a:blipFill>
-        </p:spPr>
-        <p:txBody>
-          <a:bodyPr wrap="square" lIns="0" tIns="0" rIns="0" bIns="0" rtlCol="0"/>
-          <a:lstStyle/>
-          <a:p/>
+          <a:p>
+            <a:r>
+              <a:rPr lang="vi-VN"/>
+              <a:t>•</a:t>
+            </a:r>
+          </a:p>
         </p:txBody>
       </p:sp>
       <p:sp>
@@ -4864,13 +5027,15 @@
         </p:nvSpPr>
         <p:spPr>
           <a:xfrm>
-            <a:off x="1016000" y="466502"/>
-            <a:ext cx="6997700" cy="902335"/>
+            <a:off x="1066800" y="210426"/>
+            <a:ext cx="8813800" cy="1782539"/>
           </a:xfrm>
-          <a:prstGeom prst="rect"/>
+          <a:prstGeom prst="rect">
+            <a:avLst/>
+          </a:prstGeom>
         </p:spPr>
         <p:txBody>
-          <a:bodyPr wrap="square" lIns="0" tIns="12700" rIns="0" bIns="0" rtlCol="0" vert="horz">
+          <a:bodyPr vert="horz" wrap="square" lIns="0" tIns="12700" rIns="0" bIns="0" rtlCol="0">
             <a:spAutoFit/>
           </a:bodyPr>
           <a:lstStyle/>
@@ -4887,113 +5052,1187 @@
               </a:tabLst>
             </a:pPr>
             <a:r>
-              <a:rPr dirty="0" sz="5750" spc="420">
-                <a:solidFill>
-                  <a:srgbClr val="F7CF2B"/>
-                </a:solidFill>
-              </a:rPr>
-              <a:t>C</a:t>
-            </a:r>
-            <a:r>
-              <a:rPr dirty="0" sz="5750" spc="685">
-                <a:solidFill>
-                  <a:srgbClr val="F7CF2B"/>
-                </a:solidFill>
-              </a:rPr>
-              <a:t>L</a:t>
-            </a:r>
-            <a:r>
-              <a:rPr dirty="0" sz="5750" spc="440">
-                <a:solidFill>
-                  <a:srgbClr val="F7CF2B"/>
-                </a:solidFill>
-              </a:rPr>
-              <a:t>A</a:t>
-            </a:r>
-            <a:r>
-              <a:rPr dirty="0" sz="5750" spc="85">
-                <a:solidFill>
-                  <a:srgbClr val="F7CF2B"/>
-                </a:solidFill>
-              </a:rPr>
-              <a:t>S</a:t>
-            </a:r>
-            <a:r>
-              <a:rPr dirty="0" sz="5750" spc="-490">
-                <a:solidFill>
-                  <a:srgbClr val="F7CF2B"/>
-                </a:solidFill>
-              </a:rPr>
-              <a:t>S</a:t>
-            </a:r>
-            <a:r>
-              <a:rPr dirty="0" sz="5750">
-                <a:solidFill>
-                  <a:srgbClr val="F7CF2B"/>
-                </a:solidFill>
-              </a:rPr>
-              <a:t>	</a:t>
-            </a:r>
-            <a:r>
-              <a:rPr dirty="0" sz="5750" spc="795">
-                <a:solidFill>
-                  <a:srgbClr val="F7CF2B"/>
-                </a:solidFill>
-              </a:rPr>
-              <a:t>D</a:t>
-            </a:r>
-            <a:r>
-              <a:rPr dirty="0" sz="5750" spc="800">
-                <a:solidFill>
-                  <a:srgbClr val="F7CF2B"/>
-                </a:solidFill>
-              </a:rPr>
-              <a:t>I</a:t>
-            </a:r>
-            <a:r>
-              <a:rPr dirty="0" sz="5750" spc="440">
-                <a:solidFill>
-                  <a:srgbClr val="F7CF2B"/>
-                </a:solidFill>
-              </a:rPr>
-              <a:t>A</a:t>
-            </a:r>
-            <a:r>
-              <a:rPr dirty="0" sz="5750" spc="450">
-                <a:solidFill>
-                  <a:srgbClr val="F7CF2B"/>
-                </a:solidFill>
-              </a:rPr>
-              <a:t>G</a:t>
-            </a:r>
-            <a:r>
-              <a:rPr dirty="0" sz="5750" spc="275">
-                <a:solidFill>
-                  <a:srgbClr val="F7CF2B"/>
-                </a:solidFill>
-              </a:rPr>
-              <a:t>R</a:t>
-            </a:r>
-            <a:r>
-              <a:rPr dirty="0" sz="5750" spc="440">
-                <a:solidFill>
-                  <a:srgbClr val="F7CF2B"/>
-                </a:solidFill>
-              </a:rPr>
-              <a:t>A</a:t>
-            </a:r>
-            <a:r>
-              <a:rPr dirty="0" sz="5750" spc="585">
-                <a:solidFill>
-                  <a:srgbClr val="F7CF2B"/>
-                </a:solidFill>
-              </a:rPr>
-              <a:t>M</a:t>
+              <a:rPr lang="en-US" sz="5750" spc="420">
+                <a:solidFill>
+                  <a:srgbClr val="F7CF2B"/>
+                </a:solidFill>
+              </a:rPr>
+              <a:t>DESIGN CONSIDERATION</a:t>
             </a:r>
             <a:endParaRPr sz="5750"/>
           </a:p>
         </p:txBody>
       </p:sp>
+      <p:pic>
+        <p:nvPicPr>
+          <p:cNvPr id="10" name="Hình ảnh 9">
+            <a:extLst>
+              <a:ext uri="{FF2B5EF4-FFF2-40B4-BE49-F238E27FC236}">
+                <a16:creationId xmlns:a16="http://schemas.microsoft.com/office/drawing/2014/main" id="{F6E29A46-9758-4624-B322-D633025628C9}"/>
+              </a:ext>
+            </a:extLst>
+          </p:cNvPr>
+          <p:cNvPicPr>
+            <a:picLocks noChangeAspect="1"/>
+          </p:cNvPicPr>
+          <p:nvPr/>
+        </p:nvPicPr>
+        <p:blipFill>
+          <a:blip r:embed="rId3"/>
+          <a:stretch>
+            <a:fillRect/>
+          </a:stretch>
+        </p:blipFill>
+        <p:spPr>
+          <a:xfrm>
+            <a:off x="2286000" y="1991441"/>
+            <a:ext cx="11506200" cy="4277946"/>
+          </a:xfrm>
+          <a:prstGeom prst="rect">
+            <a:avLst/>
+          </a:prstGeom>
+        </p:spPr>
+      </p:pic>
+      <p:pic>
+        <p:nvPicPr>
+          <p:cNvPr id="13" name="Hình ảnh 12">
+            <a:extLst>
+              <a:ext uri="{FF2B5EF4-FFF2-40B4-BE49-F238E27FC236}">
+                <a16:creationId xmlns:a16="http://schemas.microsoft.com/office/drawing/2014/main" id="{DCAF6AD0-0CA1-40FB-86E0-97A24F9B76D2}"/>
+              </a:ext>
+            </a:extLst>
+          </p:cNvPr>
+          <p:cNvPicPr>
+            <a:picLocks noChangeAspect="1"/>
+          </p:cNvPicPr>
+          <p:nvPr/>
+        </p:nvPicPr>
+        <p:blipFill>
+          <a:blip r:embed="rId4"/>
+          <a:stretch>
+            <a:fillRect/>
+          </a:stretch>
+        </p:blipFill>
+        <p:spPr>
+          <a:xfrm>
+            <a:off x="2286000" y="6412102"/>
+            <a:ext cx="11430000" cy="3276600"/>
+          </a:xfrm>
+          <a:prstGeom prst="rect">
+            <a:avLst/>
+          </a:prstGeom>
+        </p:spPr>
+      </p:pic>
+    </p:spTree>
+    <p:extLst>
+      <p:ext uri="{BB962C8B-B14F-4D97-AF65-F5344CB8AC3E}">
+        <p14:creationId xmlns:p14="http://schemas.microsoft.com/office/powerpoint/2010/main" val="1526638980"/>
+      </p:ext>
+    </p:extLst>
+  </p:cSld>
+  <p:clrMapOvr>
+    <a:masterClrMapping/>
+  </p:clrMapOvr>
+</p:sld>
+</file>
+
+<file path=ppt/slides/slide11.xml><?xml version="1.0" encoding="utf-8"?>
+<p:sld xmlns:a="http://schemas.openxmlformats.org/drawingml/2006/main" xmlns:r="http://schemas.openxmlformats.org/officeDocument/2006/relationships" xmlns:p="http://schemas.openxmlformats.org/presentationml/2006/main">
+  <p:cSld>
+    <p:spTree>
+      <p:nvGrpSpPr>
+        <p:cNvPr id="1" name=""/>
+        <p:cNvGrpSpPr/>
+        <p:nvPr/>
+      </p:nvGrpSpPr>
+      <p:grpSpPr>
+        <a:xfrm>
+          <a:off x="0" y="0"/>
+          <a:ext cx="0" cy="0"/>
+          <a:chOff x="0" y="0"/>
+          <a:chExt cx="0" cy="0"/>
+        </a:xfrm>
+      </p:grpSpPr>
+      <p:sp>
+        <p:nvSpPr>
+          <p:cNvPr id="2" name="object 2"/>
+          <p:cNvSpPr/>
+          <p:nvPr/>
+        </p:nvSpPr>
+        <p:spPr>
+          <a:xfrm>
+            <a:off x="0" y="2009729"/>
+            <a:ext cx="18288000" cy="8277240"/>
+          </a:xfrm>
+          <a:prstGeom prst="rect">
+            <a:avLst/>
+          </a:prstGeom>
+          <a:blipFill>
+            <a:blip r:embed="rId2" cstate="print"/>
+            <a:stretch>
+              <a:fillRect/>
+            </a:stretch>
+          </a:blipFill>
+        </p:spPr>
+        <p:txBody>
+          <a:bodyPr wrap="square" lIns="0" tIns="0" rIns="0" bIns="0" rtlCol="0"/>
+          <a:lstStyle/>
+          <a:p>
+            <a:r>
+              <a:rPr lang="vi-VN"/>
+              <a:t>•</a:t>
+            </a:r>
+          </a:p>
+        </p:txBody>
+      </p:sp>
+      <p:sp>
+        <p:nvSpPr>
+          <p:cNvPr id="4" name="object 4"/>
+          <p:cNvSpPr txBox="1">
+            <a:spLocks noGrp="1"/>
+          </p:cNvSpPr>
+          <p:nvPr>
+            <p:ph type="title"/>
+          </p:nvPr>
+        </p:nvSpPr>
+        <p:spPr>
+          <a:xfrm>
+            <a:off x="1066800" y="210426"/>
+            <a:ext cx="8813800" cy="1782539"/>
+          </a:xfrm>
+          <a:prstGeom prst="rect">
+            <a:avLst/>
+          </a:prstGeom>
+        </p:spPr>
+        <p:txBody>
+          <a:bodyPr vert="horz" wrap="square" lIns="0" tIns="12700" rIns="0" bIns="0" rtlCol="0">
+            <a:spAutoFit/>
+          </a:bodyPr>
+          <a:lstStyle/>
+          <a:p>
+            <a:pPr marL="12700">
+              <a:lnSpc>
+                <a:spcPct val="100000"/>
+              </a:lnSpc>
+              <a:spcBef>
+                <a:spcPts val="100"/>
+              </a:spcBef>
+              <a:tabLst>
+                <a:tab pos="3013075" algn="l"/>
+              </a:tabLst>
+            </a:pPr>
+            <a:r>
+              <a:rPr lang="en-US" sz="5750" spc="420">
+                <a:solidFill>
+                  <a:srgbClr val="F7CF2B"/>
+                </a:solidFill>
+              </a:rPr>
+              <a:t>DESIGN CONSIDERATION</a:t>
+            </a:r>
+            <a:endParaRPr sz="5750"/>
+          </a:p>
+        </p:txBody>
+      </p:sp>
+      <p:pic>
+        <p:nvPicPr>
+          <p:cNvPr id="7" name="Hình ảnh 6">
+            <a:extLst>
+              <a:ext uri="{FF2B5EF4-FFF2-40B4-BE49-F238E27FC236}">
+                <a16:creationId xmlns:a16="http://schemas.microsoft.com/office/drawing/2014/main" id="{B45B73D8-72F8-4665-9C99-0203B8E0A368}"/>
+              </a:ext>
+            </a:extLst>
+          </p:cNvPr>
+          <p:cNvPicPr>
+            <a:picLocks noChangeAspect="1"/>
+          </p:cNvPicPr>
+          <p:nvPr/>
+        </p:nvPicPr>
+        <p:blipFill>
+          <a:blip r:embed="rId3"/>
+          <a:stretch>
+            <a:fillRect/>
+          </a:stretch>
+        </p:blipFill>
+        <p:spPr>
+          <a:xfrm>
+            <a:off x="2743200" y="2171700"/>
+            <a:ext cx="11734800" cy="7162800"/>
+          </a:xfrm>
+          <a:prstGeom prst="rect">
+            <a:avLst/>
+          </a:prstGeom>
+        </p:spPr>
+      </p:pic>
+    </p:spTree>
+    <p:extLst>
+      <p:ext uri="{BB962C8B-B14F-4D97-AF65-F5344CB8AC3E}">
+        <p14:creationId xmlns:p14="http://schemas.microsoft.com/office/powerpoint/2010/main" val="3293890734"/>
+      </p:ext>
+    </p:extLst>
+  </p:cSld>
+  <p:clrMapOvr>
+    <a:masterClrMapping/>
+  </p:clrMapOvr>
+</p:sld>
+</file>
+
+<file path=ppt/slides/slide12.xml><?xml version="1.0" encoding="utf-8"?>
+<p:sld xmlns:a="http://schemas.openxmlformats.org/drawingml/2006/main" xmlns:r="http://schemas.openxmlformats.org/officeDocument/2006/relationships" xmlns:p="http://schemas.openxmlformats.org/presentationml/2006/main">
+  <p:cSld>
+    <p:spTree>
+      <p:nvGrpSpPr>
+        <p:cNvPr id="1" name=""/>
+        <p:cNvGrpSpPr/>
+        <p:nvPr/>
+      </p:nvGrpSpPr>
+      <p:grpSpPr>
+        <a:xfrm>
+          <a:off x="0" y="0"/>
+          <a:ext cx="0" cy="0"/>
+          <a:chOff x="0" y="0"/>
+          <a:chExt cx="0" cy="0"/>
+        </a:xfrm>
+      </p:grpSpPr>
+      <p:sp>
+        <p:nvSpPr>
+          <p:cNvPr id="2" name="object 2"/>
+          <p:cNvSpPr/>
+          <p:nvPr/>
+        </p:nvSpPr>
+        <p:spPr>
+          <a:xfrm>
+            <a:off x="0" y="2009729"/>
+            <a:ext cx="18288000" cy="8277240"/>
+          </a:xfrm>
+          <a:prstGeom prst="rect">
+            <a:avLst/>
+          </a:prstGeom>
+          <a:blipFill>
+            <a:blip r:embed="rId2" cstate="print"/>
+            <a:stretch>
+              <a:fillRect/>
+            </a:stretch>
+          </a:blipFill>
+        </p:spPr>
+        <p:txBody>
+          <a:bodyPr wrap="square" lIns="0" tIns="0" rIns="0" bIns="0" rtlCol="0"/>
+          <a:lstStyle/>
+          <a:p>
+            <a:r>
+              <a:rPr lang="vi-VN"/>
+              <a:t>•</a:t>
+            </a:r>
+          </a:p>
+        </p:txBody>
+      </p:sp>
+      <p:sp>
+        <p:nvSpPr>
+          <p:cNvPr id="4" name="object 4"/>
+          <p:cNvSpPr txBox="1">
+            <a:spLocks noGrp="1"/>
+          </p:cNvSpPr>
+          <p:nvPr>
+            <p:ph type="title"/>
+          </p:nvPr>
+        </p:nvSpPr>
+        <p:spPr>
+          <a:xfrm>
+            <a:off x="1066800" y="210426"/>
+            <a:ext cx="8813800" cy="1782539"/>
+          </a:xfrm>
+          <a:prstGeom prst="rect">
+            <a:avLst/>
+          </a:prstGeom>
+        </p:spPr>
+        <p:txBody>
+          <a:bodyPr vert="horz" wrap="square" lIns="0" tIns="12700" rIns="0" bIns="0" rtlCol="0">
+            <a:spAutoFit/>
+          </a:bodyPr>
+          <a:lstStyle/>
+          <a:p>
+            <a:pPr marL="12700">
+              <a:lnSpc>
+                <a:spcPct val="100000"/>
+              </a:lnSpc>
+              <a:spcBef>
+                <a:spcPts val="100"/>
+              </a:spcBef>
+              <a:tabLst>
+                <a:tab pos="3013075" algn="l"/>
+              </a:tabLst>
+            </a:pPr>
+            <a:r>
+              <a:rPr lang="en-US" sz="5750" spc="420">
+                <a:solidFill>
+                  <a:srgbClr val="F7CF2B"/>
+                </a:solidFill>
+              </a:rPr>
+              <a:t>DESIGN CONSIDERATION</a:t>
+            </a:r>
+            <a:endParaRPr sz="5750"/>
+          </a:p>
+        </p:txBody>
+      </p:sp>
+      <p:pic>
+        <p:nvPicPr>
+          <p:cNvPr id="10" name="Hình ảnh 9">
+            <a:extLst>
+              <a:ext uri="{FF2B5EF4-FFF2-40B4-BE49-F238E27FC236}">
+                <a16:creationId xmlns:a16="http://schemas.microsoft.com/office/drawing/2014/main" id="{F6E29A46-9758-4624-B322-D633025628C9}"/>
+              </a:ext>
+            </a:extLst>
+          </p:cNvPr>
+          <p:cNvPicPr>
+            <a:picLocks noChangeAspect="1"/>
+          </p:cNvPicPr>
+          <p:nvPr/>
+        </p:nvPicPr>
+        <p:blipFill>
+          <a:blip r:embed="rId3"/>
+          <a:stretch>
+            <a:fillRect/>
+          </a:stretch>
+        </p:blipFill>
+        <p:spPr>
+          <a:xfrm>
+            <a:off x="2286000" y="1991441"/>
+            <a:ext cx="11506200" cy="4277946"/>
+          </a:xfrm>
+          <a:prstGeom prst="rect">
+            <a:avLst/>
+          </a:prstGeom>
+        </p:spPr>
+      </p:pic>
+      <p:pic>
+        <p:nvPicPr>
+          <p:cNvPr id="13" name="Hình ảnh 12">
+            <a:extLst>
+              <a:ext uri="{FF2B5EF4-FFF2-40B4-BE49-F238E27FC236}">
+                <a16:creationId xmlns:a16="http://schemas.microsoft.com/office/drawing/2014/main" id="{DCAF6AD0-0CA1-40FB-86E0-97A24F9B76D2}"/>
+              </a:ext>
+            </a:extLst>
+          </p:cNvPr>
+          <p:cNvPicPr>
+            <a:picLocks noChangeAspect="1"/>
+          </p:cNvPicPr>
+          <p:nvPr/>
+        </p:nvPicPr>
+        <p:blipFill>
+          <a:blip r:embed="rId4"/>
+          <a:stretch>
+            <a:fillRect/>
+          </a:stretch>
+        </p:blipFill>
+        <p:spPr>
+          <a:xfrm>
+            <a:off x="2286000" y="6412102"/>
+            <a:ext cx="11430000" cy="3276600"/>
+          </a:xfrm>
+          <a:prstGeom prst="rect">
+            <a:avLst/>
+          </a:prstGeom>
+        </p:spPr>
+      </p:pic>
+    </p:spTree>
+    <p:extLst>
+      <p:ext uri="{BB962C8B-B14F-4D97-AF65-F5344CB8AC3E}">
+        <p14:creationId xmlns:p14="http://schemas.microsoft.com/office/powerpoint/2010/main" val="1361303697"/>
+      </p:ext>
+    </p:extLst>
+  </p:cSld>
+  <p:clrMapOvr>
+    <a:masterClrMapping/>
+  </p:clrMapOvr>
+</p:sld>
+</file>
+
+<file path=ppt/slides/slide13.xml><?xml version="1.0" encoding="utf-8"?>
+<p:sld xmlns:a="http://schemas.openxmlformats.org/drawingml/2006/main" xmlns:r="http://schemas.openxmlformats.org/officeDocument/2006/relationships" xmlns:p="http://schemas.openxmlformats.org/presentationml/2006/main">
+  <p:cSld>
+    <p:spTree>
+      <p:nvGrpSpPr>
+        <p:cNvPr id="1" name=""/>
+        <p:cNvGrpSpPr/>
+        <p:nvPr/>
+      </p:nvGrpSpPr>
+      <p:grpSpPr>
+        <a:xfrm>
+          <a:off x="0" y="0"/>
+          <a:ext cx="0" cy="0"/>
+          <a:chOff x="0" y="0"/>
+          <a:chExt cx="0" cy="0"/>
+        </a:xfrm>
+      </p:grpSpPr>
+      <p:sp>
+        <p:nvSpPr>
+          <p:cNvPr id="2" name="object 2"/>
+          <p:cNvSpPr/>
+          <p:nvPr/>
+        </p:nvSpPr>
+        <p:spPr>
+          <a:xfrm>
+            <a:off x="0" y="2009729"/>
+            <a:ext cx="18288000" cy="8277240"/>
+          </a:xfrm>
+          <a:prstGeom prst="rect">
+            <a:avLst/>
+          </a:prstGeom>
+          <a:blipFill>
+            <a:blip r:embed="rId2" cstate="print"/>
+            <a:stretch>
+              <a:fillRect/>
+            </a:stretch>
+          </a:blipFill>
+        </p:spPr>
+        <p:txBody>
+          <a:bodyPr wrap="square" lIns="0" tIns="0" rIns="0" bIns="0" rtlCol="0"/>
+          <a:lstStyle/>
+          <a:p>
+            <a:r>
+              <a:rPr lang="vi-VN"/>
+              <a:t>•</a:t>
+            </a:r>
+          </a:p>
+        </p:txBody>
+      </p:sp>
+      <p:sp>
+        <p:nvSpPr>
+          <p:cNvPr id="4" name="object 4"/>
+          <p:cNvSpPr txBox="1">
+            <a:spLocks noGrp="1"/>
+          </p:cNvSpPr>
+          <p:nvPr>
+            <p:ph type="title"/>
+          </p:nvPr>
+        </p:nvSpPr>
+        <p:spPr>
+          <a:xfrm>
+            <a:off x="1066800" y="210426"/>
+            <a:ext cx="8813800" cy="1782539"/>
+          </a:xfrm>
+          <a:prstGeom prst="rect">
+            <a:avLst/>
+          </a:prstGeom>
+        </p:spPr>
+        <p:txBody>
+          <a:bodyPr vert="horz" wrap="square" lIns="0" tIns="12700" rIns="0" bIns="0" rtlCol="0">
+            <a:spAutoFit/>
+          </a:bodyPr>
+          <a:lstStyle/>
+          <a:p>
+            <a:pPr marL="12700">
+              <a:lnSpc>
+                <a:spcPct val="100000"/>
+              </a:lnSpc>
+              <a:spcBef>
+                <a:spcPts val="100"/>
+              </a:spcBef>
+              <a:tabLst>
+                <a:tab pos="3013075" algn="l"/>
+              </a:tabLst>
+            </a:pPr>
+            <a:r>
+              <a:rPr lang="en-US" sz="5750" spc="420">
+                <a:solidFill>
+                  <a:srgbClr val="F7CF2B"/>
+                </a:solidFill>
+              </a:rPr>
+              <a:t>DESIGN CONSIDERATION</a:t>
+            </a:r>
+            <a:endParaRPr sz="5750"/>
+          </a:p>
+        </p:txBody>
+      </p:sp>
+      <p:pic>
+        <p:nvPicPr>
+          <p:cNvPr id="7" name="Hình ảnh 6">
+            <a:extLst>
+              <a:ext uri="{FF2B5EF4-FFF2-40B4-BE49-F238E27FC236}">
+                <a16:creationId xmlns:a16="http://schemas.microsoft.com/office/drawing/2014/main" id="{A888AF3F-A985-45CE-8013-EE272F48DD6B}"/>
+              </a:ext>
+            </a:extLst>
+          </p:cNvPr>
+          <p:cNvPicPr>
+            <a:picLocks noChangeAspect="1"/>
+          </p:cNvPicPr>
+          <p:nvPr/>
+        </p:nvPicPr>
+        <p:blipFill>
+          <a:blip r:embed="rId3"/>
+          <a:stretch>
+            <a:fillRect/>
+          </a:stretch>
+        </p:blipFill>
+        <p:spPr>
+          <a:xfrm>
+            <a:off x="3581400" y="2449380"/>
+            <a:ext cx="9145524" cy="7627194"/>
+          </a:xfrm>
+          <a:prstGeom prst="rect">
+            <a:avLst/>
+          </a:prstGeom>
+        </p:spPr>
+      </p:pic>
+    </p:spTree>
+    <p:extLst>
+      <p:ext uri="{BB962C8B-B14F-4D97-AF65-F5344CB8AC3E}">
+        <p14:creationId xmlns:p14="http://schemas.microsoft.com/office/powerpoint/2010/main" val="3748629406"/>
+      </p:ext>
+    </p:extLst>
+  </p:cSld>
+  <p:clrMapOvr>
+    <a:masterClrMapping/>
+  </p:clrMapOvr>
+</p:sld>
+</file>
+
+<file path=ppt/slides/slide14.xml><?xml version="1.0" encoding="utf-8"?>
+<p:sld xmlns:a="http://schemas.openxmlformats.org/drawingml/2006/main" xmlns:r="http://schemas.openxmlformats.org/officeDocument/2006/relationships" xmlns:p="http://schemas.openxmlformats.org/presentationml/2006/main">
+  <p:cSld>
+    <p:spTree>
+      <p:nvGrpSpPr>
+        <p:cNvPr id="1" name=""/>
+        <p:cNvGrpSpPr/>
+        <p:nvPr/>
+      </p:nvGrpSpPr>
+      <p:grpSpPr>
+        <a:xfrm>
+          <a:off x="0" y="0"/>
+          <a:ext cx="0" cy="0"/>
+          <a:chOff x="0" y="0"/>
+          <a:chExt cx="0" cy="0"/>
+        </a:xfrm>
+      </p:grpSpPr>
+      <p:sp>
+        <p:nvSpPr>
+          <p:cNvPr id="2" name="object 2"/>
+          <p:cNvSpPr/>
+          <p:nvPr/>
+        </p:nvSpPr>
+        <p:spPr>
+          <a:xfrm>
+            <a:off x="0" y="2009729"/>
+            <a:ext cx="18288000" cy="8277240"/>
+          </a:xfrm>
+          <a:prstGeom prst="rect">
+            <a:avLst/>
+          </a:prstGeom>
+          <a:blipFill>
+            <a:blip r:embed="rId2" cstate="print"/>
+            <a:stretch>
+              <a:fillRect/>
+            </a:stretch>
+          </a:blipFill>
+        </p:spPr>
+        <p:txBody>
+          <a:bodyPr wrap="square" lIns="0" tIns="0" rIns="0" bIns="0" rtlCol="0"/>
+          <a:lstStyle/>
+          <a:p>
+            <a:r>
+              <a:rPr lang="vi-VN"/>
+              <a:t>•</a:t>
+            </a:r>
+          </a:p>
+        </p:txBody>
+      </p:sp>
+      <p:sp>
+        <p:nvSpPr>
+          <p:cNvPr id="4" name="object 4"/>
+          <p:cNvSpPr txBox="1">
+            <a:spLocks noGrp="1"/>
+          </p:cNvSpPr>
+          <p:nvPr>
+            <p:ph type="title"/>
+          </p:nvPr>
+        </p:nvSpPr>
+        <p:spPr>
+          <a:xfrm>
+            <a:off x="1066800" y="210426"/>
+            <a:ext cx="8813800" cy="1782539"/>
+          </a:xfrm>
+          <a:prstGeom prst="rect">
+            <a:avLst/>
+          </a:prstGeom>
+        </p:spPr>
+        <p:txBody>
+          <a:bodyPr vert="horz" wrap="square" lIns="0" tIns="12700" rIns="0" bIns="0" rtlCol="0">
+            <a:spAutoFit/>
+          </a:bodyPr>
+          <a:lstStyle/>
+          <a:p>
+            <a:pPr marL="12700">
+              <a:lnSpc>
+                <a:spcPct val="100000"/>
+              </a:lnSpc>
+              <a:spcBef>
+                <a:spcPts val="100"/>
+              </a:spcBef>
+              <a:tabLst>
+                <a:tab pos="3013075" algn="l"/>
+              </a:tabLst>
+            </a:pPr>
+            <a:r>
+              <a:rPr lang="en-US" sz="5750" spc="420">
+                <a:solidFill>
+                  <a:srgbClr val="F7CF2B"/>
+                </a:solidFill>
+              </a:rPr>
+              <a:t>DESIGN CONSIDERATION</a:t>
+            </a:r>
+            <a:endParaRPr sz="5750"/>
+          </a:p>
+        </p:txBody>
+      </p:sp>
+      <p:pic>
+        <p:nvPicPr>
+          <p:cNvPr id="8" name="Hình ảnh 7">
+            <a:extLst>
+              <a:ext uri="{FF2B5EF4-FFF2-40B4-BE49-F238E27FC236}">
+                <a16:creationId xmlns:a16="http://schemas.microsoft.com/office/drawing/2014/main" id="{5D7FA089-B4D4-49FE-9336-1D2A26FD3BC9}"/>
+              </a:ext>
+            </a:extLst>
+          </p:cNvPr>
+          <p:cNvPicPr>
+            <a:picLocks noChangeAspect="1"/>
+          </p:cNvPicPr>
+          <p:nvPr/>
+        </p:nvPicPr>
+        <p:blipFill>
+          <a:blip r:embed="rId3"/>
+          <a:stretch>
+            <a:fillRect/>
+          </a:stretch>
+        </p:blipFill>
+        <p:spPr>
+          <a:xfrm>
+            <a:off x="3962400" y="2095499"/>
+            <a:ext cx="8077200" cy="8191469"/>
+          </a:xfrm>
+          <a:prstGeom prst="rect">
+            <a:avLst/>
+          </a:prstGeom>
+        </p:spPr>
+      </p:pic>
+    </p:spTree>
+    <p:extLst>
+      <p:ext uri="{BB962C8B-B14F-4D97-AF65-F5344CB8AC3E}">
+        <p14:creationId xmlns:p14="http://schemas.microsoft.com/office/powerpoint/2010/main" val="1847391681"/>
+      </p:ext>
+    </p:extLst>
+  </p:cSld>
+  <p:clrMapOvr>
+    <a:masterClrMapping/>
+  </p:clrMapOvr>
+</p:sld>
+</file>
+
+<file path=ppt/slides/slide15.xml><?xml version="1.0" encoding="utf-8"?>
+<p:sld xmlns:a="http://schemas.openxmlformats.org/drawingml/2006/main" xmlns:r="http://schemas.openxmlformats.org/officeDocument/2006/relationships" xmlns:p="http://schemas.openxmlformats.org/presentationml/2006/main" showMasterSp="0">
+  <p:cSld>
+    <p:spTree>
+      <p:nvGrpSpPr>
+        <p:cNvPr id="1" name=""/>
+        <p:cNvGrpSpPr/>
+        <p:nvPr/>
+      </p:nvGrpSpPr>
+      <p:grpSpPr>
+        <a:xfrm>
+          <a:off x="0" y="0"/>
+          <a:ext cx="0" cy="0"/>
+          <a:chOff x="0" y="0"/>
+          <a:chExt cx="0" cy="0"/>
+        </a:xfrm>
+      </p:grpSpPr>
+      <p:sp>
+        <p:nvSpPr>
+          <p:cNvPr id="2" name="object 2"/>
+          <p:cNvSpPr/>
+          <p:nvPr/>
+        </p:nvSpPr>
+        <p:spPr>
+          <a:xfrm>
+            <a:off x="0" y="0"/>
+            <a:ext cx="18288000" cy="2009775"/>
+          </a:xfrm>
+          <a:custGeom>
+            <a:avLst/>
+            <a:gdLst/>
+            <a:ahLst/>
+            <a:cxnLst/>
+            <a:rect l="l" t="t" r="r" b="b"/>
+            <a:pathLst>
+              <a:path w="18288000" h="2009775">
+                <a:moveTo>
+                  <a:pt x="0" y="2009714"/>
+                </a:moveTo>
+                <a:lnTo>
+                  <a:pt x="18288000" y="2009714"/>
+                </a:lnTo>
+                <a:lnTo>
+                  <a:pt x="18288000" y="0"/>
+                </a:lnTo>
+                <a:lnTo>
+                  <a:pt x="0" y="0"/>
+                </a:lnTo>
+                <a:lnTo>
+                  <a:pt x="0" y="2009714"/>
+                </a:lnTo>
+                <a:close/>
+              </a:path>
+            </a:pathLst>
+          </a:custGeom>
+          <a:solidFill>
+            <a:srgbClr val="252826"/>
+          </a:solidFill>
+        </p:spPr>
+        <p:txBody>
+          <a:bodyPr wrap="square" lIns="0" tIns="0" rIns="0" bIns="0" rtlCol="0"/>
+          <a:lstStyle/>
+          <a:p>
+            <a:endParaRPr/>
+          </a:p>
+        </p:txBody>
+      </p:sp>
+      <p:sp>
+        <p:nvSpPr>
+          <p:cNvPr id="3" name="object 3"/>
+          <p:cNvSpPr/>
+          <p:nvPr/>
+        </p:nvSpPr>
+        <p:spPr>
+          <a:xfrm>
+            <a:off x="0" y="2009713"/>
+            <a:ext cx="18288000" cy="8277225"/>
+          </a:xfrm>
+          <a:prstGeom prst="rect">
+            <a:avLst/>
+          </a:prstGeom>
+          <a:blipFill>
+            <a:blip r:embed="rId2" cstate="print"/>
+            <a:stretch>
+              <a:fillRect/>
+            </a:stretch>
+          </a:blipFill>
+        </p:spPr>
+        <p:txBody>
+          <a:bodyPr wrap="square" lIns="0" tIns="0" rIns="0" bIns="0" rtlCol="0"/>
+          <a:lstStyle/>
+          <a:p>
+            <a:endParaRPr/>
+          </a:p>
+        </p:txBody>
+      </p:sp>
+      <p:sp>
+        <p:nvSpPr>
+          <p:cNvPr id="4" name="object 4"/>
+          <p:cNvSpPr txBox="1">
+            <a:spLocks noGrp="1"/>
+          </p:cNvSpPr>
+          <p:nvPr>
+            <p:ph type="title"/>
+          </p:nvPr>
+        </p:nvSpPr>
+        <p:spPr>
+          <a:xfrm>
+            <a:off x="292554" y="466502"/>
+            <a:ext cx="6624955" cy="902335"/>
+          </a:xfrm>
+          <a:prstGeom prst="rect">
+            <a:avLst/>
+          </a:prstGeom>
+        </p:spPr>
+        <p:txBody>
+          <a:bodyPr vert="horz" wrap="square" lIns="0" tIns="12700" rIns="0" bIns="0" rtlCol="0">
+            <a:spAutoFit/>
+          </a:bodyPr>
+          <a:lstStyle/>
+          <a:p>
+            <a:pPr marL="12700">
+              <a:lnSpc>
+                <a:spcPct val="100000"/>
+              </a:lnSpc>
+              <a:spcBef>
+                <a:spcPts val="100"/>
+              </a:spcBef>
+            </a:pPr>
+            <a:r>
+              <a:rPr sz="5750" spc="420" dirty="0">
+                <a:solidFill>
+                  <a:srgbClr val="F7CF2B"/>
+                </a:solidFill>
+              </a:rPr>
+              <a:t>C</a:t>
+            </a:r>
+            <a:r>
+              <a:rPr sz="5750" spc="1019" dirty="0">
+                <a:solidFill>
+                  <a:srgbClr val="F7CF2B"/>
+                </a:solidFill>
+              </a:rPr>
+              <a:t>O</a:t>
+            </a:r>
+            <a:r>
+              <a:rPr sz="5750" spc="1275" dirty="0">
+                <a:solidFill>
+                  <a:srgbClr val="F7CF2B"/>
+                </a:solidFill>
+              </a:rPr>
+              <a:t>N</a:t>
+            </a:r>
+            <a:r>
+              <a:rPr sz="5750" spc="415" dirty="0">
+                <a:solidFill>
+                  <a:srgbClr val="F7CF2B"/>
+                </a:solidFill>
+              </a:rPr>
+              <a:t>T</a:t>
+            </a:r>
+            <a:r>
+              <a:rPr sz="5750" spc="275" dirty="0">
+                <a:solidFill>
+                  <a:srgbClr val="F7CF2B"/>
+                </a:solidFill>
+              </a:rPr>
+              <a:t>R</a:t>
+            </a:r>
+            <a:r>
+              <a:rPr sz="5750" spc="800" dirty="0">
+                <a:solidFill>
+                  <a:srgbClr val="F7CF2B"/>
+                </a:solidFill>
+              </a:rPr>
+              <a:t>I</a:t>
+            </a:r>
+            <a:r>
+              <a:rPr sz="5750" spc="45" dirty="0">
+                <a:solidFill>
+                  <a:srgbClr val="F7CF2B"/>
+                </a:solidFill>
+              </a:rPr>
+              <a:t>B</a:t>
+            </a:r>
+            <a:r>
+              <a:rPr sz="5750" spc="680" dirty="0">
+                <a:solidFill>
+                  <a:srgbClr val="F7CF2B"/>
+                </a:solidFill>
+              </a:rPr>
+              <a:t>U</a:t>
+            </a:r>
+            <a:r>
+              <a:rPr sz="5750" spc="415" dirty="0">
+                <a:solidFill>
+                  <a:srgbClr val="F7CF2B"/>
+                </a:solidFill>
+              </a:rPr>
+              <a:t>T</a:t>
+            </a:r>
+            <a:r>
+              <a:rPr sz="5750" spc="800" dirty="0">
+                <a:solidFill>
+                  <a:srgbClr val="F7CF2B"/>
+                </a:solidFill>
+              </a:rPr>
+              <a:t>I</a:t>
+            </a:r>
+            <a:r>
+              <a:rPr sz="5750" spc="1019" dirty="0">
+                <a:solidFill>
+                  <a:srgbClr val="F7CF2B"/>
+                </a:solidFill>
+              </a:rPr>
+              <a:t>O</a:t>
+            </a:r>
+            <a:r>
+              <a:rPr sz="5750" spc="700" dirty="0">
+                <a:solidFill>
+                  <a:srgbClr val="F7CF2B"/>
+                </a:solidFill>
+              </a:rPr>
+              <a:t>N</a:t>
+            </a:r>
+            <a:endParaRPr sz="5750"/>
+          </a:p>
+        </p:txBody>
+      </p:sp>
+      <p:graphicFrame>
+        <p:nvGraphicFramePr>
+          <p:cNvPr id="10" name="Bảng 10">
+            <a:extLst>
+              <a:ext uri="{FF2B5EF4-FFF2-40B4-BE49-F238E27FC236}">
+                <a16:creationId xmlns:a16="http://schemas.microsoft.com/office/drawing/2014/main" id="{EEE6350F-4E45-4548-A49B-3FD394288612}"/>
+              </a:ext>
+            </a:extLst>
+          </p:cNvPr>
+          <p:cNvGraphicFramePr>
+            <a:graphicFrameLocks noGrp="1"/>
+          </p:cNvGraphicFramePr>
+          <p:nvPr>
+            <p:extLst>
+              <p:ext uri="{D42A27DB-BD31-4B8C-83A1-F6EECF244321}">
+                <p14:modId xmlns:p14="http://schemas.microsoft.com/office/powerpoint/2010/main" val="1758931699"/>
+              </p:ext>
+            </p:extLst>
+          </p:nvPr>
+        </p:nvGraphicFramePr>
+        <p:xfrm>
+          <a:off x="2286000" y="3086100"/>
+          <a:ext cx="13487400" cy="2857500"/>
+        </p:xfrm>
+        <a:graphic>
+          <a:graphicData uri="http://schemas.openxmlformats.org/drawingml/2006/table">
+            <a:tbl>
+              <a:tblPr firstRow="1" bandRow="1">
+                <a:tableStyleId>{5C22544A-7EE6-4342-B048-85BDC9FD1C3A}</a:tableStyleId>
+              </a:tblPr>
+              <a:tblGrid>
+                <a:gridCol w="4495800">
+                  <a:extLst>
+                    <a:ext uri="{9D8B030D-6E8A-4147-A177-3AD203B41FA5}">
+                      <a16:colId xmlns:a16="http://schemas.microsoft.com/office/drawing/2014/main" val="4044419209"/>
+                    </a:ext>
+                  </a:extLst>
+                </a:gridCol>
+                <a:gridCol w="7543800">
+                  <a:extLst>
+                    <a:ext uri="{9D8B030D-6E8A-4147-A177-3AD203B41FA5}">
+                      <a16:colId xmlns:a16="http://schemas.microsoft.com/office/drawing/2014/main" val="3107830667"/>
+                    </a:ext>
+                  </a:extLst>
+                </a:gridCol>
+                <a:gridCol w="1447800">
+                  <a:extLst>
+                    <a:ext uri="{9D8B030D-6E8A-4147-A177-3AD203B41FA5}">
+                      <a16:colId xmlns:a16="http://schemas.microsoft.com/office/drawing/2014/main" val="3448814466"/>
+                    </a:ext>
+                  </a:extLst>
+                </a:gridCol>
+              </a:tblGrid>
+              <a:tr h="704850">
+                <a:tc>
+                  <a:txBody>
+                    <a:bodyPr/>
+                    <a:lstStyle/>
+                    <a:p>
+                      <a:pPr algn="ctr"/>
+                      <a:r>
+                        <a:rPr lang="en-US" sz="2400"/>
+                        <a:t>Full name</a:t>
+                      </a:r>
+                    </a:p>
+                  </a:txBody>
+                  <a:tcPr/>
+                </a:tc>
+                <a:tc>
+                  <a:txBody>
+                    <a:bodyPr/>
+                    <a:lstStyle/>
+                    <a:p>
+                      <a:pPr algn="ctr"/>
+                      <a:r>
+                        <a:rPr lang="en-US" sz="2400"/>
+                        <a:t>Contribute</a:t>
+                      </a:r>
+                    </a:p>
+                  </a:txBody>
+                  <a:tcPr/>
+                </a:tc>
+                <a:tc>
+                  <a:txBody>
+                    <a:bodyPr/>
+                    <a:lstStyle/>
+                    <a:p>
+                      <a:pPr algn="ctr"/>
+                      <a:endParaRPr lang="en-US" sz="2400"/>
+                    </a:p>
+                  </a:txBody>
+                  <a:tcPr/>
+                </a:tc>
+                <a:extLst>
+                  <a:ext uri="{0D108BD9-81ED-4DB2-BD59-A6C34878D82A}">
+                    <a16:rowId xmlns:a16="http://schemas.microsoft.com/office/drawing/2014/main" val="1562937940"/>
+                  </a:ext>
+                </a:extLst>
+              </a:tr>
+              <a:tr h="742950">
+                <a:tc>
+                  <a:txBody>
+                    <a:bodyPr/>
+                    <a:lstStyle/>
+                    <a:p>
+                      <a:r>
+                        <a:rPr lang="en-US" sz="1800" b="1" spc="420">
+                          <a:solidFill>
+                            <a:srgbClr val="252826"/>
+                          </a:solidFill>
+                          <a:latin typeface="Arial"/>
+                          <a:cs typeface="Arial"/>
+                        </a:rPr>
+                        <a:t>Dương Huệ Linh</a:t>
+                      </a:r>
+                      <a:endParaRPr lang="en-US"/>
+                    </a:p>
+                  </a:txBody>
+                  <a:tcPr/>
+                </a:tc>
+                <a:tc>
+                  <a:txBody>
+                    <a:bodyPr/>
+                    <a:lstStyle/>
+                    <a:p>
+                      <a:r>
+                        <a:rPr lang="en-US" sz="2000"/>
+                        <a:t>- Design and coding UC View bike/station info, Test plan</a:t>
+                      </a:r>
+                    </a:p>
+                  </a:txBody>
+                  <a:tcPr/>
+                </a:tc>
+                <a:tc>
+                  <a:txBody>
+                    <a:bodyPr/>
+                    <a:lstStyle/>
+                    <a:p>
+                      <a:pPr algn="ctr"/>
+                      <a:r>
+                        <a:rPr lang="en-US" sz="2000"/>
+                        <a:t>30%</a:t>
+                      </a:r>
+                    </a:p>
+                  </a:txBody>
+                  <a:tcPr/>
+                </a:tc>
+                <a:extLst>
+                  <a:ext uri="{0D108BD9-81ED-4DB2-BD59-A6C34878D82A}">
+                    <a16:rowId xmlns:a16="http://schemas.microsoft.com/office/drawing/2014/main" val="2032427564"/>
+                  </a:ext>
+                </a:extLst>
+              </a:tr>
+              <a:tr h="704850">
+                <a:tc>
+                  <a:txBody>
+                    <a:bodyPr/>
+                    <a:lstStyle/>
+                    <a:p>
+                      <a:r>
+                        <a:rPr lang="en-US" sz="1800" b="1" spc="220">
+                          <a:solidFill>
+                            <a:srgbClr val="252826"/>
+                          </a:solidFill>
+                          <a:latin typeface="Arial"/>
+                          <a:cs typeface="Arial"/>
+                        </a:rPr>
+                        <a:t>Trần Thị Hồng Nhung</a:t>
+                      </a:r>
+                      <a:endParaRPr lang="en-US"/>
+                    </a:p>
+                  </a:txBody>
+                  <a:tcPr/>
+                </a:tc>
+                <a:tc>
+                  <a:txBody>
+                    <a:bodyPr/>
+                    <a:lstStyle/>
+                    <a:p>
+                      <a:r>
+                        <a:rPr lang="en-US" sz="2000"/>
+                        <a:t>- Design and coding UC Return bike, SRS, Demo</a:t>
+                      </a:r>
+                    </a:p>
+                  </a:txBody>
+                  <a:tcPr/>
+                </a:tc>
+                <a:tc>
+                  <a:txBody>
+                    <a:bodyPr/>
+                    <a:lstStyle/>
+                    <a:p>
+                      <a:pPr algn="ctr"/>
+                      <a:r>
+                        <a:rPr lang="en-US" sz="2000"/>
+                        <a:t>40%</a:t>
+                      </a:r>
+                    </a:p>
+                  </a:txBody>
+                  <a:tcPr/>
+                </a:tc>
+                <a:extLst>
+                  <a:ext uri="{0D108BD9-81ED-4DB2-BD59-A6C34878D82A}">
+                    <a16:rowId xmlns:a16="http://schemas.microsoft.com/office/drawing/2014/main" val="3175316829"/>
+                  </a:ext>
+                </a:extLst>
+              </a:tr>
+              <a:tr h="704850">
+                <a:tc>
+                  <a:txBody>
+                    <a:bodyPr/>
+                    <a:lstStyle/>
+                    <a:p>
+                      <a:pPr marL="12700">
+                        <a:lnSpc>
+                          <a:spcPct val="100000"/>
+                        </a:lnSpc>
+                        <a:tabLst>
+                          <a:tab pos="821055" algn="l"/>
+                          <a:tab pos="1755775" algn="l"/>
+                          <a:tab pos="3294379" algn="l"/>
+                          <a:tab pos="4415790" algn="l"/>
+                          <a:tab pos="4735830" algn="l"/>
+                          <a:tab pos="6120765" algn="l"/>
+                        </a:tabLst>
+                      </a:pPr>
+                      <a:r>
+                        <a:rPr lang="en-US" sz="1800" b="1" spc="270">
+                          <a:solidFill>
+                            <a:srgbClr val="252826"/>
+                          </a:solidFill>
+                          <a:latin typeface="Arial"/>
+                          <a:cs typeface="Arial"/>
+                        </a:rPr>
+                        <a:t>Vũ Thị Ngọc Lan</a:t>
+                      </a:r>
+                      <a:endParaRPr lang="en-US"/>
+                    </a:p>
+                  </a:txBody>
+                  <a:tcPr/>
+                </a:tc>
+                <a:tc>
+                  <a:txBody>
+                    <a:bodyPr/>
+                    <a:lstStyle/>
+                    <a:p>
+                      <a:r>
+                        <a:rPr lang="en-US" sz="2000"/>
+                        <a:t>- Design and coding UC Rent Bike, SDD</a:t>
+                      </a:r>
+                    </a:p>
+                  </a:txBody>
+                  <a:tcPr/>
+                </a:tc>
+                <a:tc>
+                  <a:txBody>
+                    <a:bodyPr/>
+                    <a:lstStyle/>
+                    <a:p>
+                      <a:pPr algn="ctr"/>
+                      <a:r>
+                        <a:rPr lang="en-US" sz="2000"/>
+                        <a:t>30%</a:t>
+                      </a:r>
+                    </a:p>
+                  </a:txBody>
+                  <a:tcPr/>
+                </a:tc>
+                <a:extLst>
+                  <a:ext uri="{0D108BD9-81ED-4DB2-BD59-A6C34878D82A}">
+                    <a16:rowId xmlns:a16="http://schemas.microsoft.com/office/drawing/2014/main" val="2226435101"/>
+                  </a:ext>
+                </a:extLst>
+              </a:tr>
+            </a:tbl>
+          </a:graphicData>
+        </a:graphic>
+      </p:graphicFrame>
     </p:spTree>
   </p:cSld>
   <p:clrMapOvr>
@@ -5002,7 +6241,7 @@
 </p:sld>
 </file>
 
-<file path=ppt/slides/slide3.xml><?xml version="1.0" encoding="utf-8"?>
+<file path=ppt/slides/slide16.xml><?xml version="1.0" encoding="utf-8"?>
 <p:sld xmlns:a="http://schemas.openxmlformats.org/drawingml/2006/main" xmlns:r="http://schemas.openxmlformats.org/officeDocument/2006/relationships" xmlns:p="http://schemas.openxmlformats.org/presentationml/2006/main">
   <p:cSld>
     <p:spTree>
@@ -5043,39 +6282,834 @@
         <p:txBody>
           <a:bodyPr wrap="square" lIns="0" tIns="0" rIns="0" bIns="0" rtlCol="0"/>
           <a:lstStyle/>
-          <a:p/>
+          <a:p>
+            <a:endParaRPr/>
+          </a:p>
         </p:txBody>
       </p:sp>
+      <p:grpSp>
+        <p:nvGrpSpPr>
+          <p:cNvPr id="3" name="object 3"/>
+          <p:cNvGrpSpPr/>
+          <p:nvPr/>
+        </p:nvGrpSpPr>
+        <p:grpSpPr>
+          <a:xfrm>
+            <a:off x="8354628" y="228569"/>
+            <a:ext cx="1581150" cy="1600200"/>
+            <a:chOff x="8354628" y="228569"/>
+            <a:chExt cx="1581150" cy="1600200"/>
+          </a:xfrm>
+        </p:grpSpPr>
+        <p:sp>
+          <p:nvSpPr>
+            <p:cNvPr id="4" name="object 4"/>
+            <p:cNvSpPr/>
+            <p:nvPr/>
+          </p:nvSpPr>
+          <p:spPr>
+            <a:xfrm>
+              <a:off x="8354628" y="228569"/>
+              <a:ext cx="1581150" cy="1600200"/>
+            </a:xfrm>
+            <a:custGeom>
+              <a:avLst/>
+              <a:gdLst/>
+              <a:ahLst/>
+              <a:cxnLst/>
+              <a:rect l="l" t="t" r="r" b="b"/>
+              <a:pathLst>
+                <a:path w="1581150" h="1600200">
+                  <a:moveTo>
+                    <a:pt x="1581150" y="1600200"/>
+                  </a:moveTo>
+                  <a:lnTo>
+                    <a:pt x="0" y="1600200"/>
+                  </a:lnTo>
+                  <a:lnTo>
+                    <a:pt x="0" y="0"/>
+                  </a:lnTo>
+                  <a:lnTo>
+                    <a:pt x="1581150" y="0"/>
+                  </a:lnTo>
+                  <a:lnTo>
+                    <a:pt x="1581150" y="1600200"/>
+                  </a:lnTo>
+                  <a:close/>
+                </a:path>
+              </a:pathLst>
+            </a:custGeom>
+            <a:solidFill>
+              <a:srgbClr val="F7CF2B"/>
+            </a:solidFill>
+          </p:spPr>
+          <p:txBody>
+            <a:bodyPr wrap="square" lIns="0" tIns="0" rIns="0" bIns="0" rtlCol="0"/>
+            <a:lstStyle/>
+            <a:p>
+              <a:endParaRPr/>
+            </a:p>
+          </p:txBody>
+        </p:sp>
+        <p:sp>
+          <p:nvSpPr>
+            <p:cNvPr id="5" name="object 5"/>
+            <p:cNvSpPr/>
+            <p:nvPr/>
+          </p:nvSpPr>
+          <p:spPr>
+            <a:xfrm>
+              <a:off x="8626874" y="526931"/>
+              <a:ext cx="1037590" cy="1007110"/>
+            </a:xfrm>
+            <a:custGeom>
+              <a:avLst/>
+              <a:gdLst/>
+              <a:ahLst/>
+              <a:cxnLst/>
+              <a:rect l="l" t="t" r="r" b="b"/>
+              <a:pathLst>
+                <a:path w="1037590" h="1007110">
+                  <a:moveTo>
+                    <a:pt x="237072" y="933032"/>
+                  </a:moveTo>
+                  <a:lnTo>
+                    <a:pt x="190436" y="928476"/>
+                  </a:lnTo>
+                  <a:lnTo>
+                    <a:pt x="146250" y="915092"/>
+                  </a:lnTo>
+                  <a:lnTo>
+                    <a:pt x="105545" y="893308"/>
+                  </a:lnTo>
+                  <a:lnTo>
+                    <a:pt x="69351" y="863552"/>
+                  </a:lnTo>
+                  <a:lnTo>
+                    <a:pt x="39005" y="826368"/>
+                  </a:lnTo>
+                  <a:lnTo>
+                    <a:pt x="17331" y="785106"/>
+                  </a:lnTo>
+                  <a:lnTo>
+                    <a:pt x="4329" y="741126"/>
+                  </a:lnTo>
+                  <a:lnTo>
+                    <a:pt x="0" y="695789"/>
+                  </a:lnTo>
+                  <a:lnTo>
+                    <a:pt x="4341" y="650451"/>
+                  </a:lnTo>
+                  <a:lnTo>
+                    <a:pt x="17356" y="606475"/>
+                  </a:lnTo>
+                  <a:lnTo>
+                    <a:pt x="39044" y="565217"/>
+                  </a:lnTo>
+                  <a:lnTo>
+                    <a:pt x="69351" y="528084"/>
+                  </a:lnTo>
+                  <a:lnTo>
+                    <a:pt x="133458" y="486362"/>
+                  </a:lnTo>
+                  <a:lnTo>
+                    <a:pt x="176582" y="468106"/>
+                  </a:lnTo>
+                  <a:lnTo>
+                    <a:pt x="224281" y="451624"/>
+                  </a:lnTo>
+                  <a:lnTo>
+                    <a:pt x="274450" y="436944"/>
+                  </a:lnTo>
+                  <a:lnTo>
+                    <a:pt x="324985" y="424095"/>
+                  </a:lnTo>
+                  <a:lnTo>
+                    <a:pt x="373782" y="413106"/>
+                  </a:lnTo>
+                  <a:lnTo>
+                    <a:pt x="418737" y="404004"/>
+                  </a:lnTo>
+                  <a:lnTo>
+                    <a:pt x="387212" y="376298"/>
+                  </a:lnTo>
+                  <a:lnTo>
+                    <a:pt x="363002" y="341904"/>
+                  </a:lnTo>
+                  <a:lnTo>
+                    <a:pt x="347473" y="302175"/>
+                  </a:lnTo>
+                  <a:lnTo>
+                    <a:pt x="341993" y="258463"/>
+                  </a:lnTo>
+                  <a:lnTo>
+                    <a:pt x="349521" y="207450"/>
+                  </a:lnTo>
+                  <a:lnTo>
+                    <a:pt x="370618" y="162295"/>
+                  </a:lnTo>
+                  <a:lnTo>
+                    <a:pt x="403055" y="125180"/>
+                  </a:lnTo>
+                  <a:lnTo>
+                    <a:pt x="444603" y="98285"/>
+                  </a:lnTo>
+                  <a:lnTo>
+                    <a:pt x="429671" y="80134"/>
+                  </a:lnTo>
+                  <a:lnTo>
+                    <a:pt x="410765" y="66138"/>
+                  </a:lnTo>
+                  <a:lnTo>
+                    <a:pt x="388693" y="57131"/>
+                  </a:lnTo>
+                  <a:lnTo>
+                    <a:pt x="364263" y="53943"/>
+                  </a:lnTo>
+                  <a:lnTo>
+                    <a:pt x="353764" y="51824"/>
+                  </a:lnTo>
+                  <a:lnTo>
+                    <a:pt x="345190" y="46044"/>
+                  </a:lnTo>
+                  <a:lnTo>
+                    <a:pt x="339410" y="37471"/>
+                  </a:lnTo>
+                  <a:lnTo>
+                    <a:pt x="337291" y="26971"/>
+                  </a:lnTo>
+                  <a:lnTo>
+                    <a:pt x="339410" y="16472"/>
+                  </a:lnTo>
+                  <a:lnTo>
+                    <a:pt x="345190" y="7899"/>
+                  </a:lnTo>
+                  <a:lnTo>
+                    <a:pt x="353764" y="2119"/>
+                  </a:lnTo>
+                  <a:lnTo>
+                    <a:pt x="364263" y="0"/>
+                  </a:lnTo>
+                  <a:lnTo>
+                    <a:pt x="406423" y="6091"/>
+                  </a:lnTo>
+                  <a:lnTo>
+                    <a:pt x="443828" y="23126"/>
+                  </a:lnTo>
+                  <a:lnTo>
+                    <a:pt x="474875" y="49399"/>
+                  </a:lnTo>
+                  <a:lnTo>
+                    <a:pt x="497810" y="83136"/>
+                  </a:lnTo>
+                  <a:lnTo>
+                    <a:pt x="539226" y="83136"/>
+                  </a:lnTo>
+                  <a:lnTo>
+                    <a:pt x="540794" y="83334"/>
+                  </a:lnTo>
+                  <a:lnTo>
+                    <a:pt x="606357" y="83334"/>
+                  </a:lnTo>
+                  <a:lnTo>
+                    <a:pt x="593776" y="98798"/>
+                  </a:lnTo>
+                  <a:lnTo>
+                    <a:pt x="634916" y="125767"/>
+                  </a:lnTo>
+                  <a:lnTo>
+                    <a:pt x="667015" y="162794"/>
+                  </a:lnTo>
+                  <a:lnTo>
+                    <a:pt x="687883" y="207740"/>
+                  </a:lnTo>
+                  <a:lnTo>
+                    <a:pt x="695326" y="258463"/>
+                  </a:lnTo>
+                  <a:lnTo>
+                    <a:pt x="689844" y="302179"/>
+                  </a:lnTo>
+                  <a:lnTo>
+                    <a:pt x="674313" y="341907"/>
+                  </a:lnTo>
+                  <a:lnTo>
+                    <a:pt x="650103" y="376299"/>
+                  </a:lnTo>
+                  <a:lnTo>
+                    <a:pt x="618582" y="404004"/>
+                  </a:lnTo>
+                  <a:lnTo>
+                    <a:pt x="663534" y="413106"/>
+                  </a:lnTo>
+                  <a:lnTo>
+                    <a:pt x="712330" y="424095"/>
+                  </a:lnTo>
+                  <a:lnTo>
+                    <a:pt x="762865" y="436944"/>
+                  </a:lnTo>
+                  <a:lnTo>
+                    <a:pt x="796054" y="446655"/>
+                  </a:lnTo>
+                  <a:lnTo>
+                    <a:pt x="551035" y="446655"/>
+                  </a:lnTo>
+                  <a:lnTo>
+                    <a:pt x="486176" y="446664"/>
+                  </a:lnTo>
+                  <a:lnTo>
+                    <a:pt x="439958" y="454978"/>
+                  </a:lnTo>
+                  <a:lnTo>
+                    <a:pt x="387446" y="465566"/>
+                  </a:lnTo>
+                  <a:lnTo>
+                    <a:pt x="331626" y="478238"/>
+                  </a:lnTo>
+                  <a:lnTo>
+                    <a:pt x="275235" y="492880"/>
+                  </a:lnTo>
+                  <a:lnTo>
+                    <a:pt x="222013" y="509072"/>
+                  </a:lnTo>
+                  <a:lnTo>
+                    <a:pt x="174192" y="526856"/>
+                  </a:lnTo>
+                  <a:lnTo>
+                    <a:pt x="135010" y="545963"/>
+                  </a:lnTo>
+                  <a:lnTo>
+                    <a:pt x="77681" y="605258"/>
+                  </a:lnTo>
+                  <a:lnTo>
+                    <a:pt x="59820" y="649294"/>
+                  </a:lnTo>
+                  <a:lnTo>
+                    <a:pt x="53870" y="695821"/>
+                  </a:lnTo>
+                  <a:lnTo>
+                    <a:pt x="59827" y="742329"/>
+                  </a:lnTo>
+                  <a:lnTo>
+                    <a:pt x="77690" y="786350"/>
+                  </a:lnTo>
+                  <a:lnTo>
+                    <a:pt x="107465" y="825396"/>
+                  </a:lnTo>
+                  <a:lnTo>
+                    <a:pt x="166889" y="865213"/>
+                  </a:lnTo>
+                  <a:lnTo>
+                    <a:pt x="237027" y="879061"/>
+                  </a:lnTo>
+                  <a:lnTo>
+                    <a:pt x="386735" y="879070"/>
+                  </a:lnTo>
+                  <a:lnTo>
+                    <a:pt x="358761" y="899495"/>
+                  </a:lnTo>
+                  <a:lnTo>
+                    <a:pt x="320705" y="917903"/>
+                  </a:lnTo>
+                  <a:lnTo>
+                    <a:pt x="279877" y="929194"/>
+                  </a:lnTo>
+                  <a:lnTo>
+                    <a:pt x="237072" y="933032"/>
+                  </a:lnTo>
+                  <a:close/>
+                </a:path>
+                <a:path w="1037590" h="1007110">
+                  <a:moveTo>
+                    <a:pt x="606357" y="83334"/>
+                  </a:moveTo>
+                  <a:lnTo>
+                    <a:pt x="540794" y="83334"/>
+                  </a:lnTo>
+                  <a:lnTo>
+                    <a:pt x="563717" y="49524"/>
+                  </a:lnTo>
+                  <a:lnTo>
+                    <a:pt x="594778" y="23188"/>
+                  </a:lnTo>
+                  <a:lnTo>
+                    <a:pt x="632256" y="6091"/>
+                  </a:lnTo>
+                  <a:lnTo>
+                    <a:pt x="674432" y="0"/>
+                  </a:lnTo>
+                  <a:lnTo>
+                    <a:pt x="684931" y="2119"/>
+                  </a:lnTo>
+                  <a:lnTo>
+                    <a:pt x="693504" y="7899"/>
+                  </a:lnTo>
+                  <a:lnTo>
+                    <a:pt x="699284" y="16472"/>
+                  </a:lnTo>
+                  <a:lnTo>
+                    <a:pt x="701403" y="26971"/>
+                  </a:lnTo>
+                  <a:lnTo>
+                    <a:pt x="699284" y="37471"/>
+                  </a:lnTo>
+                  <a:lnTo>
+                    <a:pt x="693504" y="46044"/>
+                  </a:lnTo>
+                  <a:lnTo>
+                    <a:pt x="684931" y="51824"/>
+                  </a:lnTo>
+                  <a:lnTo>
+                    <a:pt x="674432" y="53943"/>
+                  </a:lnTo>
+                  <a:lnTo>
+                    <a:pt x="649854" y="57172"/>
+                  </a:lnTo>
+                  <a:lnTo>
+                    <a:pt x="627671" y="66290"/>
+                  </a:lnTo>
+                  <a:lnTo>
+                    <a:pt x="608705" y="80448"/>
+                  </a:lnTo>
+                  <a:lnTo>
+                    <a:pt x="606357" y="83334"/>
+                  </a:lnTo>
+                  <a:close/>
+                </a:path>
+                <a:path w="1037590" h="1007110">
+                  <a:moveTo>
+                    <a:pt x="539226" y="83136"/>
+                  </a:moveTo>
+                  <a:lnTo>
+                    <a:pt x="497810" y="83136"/>
+                  </a:lnTo>
+                  <a:lnTo>
+                    <a:pt x="504661" y="82336"/>
+                  </a:lnTo>
+                  <a:lnTo>
+                    <a:pt x="511602" y="81796"/>
+                  </a:lnTo>
+                  <a:lnTo>
+                    <a:pt x="526176" y="81796"/>
+                  </a:lnTo>
+                  <a:lnTo>
+                    <a:pt x="533521" y="82417"/>
+                  </a:lnTo>
+                  <a:lnTo>
+                    <a:pt x="539226" y="83136"/>
+                  </a:lnTo>
+                  <a:close/>
+                </a:path>
+                <a:path w="1037590" h="1007110">
+                  <a:moveTo>
+                    <a:pt x="949107" y="879061"/>
+                  </a:moveTo>
+                  <a:lnTo>
+                    <a:pt x="800175" y="879061"/>
+                  </a:lnTo>
+                  <a:lnTo>
+                    <a:pt x="836202" y="875542"/>
+                  </a:lnTo>
+                  <a:lnTo>
+                    <a:pt x="870336" y="865204"/>
+                  </a:lnTo>
+                  <a:lnTo>
+                    <a:pt x="929748" y="825387"/>
+                  </a:lnTo>
+                  <a:lnTo>
+                    <a:pt x="959533" y="786342"/>
+                  </a:lnTo>
+                  <a:lnTo>
+                    <a:pt x="977400" y="742316"/>
+                  </a:lnTo>
+                  <a:lnTo>
+                    <a:pt x="983352" y="695789"/>
+                  </a:lnTo>
+                  <a:lnTo>
+                    <a:pt x="977393" y="649281"/>
+                  </a:lnTo>
+                  <a:lnTo>
+                    <a:pt x="959526" y="605253"/>
+                  </a:lnTo>
+                  <a:lnTo>
+                    <a:pt x="929748" y="566195"/>
+                  </a:lnTo>
+                  <a:lnTo>
+                    <a:pt x="863010" y="526848"/>
+                  </a:lnTo>
+                  <a:lnTo>
+                    <a:pt x="815189" y="509066"/>
+                  </a:lnTo>
+                  <a:lnTo>
+                    <a:pt x="761716" y="492798"/>
+                  </a:lnTo>
+                  <a:lnTo>
+                    <a:pt x="705578" y="478233"/>
+                  </a:lnTo>
+                  <a:lnTo>
+                    <a:pt x="649760" y="465561"/>
+                  </a:lnTo>
+                  <a:lnTo>
+                    <a:pt x="597250" y="454972"/>
+                  </a:lnTo>
+                  <a:lnTo>
+                    <a:pt x="551035" y="446655"/>
+                  </a:lnTo>
+                  <a:lnTo>
+                    <a:pt x="796084" y="446664"/>
+                  </a:lnTo>
+                  <a:lnTo>
+                    <a:pt x="860732" y="468106"/>
+                  </a:lnTo>
+                  <a:lnTo>
+                    <a:pt x="903856" y="486362"/>
+                  </a:lnTo>
+                  <a:lnTo>
+                    <a:pt x="940299" y="506364"/>
+                  </a:lnTo>
+                  <a:lnTo>
+                    <a:pt x="967901" y="528039"/>
+                  </a:lnTo>
+                  <a:lnTo>
+                    <a:pt x="998317" y="565261"/>
+                  </a:lnTo>
+                  <a:lnTo>
+                    <a:pt x="1019968" y="606516"/>
+                  </a:lnTo>
+                  <a:lnTo>
+                    <a:pt x="1032957" y="650489"/>
+                  </a:lnTo>
+                  <a:lnTo>
+                    <a:pt x="1037282" y="695821"/>
+                  </a:lnTo>
+                  <a:lnTo>
+                    <a:pt x="1032945" y="741153"/>
+                  </a:lnTo>
+                  <a:lnTo>
+                    <a:pt x="1019946" y="785124"/>
+                  </a:lnTo>
+                  <a:lnTo>
+                    <a:pt x="998286" y="826377"/>
+                  </a:lnTo>
+                  <a:lnTo>
+                    <a:pt x="967967" y="863552"/>
+                  </a:lnTo>
+                  <a:lnTo>
+                    <a:pt x="949107" y="879061"/>
+                  </a:lnTo>
+                  <a:close/>
+                </a:path>
+                <a:path w="1037590" h="1007110">
+                  <a:moveTo>
+                    <a:pt x="386735" y="879070"/>
+                  </a:moveTo>
+                  <a:lnTo>
+                    <a:pt x="237027" y="879070"/>
+                  </a:lnTo>
+                  <a:lnTo>
+                    <a:pt x="273096" y="875542"/>
+                  </a:lnTo>
+                  <a:lnTo>
+                    <a:pt x="307226" y="865204"/>
+                  </a:lnTo>
+                  <a:lnTo>
+                    <a:pt x="366643" y="825387"/>
+                  </a:lnTo>
+                  <a:lnTo>
+                    <a:pt x="405990" y="758642"/>
+                  </a:lnTo>
+                  <a:lnTo>
+                    <a:pt x="423773" y="710818"/>
+                  </a:lnTo>
+                  <a:lnTo>
+                    <a:pt x="440042" y="657342"/>
+                  </a:lnTo>
+                  <a:lnTo>
+                    <a:pt x="454607" y="601201"/>
+                  </a:lnTo>
+                  <a:lnTo>
+                    <a:pt x="467277" y="545382"/>
+                  </a:lnTo>
+                  <a:lnTo>
+                    <a:pt x="477877" y="492798"/>
+                  </a:lnTo>
+                  <a:lnTo>
+                    <a:pt x="486176" y="446664"/>
+                  </a:lnTo>
+                  <a:lnTo>
+                    <a:pt x="551036" y="446664"/>
+                  </a:lnTo>
+                  <a:lnTo>
+                    <a:pt x="559350" y="492880"/>
+                  </a:lnTo>
+                  <a:lnTo>
+                    <a:pt x="569937" y="545390"/>
+                  </a:lnTo>
+                  <a:lnTo>
+                    <a:pt x="574233" y="564316"/>
+                  </a:lnTo>
+                  <a:lnTo>
+                    <a:pt x="518623" y="564316"/>
+                  </a:lnTo>
+                  <a:lnTo>
+                    <a:pt x="509747" y="603696"/>
+                  </a:lnTo>
+                  <a:lnTo>
+                    <a:pt x="499660" y="644307"/>
+                  </a:lnTo>
+                  <a:lnTo>
+                    <a:pt x="488376" y="685061"/>
+                  </a:lnTo>
+                  <a:lnTo>
+                    <a:pt x="475909" y="724871"/>
+                  </a:lnTo>
+                  <a:lnTo>
+                    <a:pt x="618667" y="724871"/>
+                  </a:lnTo>
+                  <a:lnTo>
+                    <a:pt x="631229" y="758647"/>
+                  </a:lnTo>
+                  <a:lnTo>
+                    <a:pt x="641065" y="778815"/>
+                  </a:lnTo>
+                  <a:lnTo>
+                    <a:pt x="455734" y="778815"/>
+                  </a:lnTo>
+                  <a:lnTo>
+                    <a:pt x="449187" y="793707"/>
+                  </a:lnTo>
+                  <a:lnTo>
+                    <a:pt x="442425" y="807745"/>
+                  </a:lnTo>
+                  <a:lnTo>
+                    <a:pt x="435452" y="820889"/>
+                  </a:lnTo>
+                  <a:lnTo>
+                    <a:pt x="428267" y="833065"/>
+                  </a:lnTo>
+                  <a:lnTo>
+                    <a:pt x="448128" y="846199"/>
+                  </a:lnTo>
+                  <a:lnTo>
+                    <a:pt x="470036" y="856056"/>
+                  </a:lnTo>
+                  <a:lnTo>
+                    <a:pt x="493652" y="862249"/>
+                  </a:lnTo>
+                  <a:lnTo>
+                    <a:pt x="518632" y="864397"/>
+                  </a:lnTo>
+                  <a:lnTo>
+                    <a:pt x="728494" y="864397"/>
+                  </a:lnTo>
+                  <a:lnTo>
+                    <a:pt x="730031" y="865213"/>
+                  </a:lnTo>
+                  <a:lnTo>
+                    <a:pt x="760056" y="874305"/>
+                  </a:lnTo>
+                  <a:lnTo>
+                    <a:pt x="644075" y="874314"/>
+                  </a:lnTo>
+                  <a:lnTo>
+                    <a:pt x="393249" y="874314"/>
+                  </a:lnTo>
+                  <a:lnTo>
+                    <a:pt x="386735" y="879070"/>
+                  </a:lnTo>
+                  <a:close/>
+                </a:path>
+                <a:path w="1037590" h="1007110">
+                  <a:moveTo>
+                    <a:pt x="968004" y="528084"/>
+                  </a:moveTo>
+                  <a:close/>
+                </a:path>
+                <a:path w="1037590" h="1007110">
+                  <a:moveTo>
+                    <a:pt x="618667" y="724871"/>
+                  </a:moveTo>
+                  <a:lnTo>
+                    <a:pt x="561329" y="724871"/>
+                  </a:lnTo>
+                  <a:lnTo>
+                    <a:pt x="548867" y="685061"/>
+                  </a:lnTo>
+                  <a:lnTo>
+                    <a:pt x="537586" y="644307"/>
+                  </a:lnTo>
+                  <a:lnTo>
+                    <a:pt x="527500" y="603696"/>
+                  </a:lnTo>
+                  <a:lnTo>
+                    <a:pt x="518623" y="564316"/>
+                  </a:lnTo>
+                  <a:lnTo>
+                    <a:pt x="574233" y="564316"/>
+                  </a:lnTo>
+                  <a:lnTo>
+                    <a:pt x="582608" y="601208"/>
+                  </a:lnTo>
+                  <a:lnTo>
+                    <a:pt x="597173" y="657348"/>
+                  </a:lnTo>
+                  <a:lnTo>
+                    <a:pt x="613443" y="710823"/>
+                  </a:lnTo>
+                  <a:lnTo>
+                    <a:pt x="618667" y="724871"/>
+                  </a:lnTo>
+                  <a:close/>
+                </a:path>
+                <a:path w="1037590" h="1007110">
+                  <a:moveTo>
+                    <a:pt x="728494" y="864397"/>
+                  </a:moveTo>
+                  <a:lnTo>
+                    <a:pt x="518632" y="864397"/>
+                  </a:lnTo>
+                  <a:lnTo>
+                    <a:pt x="543630" y="862247"/>
+                  </a:lnTo>
+                  <a:lnTo>
+                    <a:pt x="567241" y="856054"/>
+                  </a:lnTo>
+                  <a:lnTo>
+                    <a:pt x="589133" y="846199"/>
+                  </a:lnTo>
+                  <a:lnTo>
+                    <a:pt x="608989" y="833056"/>
+                  </a:lnTo>
+                  <a:lnTo>
+                    <a:pt x="601798" y="820867"/>
+                  </a:lnTo>
+                  <a:lnTo>
+                    <a:pt x="594819" y="807705"/>
+                  </a:lnTo>
+                  <a:lnTo>
+                    <a:pt x="588057" y="793658"/>
+                  </a:lnTo>
+                  <a:lnTo>
+                    <a:pt x="581513" y="778815"/>
+                  </a:lnTo>
+                  <a:lnTo>
+                    <a:pt x="641065" y="778815"/>
+                  </a:lnTo>
+                  <a:lnTo>
+                    <a:pt x="650342" y="797833"/>
+                  </a:lnTo>
+                  <a:lnTo>
+                    <a:pt x="670594" y="825396"/>
+                  </a:lnTo>
+                  <a:lnTo>
+                    <a:pt x="698568" y="848385"/>
+                  </a:lnTo>
+                  <a:lnTo>
+                    <a:pt x="728494" y="864397"/>
+                  </a:lnTo>
+                  <a:close/>
+                </a:path>
+                <a:path w="1037590" h="1007110">
+                  <a:moveTo>
+                    <a:pt x="800247" y="933032"/>
+                  </a:moveTo>
+                  <a:lnTo>
+                    <a:pt x="757429" y="929192"/>
+                  </a:lnTo>
+                  <a:lnTo>
+                    <a:pt x="716607" y="917900"/>
+                  </a:lnTo>
+                  <a:lnTo>
+                    <a:pt x="678567" y="899495"/>
+                  </a:lnTo>
+                  <a:lnTo>
+                    <a:pt x="644088" y="874305"/>
+                  </a:lnTo>
+                  <a:lnTo>
+                    <a:pt x="760086" y="874314"/>
+                  </a:lnTo>
+                  <a:lnTo>
+                    <a:pt x="764141" y="875542"/>
+                  </a:lnTo>
+                  <a:lnTo>
+                    <a:pt x="800175" y="879061"/>
+                  </a:lnTo>
+                  <a:lnTo>
+                    <a:pt x="949107" y="879061"/>
+                  </a:lnTo>
+                  <a:lnTo>
+                    <a:pt x="931776" y="893312"/>
+                  </a:lnTo>
+                  <a:lnTo>
+                    <a:pt x="891074" y="915095"/>
+                  </a:lnTo>
+                  <a:lnTo>
+                    <a:pt x="846891" y="928477"/>
+                  </a:lnTo>
+                  <a:lnTo>
+                    <a:pt x="800247" y="933032"/>
+                  </a:lnTo>
+                  <a:close/>
+                </a:path>
+                <a:path w="1037590" h="1007110">
+                  <a:moveTo>
+                    <a:pt x="545640" y="1006512"/>
+                  </a:moveTo>
+                  <a:lnTo>
+                    <a:pt x="491696" y="1006512"/>
+                  </a:lnTo>
+                  <a:lnTo>
+                    <a:pt x="491696" y="916489"/>
+                  </a:lnTo>
+                  <a:lnTo>
+                    <a:pt x="464636" y="910919"/>
+                  </a:lnTo>
+                  <a:lnTo>
+                    <a:pt x="439035" y="901857"/>
+                  </a:lnTo>
+                  <a:lnTo>
+                    <a:pt x="415149" y="889564"/>
+                  </a:lnTo>
+                  <a:lnTo>
+                    <a:pt x="393249" y="874314"/>
+                  </a:lnTo>
+                  <a:lnTo>
+                    <a:pt x="644075" y="874314"/>
+                  </a:lnTo>
+                  <a:lnTo>
+                    <a:pt x="622154" y="889573"/>
+                  </a:lnTo>
+                  <a:lnTo>
+                    <a:pt x="598261" y="901864"/>
+                  </a:lnTo>
+                  <a:lnTo>
+                    <a:pt x="572660" y="910924"/>
+                  </a:lnTo>
+                  <a:lnTo>
+                    <a:pt x="545640" y="916489"/>
+                  </a:lnTo>
+                  <a:lnTo>
+                    <a:pt x="545640" y="1006512"/>
+                  </a:lnTo>
+                  <a:close/>
+                </a:path>
+              </a:pathLst>
+            </a:custGeom>
+            <a:solidFill>
+              <a:srgbClr val="252826"/>
+            </a:solidFill>
+          </p:spPr>
+          <p:txBody>
+            <a:bodyPr wrap="square" lIns="0" tIns="0" rIns="0" bIns="0" rtlCol="0"/>
+            <a:lstStyle/>
+            <a:p>
+              <a:endParaRPr/>
+            </a:p>
+          </p:txBody>
+        </p:sp>
+      </p:grpSp>
       <p:sp>
         <p:nvSpPr>
-          <p:cNvPr id="3" name="object 3"/>
-          <p:cNvSpPr/>
-          <p:nvPr/>
-        </p:nvSpPr>
-        <p:spPr>
-          <a:xfrm>
-            <a:off x="3052480" y="2008985"/>
-            <a:ext cx="10706099" cy="8278002"/>
-          </a:xfrm>
-          <a:prstGeom prst="rect">
-            <a:avLst/>
-          </a:prstGeom>
-          <a:blipFill>
-            <a:blip r:embed="rId3" cstate="print"/>
-            <a:stretch>
-              <a:fillRect/>
-            </a:stretch>
-          </a:blipFill>
-        </p:spPr>
-        <p:txBody>
-          <a:bodyPr wrap="square" lIns="0" tIns="0" rIns="0" bIns="0" rtlCol="0"/>
-          <a:lstStyle/>
-          <a:p/>
-        </p:txBody>
-      </p:sp>
-      <p:sp>
-        <p:nvSpPr>
-          <p:cNvPr id="4" name="object 4"/>
+          <p:cNvPr id="6" name="object 6"/>
           <p:cNvSpPr txBox="1">
             <a:spLocks noGrp="1"/>
           </p:cNvSpPr>
@@ -5085,13 +7119,15 @@
         </p:nvSpPr>
         <p:spPr>
           <a:xfrm>
-            <a:off x="418351" y="466502"/>
-            <a:ext cx="15736569" cy="902335"/>
+            <a:off x="3697569" y="5016450"/>
+            <a:ext cx="10748645" cy="902335"/>
           </a:xfrm>
-          <a:prstGeom prst="rect"/>
+          <a:prstGeom prst="rect">
+            <a:avLst/>
+          </a:prstGeom>
         </p:spPr>
         <p:txBody>
-          <a:bodyPr wrap="square" lIns="0" tIns="12700" rIns="0" bIns="0" rtlCol="0" vert="horz">
+          <a:bodyPr vert="horz" wrap="square" lIns="0" tIns="12700" rIns="0" bIns="0" rtlCol="0">
             <a:spAutoFit/>
           </a:bodyPr>
           <a:lstStyle/>
@@ -5104,251 +7140,93 @@
                 <a:spcPts val="100"/>
               </a:spcBef>
               <a:tabLst>
-                <a:tab pos="5086350" algn="l"/>
-                <a:tab pos="9437370" algn="l"/>
-                <a:tab pos="10039985" algn="l"/>
-                <a:tab pos="13828394" algn="l"/>
+                <a:tab pos="3816985" algn="l"/>
+                <a:tab pos="5890260" algn="l"/>
               </a:tabLst>
             </a:pPr>
             <a:r>
-              <a:rPr dirty="0" sz="5750" spc="85">
-                <a:solidFill>
-                  <a:srgbClr val="F7CF2B"/>
-                </a:solidFill>
-              </a:rPr>
+              <a:rPr sz="5750" spc="415" dirty="0"/>
+              <a:t>T</a:t>
+            </a:r>
+            <a:r>
+              <a:rPr sz="5750" spc="975" dirty="0"/>
+              <a:t>H</a:t>
+            </a:r>
+            <a:r>
+              <a:rPr sz="5750" spc="440" dirty="0"/>
+              <a:t>A</a:t>
+            </a:r>
+            <a:r>
+              <a:rPr sz="5750" spc="1275" dirty="0"/>
+              <a:t>N</a:t>
+            </a:r>
+            <a:r>
+              <a:rPr sz="5750" spc="385" dirty="0"/>
+              <a:t>K</a:t>
+            </a:r>
+            <a:r>
+              <a:rPr sz="5750" spc="-490" dirty="0"/>
               <a:t>S</a:t>
             </a:r>
             <a:r>
-              <a:rPr dirty="0" sz="5750" spc="520">
-                <a:solidFill>
-                  <a:srgbClr val="F7CF2B"/>
-                </a:solidFill>
-              </a:rPr>
+              <a:rPr sz="5750" dirty="0"/>
+              <a:t>	</a:t>
+            </a:r>
+            <a:r>
+              <a:rPr sz="5750" spc="470" dirty="0"/>
+              <a:t>F</a:t>
+            </a:r>
+            <a:r>
+              <a:rPr sz="5750" spc="1019" dirty="0"/>
+              <a:t>O</a:t>
+            </a:r>
+            <a:r>
+              <a:rPr sz="5750" spc="-300" dirty="0"/>
+              <a:t>R</a:t>
+            </a:r>
+            <a:r>
+              <a:rPr sz="5750" dirty="0"/>
+              <a:t>	</a:t>
+            </a:r>
+            <a:r>
+              <a:rPr sz="5750" spc="685" dirty="0"/>
+              <a:t>L</a:t>
+            </a:r>
+            <a:r>
+              <a:rPr sz="5750" spc="800" dirty="0"/>
+              <a:t>I</a:t>
+            </a:r>
+            <a:r>
+              <a:rPr sz="5750" spc="85" dirty="0"/>
+              <a:t>S</a:t>
+            </a:r>
+            <a:r>
+              <a:rPr sz="5750" spc="415" dirty="0"/>
+              <a:t>T</a:t>
+            </a:r>
+            <a:r>
+              <a:rPr sz="5750" spc="520" dirty="0"/>
               <a:t>E</a:t>
             </a:r>
             <a:r>
-              <a:rPr dirty="0" sz="5750" spc="1220">
-                <a:solidFill>
-                  <a:srgbClr val="F7CF2B"/>
-                </a:solidFill>
-              </a:rPr>
-              <a:t>Q</a:t>
-            </a:r>
-            <a:r>
-              <a:rPr dirty="0" sz="5750" spc="680">
-                <a:solidFill>
-                  <a:srgbClr val="F7CF2B"/>
-                </a:solidFill>
-              </a:rPr>
-              <a:t>U</a:t>
-            </a:r>
-            <a:r>
-              <a:rPr dirty="0" sz="5750" spc="520">
-                <a:solidFill>
-                  <a:srgbClr val="F7CF2B"/>
-                </a:solidFill>
-              </a:rPr>
-              <a:t>E</a:t>
-            </a:r>
-            <a:r>
-              <a:rPr dirty="0" sz="5750" spc="1275">
-                <a:solidFill>
-                  <a:srgbClr val="F7CF2B"/>
-                </a:solidFill>
-              </a:rPr>
+              <a:rPr sz="5750" spc="1275" dirty="0"/>
               <a:t>N</a:t>
             </a:r>
             <a:r>
-              <a:rPr dirty="0" sz="5750" spc="420">
-                <a:solidFill>
-                  <a:srgbClr val="F7CF2B"/>
-                </a:solidFill>
-              </a:rPr>
-              <a:t>C</a:t>
-            </a:r>
-            <a:r>
-              <a:rPr dirty="0" sz="5750" spc="-55">
-                <a:solidFill>
-                  <a:srgbClr val="F7CF2B"/>
-                </a:solidFill>
-              </a:rPr>
-              <a:t>E</a:t>
-            </a:r>
-            <a:r>
-              <a:rPr dirty="0" sz="5750">
-                <a:solidFill>
-                  <a:srgbClr val="F7CF2B"/>
-                </a:solidFill>
-              </a:rPr>
-              <a:t>	</a:t>
-            </a:r>
-            <a:r>
-              <a:rPr dirty="0" sz="5750" spc="795">
-                <a:solidFill>
-                  <a:srgbClr val="F7CF2B"/>
-                </a:solidFill>
-              </a:rPr>
-              <a:t>D</a:t>
-            </a:r>
-            <a:r>
-              <a:rPr dirty="0" sz="5750" spc="800">
-                <a:solidFill>
-                  <a:srgbClr val="F7CF2B"/>
-                </a:solidFill>
-              </a:rPr>
+              <a:rPr sz="5750" spc="800" dirty="0"/>
               <a:t>I</a:t>
             </a:r>
             <a:r>
-              <a:rPr dirty="0" sz="5750" spc="440">
-                <a:solidFill>
-                  <a:srgbClr val="F7CF2B"/>
-                </a:solidFill>
-              </a:rPr>
-              <a:t>A</a:t>
-            </a:r>
-            <a:r>
-              <a:rPr dirty="0" sz="5750" spc="450">
-                <a:solidFill>
-                  <a:srgbClr val="F7CF2B"/>
-                </a:solidFill>
-              </a:rPr>
+              <a:rPr sz="5750" spc="1275" dirty="0"/>
+              <a:t>N</a:t>
+            </a:r>
+            <a:r>
+              <a:rPr sz="5750" spc="450" dirty="0"/>
               <a:t>G</a:t>
             </a:r>
             <a:r>
-              <a:rPr dirty="0" sz="5750" spc="275">
-                <a:solidFill>
-                  <a:srgbClr val="F7CF2B"/>
-                </a:solidFill>
-              </a:rPr>
-              <a:t>R</a:t>
-            </a:r>
-            <a:r>
-              <a:rPr dirty="0" sz="5750" spc="440">
-                <a:solidFill>
-                  <a:srgbClr val="F7CF2B"/>
-                </a:solidFill>
-              </a:rPr>
-              <a:t>A</a:t>
-            </a:r>
-            <a:r>
-              <a:rPr dirty="0" sz="5750" spc="585">
-                <a:solidFill>
-                  <a:srgbClr val="F7CF2B"/>
-                </a:solidFill>
-              </a:rPr>
-              <a:t>M</a:t>
-            </a:r>
-            <a:r>
-              <a:rPr dirty="0" sz="5750">
-                <a:solidFill>
-                  <a:srgbClr val="F7CF2B"/>
-                </a:solidFill>
-              </a:rPr>
-              <a:t>	</a:t>
-            </a:r>
-            <a:r>
-              <a:rPr dirty="0" sz="5750" spc="-165">
-                <a:solidFill>
-                  <a:srgbClr val="F7CF2B"/>
-                </a:solidFill>
-              </a:rPr>
-              <a:t>-</a:t>
-            </a:r>
-            <a:r>
-              <a:rPr dirty="0" sz="5750">
-                <a:solidFill>
-                  <a:srgbClr val="F7CF2B"/>
-                </a:solidFill>
-              </a:rPr>
-              <a:t>	</a:t>
-            </a:r>
-            <a:r>
-              <a:rPr dirty="0" sz="5750" spc="275">
-                <a:solidFill>
-                  <a:srgbClr val="F7CF2B"/>
-                </a:solidFill>
-              </a:rPr>
-              <a:t>R</a:t>
-            </a:r>
-            <a:r>
-              <a:rPr dirty="0" sz="5750" spc="520">
-                <a:solidFill>
-                  <a:srgbClr val="F7CF2B"/>
-                </a:solidFill>
-              </a:rPr>
-              <a:t>E</a:t>
-            </a:r>
-            <a:r>
-              <a:rPr dirty="0" sz="5750" spc="415">
-                <a:solidFill>
-                  <a:srgbClr val="F7CF2B"/>
-                </a:solidFill>
-              </a:rPr>
-              <a:t>T</a:t>
-            </a:r>
-            <a:r>
-              <a:rPr dirty="0" sz="5750" spc="680">
-                <a:solidFill>
-                  <a:srgbClr val="F7CF2B"/>
-                </a:solidFill>
-              </a:rPr>
-              <a:t>U</a:t>
-            </a:r>
-            <a:r>
-              <a:rPr dirty="0" sz="5750" spc="275">
-                <a:solidFill>
-                  <a:srgbClr val="F7CF2B"/>
-                </a:solidFill>
-              </a:rPr>
-              <a:t>R</a:t>
-            </a:r>
-            <a:r>
-              <a:rPr dirty="0" sz="5750" spc="700">
-                <a:solidFill>
-                  <a:srgbClr val="F7CF2B"/>
-                </a:solidFill>
-              </a:rPr>
-              <a:t>N</a:t>
-            </a:r>
-            <a:r>
-              <a:rPr dirty="0" sz="5750">
-                <a:solidFill>
-                  <a:srgbClr val="F7CF2B"/>
-                </a:solidFill>
-              </a:rPr>
-              <a:t>	</a:t>
-            </a:r>
-            <a:r>
-              <a:rPr dirty="0" sz="5750" spc="45">
-                <a:solidFill>
-                  <a:srgbClr val="F7CF2B"/>
-                </a:solidFill>
-              </a:rPr>
-              <a:t>B</a:t>
-            </a:r>
-            <a:r>
-              <a:rPr dirty="0" sz="5750" spc="800">
-                <a:solidFill>
-                  <a:srgbClr val="F7CF2B"/>
-                </a:solidFill>
-              </a:rPr>
-              <a:t>I</a:t>
-            </a:r>
-            <a:r>
-              <a:rPr dirty="0" sz="5750" spc="385">
-                <a:solidFill>
-                  <a:srgbClr val="F7CF2B"/>
-                </a:solidFill>
-              </a:rPr>
-              <a:t>K</a:t>
-            </a:r>
-            <a:r>
-              <a:rPr dirty="0" sz="5750" spc="-55">
-                <a:solidFill>
-                  <a:srgbClr val="F7CF2B"/>
-                </a:solidFill>
-              </a:rPr>
-              <a:t>E</a:t>
+              <a:rPr sz="5750" spc="-755" dirty="0"/>
+              <a:t>!</a:t>
             </a:r>
             <a:endParaRPr sz="5750"/>
           </a:p>
@@ -5362,7 +7240,7 @@
 </p:sld>
 </file>
 
-<file path=ppt/slides/slide4.xml><?xml version="1.0" encoding="utf-8"?>
+<file path=ppt/slides/slide2.xml><?xml version="1.0" encoding="utf-8"?>
 <p:sld xmlns:a="http://schemas.openxmlformats.org/drawingml/2006/main" xmlns:r="http://schemas.openxmlformats.org/officeDocument/2006/relationships" xmlns:p="http://schemas.openxmlformats.org/presentationml/2006/main">
   <p:cSld>
     <p:spTree>
@@ -5403,34 +7281,9 @@
         <p:txBody>
           <a:bodyPr wrap="square" lIns="0" tIns="0" rIns="0" bIns="0" rtlCol="0"/>
           <a:lstStyle/>
-          <a:p/>
-        </p:txBody>
-      </p:sp>
-      <p:sp>
-        <p:nvSpPr>
-          <p:cNvPr id="3" name="object 3"/>
-          <p:cNvSpPr/>
-          <p:nvPr/>
-        </p:nvSpPr>
-        <p:spPr>
-          <a:xfrm>
-            <a:off x="1627241" y="2008997"/>
-            <a:ext cx="15030449" cy="8277194"/>
-          </a:xfrm>
-          <a:prstGeom prst="rect">
-            <a:avLst/>
-          </a:prstGeom>
-          <a:blipFill>
-            <a:blip r:embed="rId3" cstate="print"/>
-            <a:stretch>
-              <a:fillRect/>
-            </a:stretch>
-          </a:blipFill>
-        </p:spPr>
-        <p:txBody>
-          <a:bodyPr wrap="square" lIns="0" tIns="0" rIns="0" bIns="0" rtlCol="0"/>
-          <a:lstStyle/>
-          <a:p/>
+          <a:p>
+            <a:endParaRPr/>
+          </a:p>
         </p:txBody>
       </p:sp>
       <p:sp>
@@ -5445,13 +7298,15 @@
         </p:nvSpPr>
         <p:spPr>
           <a:xfrm>
-            <a:off x="292554" y="466502"/>
-            <a:ext cx="17585055" cy="902335"/>
+            <a:off x="563631" y="258996"/>
+            <a:ext cx="3925049" cy="3890809"/>
           </a:xfrm>
-          <a:prstGeom prst="rect"/>
+          <a:prstGeom prst="rect">
+            <a:avLst/>
+          </a:prstGeom>
         </p:spPr>
         <p:txBody>
-          <a:bodyPr wrap="square" lIns="0" tIns="12700" rIns="0" bIns="0" rtlCol="0" vert="horz">
+          <a:bodyPr vert="horz" wrap="square" lIns="0" tIns="12700" rIns="0" bIns="0" rtlCol="0">
             <a:spAutoFit/>
           </a:bodyPr>
           <a:lstStyle/>
@@ -5464,62 +7319,372 @@
                 <a:spcPts val="100"/>
               </a:spcBef>
               <a:tabLst>
-                <a:tab pos="6934834" algn="l"/>
-                <a:tab pos="11286490" algn="l"/>
-                <a:tab pos="11889105" algn="l"/>
-                <a:tab pos="15676880" algn="l"/>
+                <a:tab pos="5086350" algn="l"/>
+                <a:tab pos="9437370" algn="l"/>
+                <a:tab pos="10039985" algn="l"/>
+                <a:tab pos="13828394" algn="l"/>
               </a:tabLst>
             </a:pPr>
             <a:r>
-              <a:rPr dirty="0" sz="5750" spc="420">
-                <a:solidFill>
-                  <a:srgbClr val="F7CF2B"/>
+              <a:rPr sz="3600" spc="85" dirty="0">
+                <a:solidFill>
+                  <a:schemeClr val="bg1"/>
+                </a:solidFill>
+              </a:rPr>
+              <a:t>S</a:t>
+            </a:r>
+            <a:r>
+              <a:rPr sz="3600" spc="520" dirty="0">
+                <a:solidFill>
+                  <a:schemeClr val="bg1"/>
+                </a:solidFill>
+              </a:rPr>
+              <a:t>E</a:t>
+            </a:r>
+            <a:r>
+              <a:rPr sz="3600" spc="1220" dirty="0">
+                <a:solidFill>
+                  <a:schemeClr val="bg1"/>
+                </a:solidFill>
+              </a:rPr>
+              <a:t>Q</a:t>
+            </a:r>
+            <a:r>
+              <a:rPr sz="3600" spc="680" dirty="0">
+                <a:solidFill>
+                  <a:schemeClr val="bg1"/>
+                </a:solidFill>
+              </a:rPr>
+              <a:t>U</a:t>
+            </a:r>
+            <a:r>
+              <a:rPr sz="3600" spc="520" dirty="0">
+                <a:solidFill>
+                  <a:schemeClr val="bg1"/>
+                </a:solidFill>
+              </a:rPr>
+              <a:t>E</a:t>
+            </a:r>
+            <a:r>
+              <a:rPr sz="3600" spc="1275" dirty="0">
+                <a:solidFill>
+                  <a:schemeClr val="bg1"/>
+                </a:solidFill>
+              </a:rPr>
+              <a:t>N</a:t>
+            </a:r>
+            <a:r>
+              <a:rPr sz="3600" spc="420" dirty="0">
+                <a:solidFill>
+                  <a:schemeClr val="bg1"/>
                 </a:solidFill>
               </a:rPr>
               <a:t>C</a:t>
             </a:r>
             <a:r>
-              <a:rPr dirty="0" sz="5750" spc="1019">
-                <a:solidFill>
-                  <a:srgbClr val="F7CF2B"/>
-                </a:solidFill>
-              </a:rPr>
-              <a:t>O</a:t>
-            </a:r>
-            <a:r>
-              <a:rPr dirty="0" sz="5750" spc="1160">
-                <a:solidFill>
-                  <a:srgbClr val="F7CF2B"/>
-                </a:solidFill>
-              </a:rPr>
-              <a:t>MM</a:t>
-            </a:r>
-            <a:r>
-              <a:rPr dirty="0" sz="5750" spc="680">
-                <a:solidFill>
-                  <a:srgbClr val="F7CF2B"/>
+              <a:rPr sz="3600" spc="-55" dirty="0">
+                <a:solidFill>
+                  <a:schemeClr val="bg1"/>
+                </a:solidFill>
+              </a:rPr>
+              <a:t>E</a:t>
+            </a:r>
+            <a:r>
+              <a:rPr sz="3600">
+                <a:solidFill>
+                  <a:schemeClr val="bg1"/>
+                </a:solidFill>
+              </a:rPr>
+              <a:t>	</a:t>
+            </a:r>
+            <a:r>
+              <a:rPr sz="3600" spc="795">
+                <a:solidFill>
+                  <a:schemeClr val="bg1"/>
+                </a:solidFill>
+              </a:rPr>
+              <a:t>D</a:t>
+            </a:r>
+            <a:r>
+              <a:rPr sz="3600" spc="800">
+                <a:solidFill>
+                  <a:schemeClr val="bg1"/>
+                </a:solidFill>
+              </a:rPr>
+              <a:t>I</a:t>
+            </a:r>
+            <a:r>
+              <a:rPr sz="3600" spc="440">
+                <a:solidFill>
+                  <a:schemeClr val="bg1"/>
+                </a:solidFill>
+              </a:rPr>
+              <a:t>A</a:t>
+            </a:r>
+            <a:r>
+              <a:rPr sz="3600" spc="450">
+                <a:solidFill>
+                  <a:schemeClr val="bg1"/>
+                </a:solidFill>
+              </a:rPr>
+              <a:t>G</a:t>
+            </a:r>
+            <a:r>
+              <a:rPr sz="3600" spc="275">
+                <a:solidFill>
+                  <a:schemeClr val="bg1"/>
+                </a:solidFill>
+              </a:rPr>
+              <a:t>R</a:t>
+            </a:r>
+            <a:r>
+              <a:rPr sz="3600" spc="440">
+                <a:solidFill>
+                  <a:schemeClr val="bg1"/>
+                </a:solidFill>
+              </a:rPr>
+              <a:t>A</a:t>
+            </a:r>
+            <a:r>
+              <a:rPr sz="3600" spc="585">
+                <a:solidFill>
+                  <a:schemeClr val="bg1"/>
+                </a:solidFill>
+              </a:rPr>
+              <a:t>M</a:t>
+            </a:r>
+            <a:r>
+              <a:rPr sz="3600" dirty="0">
+                <a:solidFill>
+                  <a:schemeClr val="bg1"/>
+                </a:solidFill>
+              </a:rPr>
+              <a:t>	</a:t>
+            </a:r>
+            <a:r>
+              <a:rPr sz="3600" spc="275" dirty="0">
+                <a:solidFill>
+                  <a:schemeClr val="tx1"/>
+                </a:solidFill>
+              </a:rPr>
+              <a:t>R</a:t>
+            </a:r>
+            <a:r>
+              <a:rPr sz="3600" spc="520" dirty="0">
+                <a:solidFill>
+                  <a:schemeClr val="tx1"/>
+                </a:solidFill>
+              </a:rPr>
+              <a:t>E</a:t>
+            </a:r>
+            <a:r>
+              <a:rPr sz="3600" spc="415" dirty="0">
+                <a:solidFill>
+                  <a:schemeClr val="tx1"/>
+                </a:solidFill>
+              </a:rPr>
+              <a:t>T</a:t>
+            </a:r>
+            <a:r>
+              <a:rPr sz="3600" spc="680" dirty="0">
+                <a:solidFill>
+                  <a:schemeClr val="tx1"/>
                 </a:solidFill>
               </a:rPr>
               <a:t>U</a:t>
             </a:r>
             <a:r>
-              <a:rPr dirty="0" sz="5750" spc="1275">
-                <a:solidFill>
-                  <a:srgbClr val="F7CF2B"/>
+              <a:rPr sz="3600" spc="275" dirty="0">
+                <a:solidFill>
+                  <a:schemeClr val="tx1"/>
+                </a:solidFill>
+              </a:rPr>
+              <a:t>R</a:t>
+            </a:r>
+            <a:r>
+              <a:rPr sz="3600" spc="700" dirty="0">
+                <a:solidFill>
+                  <a:schemeClr val="tx1"/>
                 </a:solidFill>
               </a:rPr>
               <a:t>N</a:t>
             </a:r>
             <a:r>
-              <a:rPr dirty="0" sz="5750" spc="800">
-                <a:solidFill>
-                  <a:srgbClr val="F7CF2B"/>
+              <a:rPr sz="3600" dirty="0">
+                <a:solidFill>
+                  <a:schemeClr val="tx1"/>
+                </a:solidFill>
+              </a:rPr>
+              <a:t>	</a:t>
+            </a:r>
+            <a:r>
+              <a:rPr sz="3600" spc="45" dirty="0">
+                <a:solidFill>
+                  <a:schemeClr val="tx1"/>
+                </a:solidFill>
+              </a:rPr>
+              <a:t>B</a:t>
+            </a:r>
+            <a:r>
+              <a:rPr sz="3600" spc="800" dirty="0">
+                <a:solidFill>
+                  <a:schemeClr val="tx1"/>
                 </a:solidFill>
               </a:rPr>
               <a:t>I</a:t>
             </a:r>
             <a:r>
-              <a:rPr dirty="0" sz="5750" spc="420">
+              <a:rPr sz="3600" spc="385" dirty="0">
+                <a:solidFill>
+                  <a:schemeClr val="tx1"/>
+                </a:solidFill>
+              </a:rPr>
+              <a:t>K</a:t>
+            </a:r>
+            <a:r>
+              <a:rPr sz="3600" spc="-55" dirty="0">
+                <a:solidFill>
+                  <a:schemeClr val="tx1"/>
+                </a:solidFill>
+              </a:rPr>
+              <a:t>E</a:t>
+            </a:r>
+            <a:endParaRPr sz="3600">
+              <a:solidFill>
+                <a:schemeClr val="tx1"/>
+              </a:solidFill>
+            </a:endParaRPr>
+          </a:p>
+        </p:txBody>
+      </p:sp>
+      <p:pic>
+        <p:nvPicPr>
+          <p:cNvPr id="6" name="Hình ảnh 5">
+            <a:extLst>
+              <a:ext uri="{FF2B5EF4-FFF2-40B4-BE49-F238E27FC236}">
+                <a16:creationId xmlns:a16="http://schemas.microsoft.com/office/drawing/2014/main" id="{FC9D44C2-6692-42CC-A959-B18E9B6B6391}"/>
+              </a:ext>
+            </a:extLst>
+          </p:cNvPr>
+          <p:cNvPicPr>
+            <a:picLocks noChangeAspect="1"/>
+          </p:cNvPicPr>
+          <p:nvPr/>
+        </p:nvPicPr>
+        <p:blipFill>
+          <a:blip r:embed="rId3">
+            <a:extLst>
+              <a:ext uri="{28A0092B-C50C-407E-A947-70E740481C1C}">
+                <a14:useLocalDpi xmlns:a14="http://schemas.microsoft.com/office/drawing/2010/main" val="0"/>
+              </a:ext>
+            </a:extLst>
+          </a:blip>
+          <a:stretch>
+            <a:fillRect/>
+          </a:stretch>
+        </p:blipFill>
+        <p:spPr>
+          <a:xfrm>
+            <a:off x="5410200" y="114300"/>
+            <a:ext cx="11956280" cy="10287000"/>
+          </a:xfrm>
+          <a:prstGeom prst="rect">
+            <a:avLst/>
+          </a:prstGeom>
+        </p:spPr>
+      </p:pic>
+    </p:spTree>
+  </p:cSld>
+  <p:clrMapOvr>
+    <a:masterClrMapping/>
+  </p:clrMapOvr>
+</p:sld>
+</file>
+
+<file path=ppt/slides/slide3.xml><?xml version="1.0" encoding="utf-8"?>
+<p:sld xmlns:a="http://schemas.openxmlformats.org/drawingml/2006/main" xmlns:r="http://schemas.openxmlformats.org/officeDocument/2006/relationships" xmlns:p="http://schemas.openxmlformats.org/presentationml/2006/main">
+  <p:cSld>
+    <p:spTree>
+      <p:nvGrpSpPr>
+        <p:cNvPr id="1" name=""/>
+        <p:cNvGrpSpPr/>
+        <p:nvPr/>
+      </p:nvGrpSpPr>
+      <p:grpSpPr>
+        <a:xfrm>
+          <a:off x="0" y="0"/>
+          <a:ext cx="0" cy="0"/>
+          <a:chOff x="0" y="0"/>
+          <a:chExt cx="0" cy="0"/>
+        </a:xfrm>
+      </p:grpSpPr>
+      <p:sp>
+        <p:nvSpPr>
+          <p:cNvPr id="2" name="object 2"/>
+          <p:cNvSpPr/>
+          <p:nvPr/>
+        </p:nvSpPr>
+        <p:spPr>
+          <a:xfrm>
+            <a:off x="0" y="2009729"/>
+            <a:ext cx="18288000" cy="8277240"/>
+          </a:xfrm>
+          <a:prstGeom prst="rect">
+            <a:avLst/>
+          </a:prstGeom>
+          <a:blipFill>
+            <a:blip r:embed="rId2" cstate="print"/>
+            <a:stretch>
+              <a:fillRect/>
+            </a:stretch>
+          </a:blipFill>
+        </p:spPr>
+        <p:txBody>
+          <a:bodyPr wrap="square" lIns="0" tIns="0" rIns="0" bIns="0" rtlCol="0"/>
+          <a:lstStyle/>
+          <a:p>
+            <a:endParaRPr/>
+          </a:p>
+        </p:txBody>
+      </p:sp>
+      <p:sp>
+        <p:nvSpPr>
+          <p:cNvPr id="4" name="object 4"/>
+          <p:cNvSpPr txBox="1">
+            <a:spLocks noGrp="1"/>
+          </p:cNvSpPr>
+          <p:nvPr>
+            <p:ph type="title"/>
+          </p:nvPr>
+        </p:nvSpPr>
+        <p:spPr>
+          <a:xfrm>
+            <a:off x="1016000" y="466502"/>
+            <a:ext cx="7747000" cy="902335"/>
+          </a:xfrm>
+          <a:prstGeom prst="rect">
+            <a:avLst/>
+          </a:prstGeom>
+        </p:spPr>
+        <p:txBody>
+          <a:bodyPr vert="horz" wrap="square" lIns="0" tIns="12700" rIns="0" bIns="0" rtlCol="0">
+            <a:spAutoFit/>
+          </a:bodyPr>
+          <a:lstStyle/>
+          <a:p>
+            <a:pPr marL="12700">
+              <a:lnSpc>
+                <a:spcPct val="100000"/>
+              </a:lnSpc>
+              <a:spcBef>
+                <a:spcPts val="100"/>
+              </a:spcBef>
+              <a:tabLst>
+                <a:tab pos="3013075" algn="l"/>
+              </a:tabLst>
+            </a:pPr>
+            <a:r>
+              <a:rPr sz="5750" spc="420" dirty="0">
                 <a:solidFill>
                   <a:srgbClr val="F7CF2B"/>
                 </a:solidFill>
@@ -5527,7 +7692,15 @@
               <a:t>C</a:t>
             </a:r>
             <a:r>
-              <a:rPr dirty="0" sz="5750" spc="440">
+              <a:rPr sz="5750" spc="685" dirty="0">
+                <a:solidFill>
+                  <a:srgbClr val="F7CF2B"/>
+                </a:solidFill>
+              </a:rPr>
+              <a:t>L</a:t>
+            </a:r>
+            <a:r>
+              <a:rPr sz="5750" spc="440" dirty="0">
                 <a:solidFill>
                   <a:srgbClr val="F7CF2B"/>
                 </a:solidFill>
@@ -5535,23 +7708,23 @@
               <a:t>A</a:t>
             </a:r>
             <a:r>
-              <a:rPr dirty="0" sz="5750" spc="415">
-                <a:solidFill>
-                  <a:srgbClr val="F7CF2B"/>
-                </a:solidFill>
-              </a:rPr>
-              <a:t>T</a:t>
-            </a:r>
-            <a:r>
-              <a:rPr dirty="0" sz="5750" spc="-55">
-                <a:solidFill>
-                  <a:srgbClr val="F7CF2B"/>
-                </a:solidFill>
-              </a:rPr>
-              <a:t>E</a:t>
-            </a:r>
-            <a:r>
-              <a:rPr dirty="0" sz="5750">
+              <a:rPr sz="5750" spc="85" dirty="0">
+                <a:solidFill>
+                  <a:srgbClr val="F7CF2B"/>
+                </a:solidFill>
+              </a:rPr>
+              <a:t>S</a:t>
+            </a:r>
+            <a:r>
+              <a:rPr sz="5750" spc="-490" dirty="0">
+                <a:solidFill>
+                  <a:srgbClr val="F7CF2B"/>
+                </a:solidFill>
+              </a:rPr>
+              <a:t>S</a:t>
+            </a:r>
+            <a:r>
+              <a:rPr sz="5750" dirty="0">
                 <a:solidFill>
                   <a:srgbClr val="F7CF2B"/>
                 </a:solidFill>
@@ -5559,7 +7732,7 @@
               <a:t>	</a:t>
             </a:r>
             <a:r>
-              <a:rPr dirty="0" sz="5750" spc="795">
+              <a:rPr sz="5750" spc="795" dirty="0">
                 <a:solidFill>
                   <a:srgbClr val="F7CF2B"/>
                 </a:solidFill>
@@ -5567,7 +7740,7 @@
               <a:t>D</a:t>
             </a:r>
             <a:r>
-              <a:rPr dirty="0" sz="5750" spc="800">
+              <a:rPr sz="5750" spc="800" dirty="0">
                 <a:solidFill>
                   <a:srgbClr val="F7CF2B"/>
                 </a:solidFill>
@@ -5575,7 +7748,7 @@
               <a:t>I</a:t>
             </a:r>
             <a:r>
-              <a:rPr dirty="0" sz="5750" spc="440">
+              <a:rPr sz="5750" spc="440" dirty="0">
                 <a:solidFill>
                   <a:srgbClr val="F7CF2B"/>
                 </a:solidFill>
@@ -5583,7 +7756,7 @@
               <a:t>A</a:t>
             </a:r>
             <a:r>
-              <a:rPr dirty="0" sz="5750" spc="450">
+              <a:rPr sz="5750" spc="450" dirty="0">
                 <a:solidFill>
                   <a:srgbClr val="F7CF2B"/>
                 </a:solidFill>
@@ -5591,7 +7764,7 @@
               <a:t>G</a:t>
             </a:r>
             <a:r>
-              <a:rPr dirty="0" sz="5750" spc="275">
+              <a:rPr sz="5750" spc="275" dirty="0">
                 <a:solidFill>
                   <a:srgbClr val="F7CF2B"/>
                 </a:solidFill>
@@ -5599,7 +7772,7 @@
               <a:t>R</a:t>
             </a:r>
             <a:r>
-              <a:rPr dirty="0" sz="5750" spc="440">
+              <a:rPr sz="5750" spc="440" dirty="0">
                 <a:solidFill>
                   <a:srgbClr val="F7CF2B"/>
                 </a:solidFill>
@@ -5607,130 +7780,293 @@
               <a:t>A</a:t>
             </a:r>
             <a:r>
-              <a:rPr dirty="0" sz="5750" spc="585">
+              <a:rPr sz="5750" spc="585" dirty="0">
                 <a:solidFill>
                   <a:srgbClr val="F7CF2B"/>
                 </a:solidFill>
               </a:rPr>
               <a:t>M</a:t>
-            </a:r>
-            <a:r>
-              <a:rPr dirty="0" sz="5750">
-                <a:solidFill>
-                  <a:srgbClr val="F7CF2B"/>
-                </a:solidFill>
-              </a:rPr>
-              <a:t>	</a:t>
-            </a:r>
-            <a:r>
-              <a:rPr dirty="0" sz="5750" spc="-165">
-                <a:solidFill>
-                  <a:srgbClr val="F7CF2B"/>
-                </a:solidFill>
-              </a:rPr>
-              <a:t>-</a:t>
-            </a:r>
-            <a:r>
-              <a:rPr dirty="0" sz="5750">
-                <a:solidFill>
-                  <a:srgbClr val="F7CF2B"/>
-                </a:solidFill>
-              </a:rPr>
-              <a:t>	</a:t>
-            </a:r>
-            <a:r>
-              <a:rPr dirty="0" sz="5750" spc="275">
-                <a:solidFill>
-                  <a:srgbClr val="F7CF2B"/>
-                </a:solidFill>
-              </a:rPr>
-              <a:t>R</a:t>
-            </a:r>
-            <a:r>
-              <a:rPr dirty="0" sz="5750" spc="520">
-                <a:solidFill>
-                  <a:srgbClr val="F7CF2B"/>
-                </a:solidFill>
-              </a:rPr>
-              <a:t>E</a:t>
-            </a:r>
-            <a:r>
-              <a:rPr dirty="0" sz="5750" spc="415">
-                <a:solidFill>
-                  <a:srgbClr val="F7CF2B"/>
-                </a:solidFill>
-              </a:rPr>
-              <a:t>T</a:t>
-            </a:r>
-            <a:r>
-              <a:rPr dirty="0" sz="5750" spc="680">
-                <a:solidFill>
-                  <a:srgbClr val="F7CF2B"/>
-                </a:solidFill>
-              </a:rPr>
-              <a:t>U</a:t>
-            </a:r>
-            <a:r>
-              <a:rPr dirty="0" sz="5750" spc="275">
-                <a:solidFill>
-                  <a:srgbClr val="F7CF2B"/>
-                </a:solidFill>
-              </a:rPr>
-              <a:t>R</a:t>
-            </a:r>
-            <a:r>
-              <a:rPr dirty="0" sz="5750" spc="700">
-                <a:solidFill>
-                  <a:srgbClr val="F7CF2B"/>
-                </a:solidFill>
-              </a:rPr>
-              <a:t>N</a:t>
-            </a:r>
-            <a:r>
-              <a:rPr dirty="0" sz="5750">
-                <a:solidFill>
-                  <a:srgbClr val="F7CF2B"/>
-                </a:solidFill>
-              </a:rPr>
-              <a:t>	</a:t>
-            </a:r>
-            <a:r>
-              <a:rPr dirty="0" sz="5750" spc="45">
-                <a:solidFill>
-                  <a:srgbClr val="F7CF2B"/>
-                </a:solidFill>
-              </a:rPr>
-              <a:t>B</a:t>
-            </a:r>
-            <a:r>
-              <a:rPr dirty="0" sz="5750" spc="800">
-                <a:solidFill>
-                  <a:srgbClr val="F7CF2B"/>
-                </a:solidFill>
-              </a:rPr>
-              <a:t>I</a:t>
-            </a:r>
-            <a:r>
-              <a:rPr dirty="0" sz="5750" spc="385">
-                <a:solidFill>
-                  <a:srgbClr val="F7CF2B"/>
-                </a:solidFill>
-              </a:rPr>
-              <a:t>K</a:t>
-            </a:r>
-            <a:r>
-              <a:rPr dirty="0" sz="5750" spc="-55">
-                <a:solidFill>
-                  <a:srgbClr val="F7CF2B"/>
-                </a:solidFill>
-              </a:rPr>
-              <a:t>E</a:t>
             </a:r>
             <a:endParaRPr sz="5750"/>
           </a:p>
         </p:txBody>
       </p:sp>
+      <p:pic>
+        <p:nvPicPr>
+          <p:cNvPr id="6" name="Hình ảnh 5">
+            <a:extLst>
+              <a:ext uri="{FF2B5EF4-FFF2-40B4-BE49-F238E27FC236}">
+                <a16:creationId xmlns:a16="http://schemas.microsoft.com/office/drawing/2014/main" id="{54071CCA-B195-4D9F-92E3-3A9E97E7DCEC}"/>
+              </a:ext>
+            </a:extLst>
+          </p:cNvPr>
+          <p:cNvPicPr>
+            <a:picLocks noChangeAspect="1"/>
+          </p:cNvPicPr>
+          <p:nvPr/>
+        </p:nvPicPr>
+        <p:blipFill>
+          <a:blip r:embed="rId3" cstate="print">
+            <a:extLst>
+              <a:ext uri="{28A0092B-C50C-407E-A947-70E740481C1C}">
+                <a14:useLocalDpi xmlns:a14="http://schemas.microsoft.com/office/drawing/2010/main" val="0"/>
+              </a:ext>
+            </a:extLst>
+          </a:blip>
+          <a:stretch>
+            <a:fillRect/>
+          </a:stretch>
+        </p:blipFill>
+        <p:spPr>
+          <a:xfrm>
+            <a:off x="1143000" y="1257300"/>
+            <a:ext cx="16306800" cy="8896118"/>
+          </a:xfrm>
+          <a:prstGeom prst="rect">
+            <a:avLst/>
+          </a:prstGeom>
+        </p:spPr>
+      </p:pic>
     </p:spTree>
+  </p:cSld>
+  <p:clrMapOvr>
+    <a:masterClrMapping/>
+  </p:clrMapOvr>
+</p:sld>
+</file>
+
+<file path=ppt/slides/slide4.xml><?xml version="1.0" encoding="utf-8"?>
+<p:sld xmlns:a="http://schemas.openxmlformats.org/drawingml/2006/main" xmlns:r="http://schemas.openxmlformats.org/officeDocument/2006/relationships" xmlns:p="http://schemas.openxmlformats.org/presentationml/2006/main">
+  <p:cSld>
+    <p:spTree>
+      <p:nvGrpSpPr>
+        <p:cNvPr id="1" name=""/>
+        <p:cNvGrpSpPr/>
+        <p:nvPr/>
+      </p:nvGrpSpPr>
+      <p:grpSpPr>
+        <a:xfrm>
+          <a:off x="0" y="0"/>
+          <a:ext cx="0" cy="0"/>
+          <a:chOff x="0" y="0"/>
+          <a:chExt cx="0" cy="0"/>
+        </a:xfrm>
+      </p:grpSpPr>
+      <p:sp>
+        <p:nvSpPr>
+          <p:cNvPr id="2" name="object 2"/>
+          <p:cNvSpPr/>
+          <p:nvPr/>
+        </p:nvSpPr>
+        <p:spPr>
+          <a:xfrm>
+            <a:off x="0" y="2009729"/>
+            <a:ext cx="18288000" cy="8277240"/>
+          </a:xfrm>
+          <a:prstGeom prst="rect">
+            <a:avLst/>
+          </a:prstGeom>
+          <a:blipFill>
+            <a:blip r:embed="rId2" cstate="print"/>
+            <a:stretch>
+              <a:fillRect/>
+            </a:stretch>
+          </a:blipFill>
+        </p:spPr>
+        <p:txBody>
+          <a:bodyPr wrap="square" lIns="0" tIns="0" rIns="0" bIns="0" rtlCol="0"/>
+          <a:lstStyle/>
+          <a:p>
+            <a:endParaRPr/>
+          </a:p>
+        </p:txBody>
+      </p:sp>
+      <p:sp>
+        <p:nvSpPr>
+          <p:cNvPr id="4" name="object 4"/>
+          <p:cNvSpPr txBox="1">
+            <a:spLocks noGrp="1"/>
+          </p:cNvSpPr>
+          <p:nvPr>
+            <p:ph type="title"/>
+          </p:nvPr>
+        </p:nvSpPr>
+        <p:spPr>
+          <a:xfrm>
+            <a:off x="1016000" y="466502"/>
+            <a:ext cx="6997700" cy="902335"/>
+          </a:xfrm>
+          <a:prstGeom prst="rect">
+            <a:avLst/>
+          </a:prstGeom>
+        </p:spPr>
+        <p:txBody>
+          <a:bodyPr vert="horz" wrap="square" lIns="0" tIns="12700" rIns="0" bIns="0" rtlCol="0">
+            <a:spAutoFit/>
+          </a:bodyPr>
+          <a:lstStyle/>
+          <a:p>
+            <a:pPr marL="12700">
+              <a:lnSpc>
+                <a:spcPct val="100000"/>
+              </a:lnSpc>
+              <a:spcBef>
+                <a:spcPts val="100"/>
+              </a:spcBef>
+              <a:tabLst>
+                <a:tab pos="3013075" algn="l"/>
+              </a:tabLst>
+            </a:pPr>
+            <a:r>
+              <a:rPr sz="5750" spc="420" dirty="0">
+                <a:solidFill>
+                  <a:srgbClr val="F7CF2B"/>
+                </a:solidFill>
+              </a:rPr>
+              <a:t>C</a:t>
+            </a:r>
+            <a:r>
+              <a:rPr sz="5750" spc="685" dirty="0">
+                <a:solidFill>
+                  <a:srgbClr val="F7CF2B"/>
+                </a:solidFill>
+              </a:rPr>
+              <a:t>L</a:t>
+            </a:r>
+            <a:r>
+              <a:rPr sz="5750" spc="440" dirty="0">
+                <a:solidFill>
+                  <a:srgbClr val="F7CF2B"/>
+                </a:solidFill>
+              </a:rPr>
+              <a:t>A</a:t>
+            </a:r>
+            <a:r>
+              <a:rPr sz="5750" spc="85" dirty="0">
+                <a:solidFill>
+                  <a:srgbClr val="F7CF2B"/>
+                </a:solidFill>
+              </a:rPr>
+              <a:t>S</a:t>
+            </a:r>
+            <a:r>
+              <a:rPr sz="5750" spc="-490" dirty="0">
+                <a:solidFill>
+                  <a:srgbClr val="F7CF2B"/>
+                </a:solidFill>
+              </a:rPr>
+              <a:t>S</a:t>
+            </a:r>
+            <a:r>
+              <a:rPr sz="5750" dirty="0">
+                <a:solidFill>
+                  <a:srgbClr val="F7CF2B"/>
+                </a:solidFill>
+              </a:rPr>
+              <a:t>	</a:t>
+            </a:r>
+            <a:r>
+              <a:rPr sz="5750" spc="795" dirty="0">
+                <a:solidFill>
+                  <a:srgbClr val="F7CF2B"/>
+                </a:solidFill>
+              </a:rPr>
+              <a:t>D</a:t>
+            </a:r>
+            <a:r>
+              <a:rPr sz="5750" spc="800" dirty="0">
+                <a:solidFill>
+                  <a:srgbClr val="F7CF2B"/>
+                </a:solidFill>
+              </a:rPr>
+              <a:t>I</a:t>
+            </a:r>
+            <a:r>
+              <a:rPr sz="5750" spc="440" dirty="0">
+                <a:solidFill>
+                  <a:srgbClr val="F7CF2B"/>
+                </a:solidFill>
+              </a:rPr>
+              <a:t>A</a:t>
+            </a:r>
+            <a:r>
+              <a:rPr sz="5750" spc="450" dirty="0">
+                <a:solidFill>
+                  <a:srgbClr val="F7CF2B"/>
+                </a:solidFill>
+              </a:rPr>
+              <a:t>G</a:t>
+            </a:r>
+            <a:r>
+              <a:rPr sz="5750" spc="275" dirty="0">
+                <a:solidFill>
+                  <a:srgbClr val="F7CF2B"/>
+                </a:solidFill>
+              </a:rPr>
+              <a:t>R</a:t>
+            </a:r>
+            <a:r>
+              <a:rPr sz="5750" spc="440" dirty="0">
+                <a:solidFill>
+                  <a:srgbClr val="F7CF2B"/>
+                </a:solidFill>
+              </a:rPr>
+              <a:t>A</a:t>
+            </a:r>
+            <a:r>
+              <a:rPr sz="5750" spc="585" dirty="0">
+                <a:solidFill>
+                  <a:srgbClr val="F7CF2B"/>
+                </a:solidFill>
+              </a:rPr>
+              <a:t>M</a:t>
+            </a:r>
+            <a:endParaRPr sz="5750"/>
+          </a:p>
+        </p:txBody>
+      </p:sp>
+      <p:pic>
+        <p:nvPicPr>
+          <p:cNvPr id="5" name="Hình ảnh 4">
+            <a:extLst>
+              <a:ext uri="{FF2B5EF4-FFF2-40B4-BE49-F238E27FC236}">
+                <a16:creationId xmlns:a16="http://schemas.microsoft.com/office/drawing/2014/main" id="{D544155F-72D0-4DBC-9221-377B01214551}"/>
+              </a:ext>
+            </a:extLst>
+          </p:cNvPr>
+          <p:cNvPicPr>
+            <a:picLocks noChangeAspect="1"/>
+          </p:cNvPicPr>
+          <p:nvPr/>
+        </p:nvPicPr>
+        <p:blipFill>
+          <a:blip r:embed="rId3">
+            <a:extLst>
+              <a:ext uri="{28A0092B-C50C-407E-A947-70E740481C1C}">
+                <a14:useLocalDpi xmlns:a14="http://schemas.microsoft.com/office/drawing/2010/main" val="0"/>
+              </a:ext>
+            </a:extLst>
+          </a:blip>
+          <a:stretch>
+            <a:fillRect/>
+          </a:stretch>
+        </p:blipFill>
+        <p:spPr>
+          <a:xfrm>
+            <a:off x="0" y="1457615"/>
+            <a:ext cx="18288000" cy="7371770"/>
+          </a:xfrm>
+          <a:prstGeom prst="rect">
+            <a:avLst/>
+          </a:prstGeom>
+        </p:spPr>
+      </p:pic>
+    </p:spTree>
+    <p:extLst>
+      <p:ext uri="{BB962C8B-B14F-4D97-AF65-F5344CB8AC3E}">
+        <p14:creationId xmlns:p14="http://schemas.microsoft.com/office/powerpoint/2010/main" val="4221277454"/>
+      </p:ext>
+    </p:extLst>
   </p:cSld>
   <p:clrMapOvr>
     <a:masterClrMapping/>
@@ -5779,34 +8115,9 @@
         <p:txBody>
           <a:bodyPr wrap="square" lIns="0" tIns="0" rIns="0" bIns="0" rtlCol="0"/>
           <a:lstStyle/>
-          <a:p/>
-        </p:txBody>
-      </p:sp>
-      <p:sp>
-        <p:nvSpPr>
-          <p:cNvPr id="3" name="object 3"/>
-          <p:cNvSpPr/>
-          <p:nvPr/>
-        </p:nvSpPr>
-        <p:spPr>
-          <a:xfrm>
-            <a:off x="1763828" y="2454493"/>
-            <a:ext cx="14763749" cy="7391399"/>
-          </a:xfrm>
-          <a:prstGeom prst="rect">
-            <a:avLst/>
-          </a:prstGeom>
-          <a:blipFill>
-            <a:blip r:embed="rId3" cstate="print"/>
-            <a:stretch>
-              <a:fillRect/>
-            </a:stretch>
-          </a:blipFill>
-        </p:spPr>
-        <p:txBody>
-          <a:bodyPr wrap="square" lIns="0" tIns="0" rIns="0" bIns="0" rtlCol="0"/>
-          <a:lstStyle/>
-          <a:p/>
+          <a:p>
+            <a:endParaRPr/>
+          </a:p>
         </p:txBody>
       </p:sp>
       <p:sp>
@@ -5821,13 +8132,15 @@
         </p:nvSpPr>
         <p:spPr>
           <a:xfrm>
-            <a:off x="292554" y="466505"/>
-            <a:ext cx="8023225" cy="902335"/>
+            <a:off x="1016000" y="466502"/>
+            <a:ext cx="6997700" cy="902335"/>
           </a:xfrm>
-          <a:prstGeom prst="rect"/>
+          <a:prstGeom prst="rect">
+            <a:avLst/>
+          </a:prstGeom>
         </p:spPr>
         <p:txBody>
-          <a:bodyPr wrap="square" lIns="0" tIns="12700" rIns="0" bIns="0" rtlCol="0" vert="horz">
+          <a:bodyPr vert="horz" wrap="square" lIns="0" tIns="12700" rIns="0" bIns="0" rtlCol="0">
             <a:spAutoFit/>
           </a:bodyPr>
           <a:lstStyle/>
@@ -5840,11 +8153,59 @@
                 <a:spcPts val="100"/>
               </a:spcBef>
               <a:tabLst>
-                <a:tab pos="4782820" algn="l"/>
+                <a:tab pos="3013075" algn="l"/>
               </a:tabLst>
             </a:pPr>
             <a:r>
-              <a:rPr dirty="0" sz="5750" spc="795">
+              <a:rPr sz="5750" spc="420" dirty="0">
+                <a:solidFill>
+                  <a:srgbClr val="F7CF2B"/>
+                </a:solidFill>
+              </a:rPr>
+              <a:t>C</a:t>
+            </a:r>
+            <a:r>
+              <a:rPr sz="5750" spc="685" dirty="0">
+                <a:solidFill>
+                  <a:srgbClr val="F7CF2B"/>
+                </a:solidFill>
+              </a:rPr>
+              <a:t>L</a:t>
+            </a:r>
+            <a:r>
+              <a:rPr sz="5750" spc="440" dirty="0">
+                <a:solidFill>
+                  <a:srgbClr val="F7CF2B"/>
+                </a:solidFill>
+              </a:rPr>
+              <a:t>A</a:t>
+            </a:r>
+            <a:r>
+              <a:rPr sz="5750" spc="85" dirty="0">
+                <a:solidFill>
+                  <a:srgbClr val="F7CF2B"/>
+                </a:solidFill>
+              </a:rPr>
+              <a:t>S</a:t>
+            </a:r>
+            <a:r>
+              <a:rPr sz="5750" spc="-490" dirty="0">
+                <a:solidFill>
+                  <a:srgbClr val="F7CF2B"/>
+                </a:solidFill>
+              </a:rPr>
+              <a:t>S</a:t>
+            </a:r>
+            <a:r>
+              <a:rPr sz="5750" dirty="0">
+                <a:solidFill>
+                  <a:srgbClr val="F7CF2B"/>
+                </a:solidFill>
+              </a:rPr>
+              <a:t>	</a:t>
+            </a:r>
+            <a:r>
+              <a:rPr sz="5750" spc="795" dirty="0">
                 <a:solidFill>
                   <a:srgbClr val="F7CF2B"/>
                 </a:solidFill>
@@ -5852,7 +8213,15 @@
               <a:t>D</a:t>
             </a:r>
             <a:r>
-              <a:rPr dirty="0" sz="5750" spc="440">
+              <a:rPr sz="5750" spc="800" dirty="0">
+                <a:solidFill>
+                  <a:srgbClr val="F7CF2B"/>
+                </a:solidFill>
+              </a:rPr>
+              <a:t>I</a:t>
+            </a:r>
+            <a:r>
+              <a:rPr sz="5750" spc="440" dirty="0">
                 <a:solidFill>
                   <a:srgbClr val="F7CF2B"/>
                 </a:solidFill>
@@ -5860,15 +8229,23 @@
               <a:t>A</a:t>
             </a:r>
             <a:r>
-              <a:rPr dirty="0" sz="5750" spc="415">
-                <a:solidFill>
-                  <a:srgbClr val="F7CF2B"/>
-                </a:solidFill>
-              </a:rPr>
-              <a:t>T</a:t>
-            </a:r>
-            <a:r>
-              <a:rPr dirty="0" sz="5750" spc="440">
+              <a:rPr sz="5750" spc="450" dirty="0">
+                <a:solidFill>
+                  <a:srgbClr val="F7CF2B"/>
+                </a:solidFill>
+              </a:rPr>
+              <a:t>G</a:t>
+            </a:r>
+            <a:r>
+              <a:rPr sz="5750" spc="275" dirty="0">
+                <a:solidFill>
+                  <a:srgbClr val="F7CF2B"/>
+                </a:solidFill>
+              </a:rPr>
+              <a:t>R</a:t>
+            </a:r>
+            <a:r>
+              <a:rPr sz="5750" spc="440" dirty="0">
                 <a:solidFill>
                   <a:srgbClr val="F7CF2B"/>
                 </a:solidFill>
@@ -5876,98 +8253,59 @@
               <a:t>A</a:t>
             </a:r>
             <a:r>
-              <a:rPr dirty="0" sz="5750" spc="45">
-                <a:solidFill>
-                  <a:srgbClr val="F7CF2B"/>
-                </a:solidFill>
-              </a:rPr>
-              <a:t>B</a:t>
-            </a:r>
-            <a:r>
-              <a:rPr dirty="0" sz="5750" spc="440">
-                <a:solidFill>
-                  <a:srgbClr val="F7CF2B"/>
-                </a:solidFill>
-              </a:rPr>
-              <a:t>A</a:t>
-            </a:r>
-            <a:r>
-              <a:rPr dirty="0" sz="5750" spc="85">
-                <a:solidFill>
-                  <a:srgbClr val="F7CF2B"/>
-                </a:solidFill>
-              </a:rPr>
-              <a:t>S</a:t>
-            </a:r>
-            <a:r>
-              <a:rPr dirty="0" sz="5750" spc="-55">
-                <a:solidFill>
-                  <a:srgbClr val="F7CF2B"/>
-                </a:solidFill>
-              </a:rPr>
-              <a:t>E</a:t>
-            </a:r>
-            <a:r>
-              <a:rPr dirty="0" sz="5750">
-                <a:solidFill>
-                  <a:srgbClr val="F7CF2B"/>
-                </a:solidFill>
-              </a:rPr>
-              <a:t>	</a:t>
-            </a:r>
-            <a:r>
-              <a:rPr dirty="0" sz="5750" spc="795">
-                <a:solidFill>
-                  <a:srgbClr val="F7CF2B"/>
-                </a:solidFill>
-              </a:rPr>
-              <a:t>D</a:t>
-            </a:r>
-            <a:r>
-              <a:rPr dirty="0" sz="5750" spc="520">
-                <a:solidFill>
-                  <a:srgbClr val="F7CF2B"/>
-                </a:solidFill>
-              </a:rPr>
-              <a:t>E</a:t>
-            </a:r>
-            <a:r>
-              <a:rPr dirty="0" sz="5750" spc="85">
-                <a:solidFill>
-                  <a:srgbClr val="F7CF2B"/>
-                </a:solidFill>
-              </a:rPr>
-              <a:t>S</a:t>
-            </a:r>
-            <a:r>
-              <a:rPr dirty="0" sz="5750" spc="800">
-                <a:solidFill>
-                  <a:srgbClr val="F7CF2B"/>
-                </a:solidFill>
-              </a:rPr>
-              <a:t>I</a:t>
-            </a:r>
-            <a:r>
-              <a:rPr dirty="0" sz="5750" spc="450">
-                <a:solidFill>
-                  <a:srgbClr val="F7CF2B"/>
-                </a:solidFill>
-              </a:rPr>
-              <a:t>G</a:t>
-            </a:r>
-            <a:r>
-              <a:rPr dirty="0" sz="5750" spc="700">
-                <a:solidFill>
-                  <a:srgbClr val="F7CF2B"/>
-                </a:solidFill>
-              </a:rPr>
-              <a:t>N</a:t>
+              <a:rPr sz="5750" spc="585" dirty="0">
+                <a:solidFill>
+                  <a:srgbClr val="F7CF2B"/>
+                </a:solidFill>
+              </a:rPr>
+              <a:t>M</a:t>
             </a:r>
             <a:endParaRPr sz="5750"/>
           </a:p>
         </p:txBody>
       </p:sp>
+      <p:pic>
+        <p:nvPicPr>
+          <p:cNvPr id="6" name="Hình ảnh 5" descr="Ảnh có chứa bàn&#10;&#10;Mô tả được tạo tự động">
+            <a:extLst>
+              <a:ext uri="{FF2B5EF4-FFF2-40B4-BE49-F238E27FC236}">
+                <a16:creationId xmlns:a16="http://schemas.microsoft.com/office/drawing/2014/main" id="{3DEE4412-8847-43B6-BAC4-49248E0FBEE0}"/>
+              </a:ext>
+            </a:extLst>
+          </p:cNvPr>
+          <p:cNvPicPr>
+            <a:picLocks noChangeAspect="1"/>
+          </p:cNvPicPr>
+          <p:nvPr/>
+        </p:nvPicPr>
+        <p:blipFill>
+          <a:blip r:embed="rId3">
+            <a:extLst>
+              <a:ext uri="{28A0092B-C50C-407E-A947-70E740481C1C}">
+                <a14:useLocalDpi xmlns:a14="http://schemas.microsoft.com/office/drawing/2010/main" val="0"/>
+              </a:ext>
+            </a:extLst>
+          </a:blip>
+          <a:stretch>
+            <a:fillRect/>
+          </a:stretch>
+        </p:blipFill>
+        <p:spPr>
+          <a:xfrm>
+            <a:off x="0" y="3149885"/>
+            <a:ext cx="18288000" cy="3987230"/>
+          </a:xfrm>
+          <a:prstGeom prst="rect">
+            <a:avLst/>
+          </a:prstGeom>
+        </p:spPr>
+      </p:pic>
     </p:spTree>
+    <p:extLst>
+      <p:ext uri="{BB962C8B-B14F-4D97-AF65-F5344CB8AC3E}">
+        <p14:creationId xmlns:p14="http://schemas.microsoft.com/office/powerpoint/2010/main" val="2509293872"/>
+      </p:ext>
+    </p:extLst>
   </p:cSld>
   <p:clrMapOvr>
     <a:masterClrMapping/>
@@ -6000,8 +8338,8 @@
         </p:nvSpPr>
         <p:spPr>
           <a:xfrm>
-            <a:off x="0" y="2009713"/>
-            <a:ext cx="18288000" cy="8277225"/>
+            <a:off x="0" y="2009729"/>
+            <a:ext cx="18288000" cy="8277240"/>
           </a:xfrm>
           <a:prstGeom prst="rect">
             <a:avLst/>
@@ -6016,34 +8354,9 @@
         <p:txBody>
           <a:bodyPr wrap="square" lIns="0" tIns="0" rIns="0" bIns="0" rtlCol="0"/>
           <a:lstStyle/>
-          <a:p/>
-        </p:txBody>
-      </p:sp>
-      <p:sp>
-        <p:nvSpPr>
-          <p:cNvPr id="3" name="object 3"/>
-          <p:cNvSpPr/>
-          <p:nvPr/>
-        </p:nvSpPr>
-        <p:spPr>
-          <a:xfrm>
-            <a:off x="3222589" y="2008997"/>
-            <a:ext cx="11839559" cy="8277194"/>
-          </a:xfrm>
-          <a:prstGeom prst="rect">
-            <a:avLst/>
-          </a:prstGeom>
-          <a:blipFill>
-            <a:blip r:embed="rId3" cstate="print"/>
-            <a:stretch>
-              <a:fillRect/>
-            </a:stretch>
-          </a:blipFill>
-        </p:spPr>
-        <p:txBody>
-          <a:bodyPr wrap="square" lIns="0" tIns="0" rIns="0" bIns="0" rtlCol="0"/>
-          <a:lstStyle/>
-          <a:p/>
+          <a:p>
+            <a:endParaRPr/>
+          </a:p>
         </p:txBody>
       </p:sp>
       <p:sp>
@@ -6058,13 +8371,15 @@
         </p:nvSpPr>
         <p:spPr>
           <a:xfrm>
-            <a:off x="292554" y="466502"/>
-            <a:ext cx="8023225" cy="902335"/>
+            <a:off x="1016000" y="466502"/>
+            <a:ext cx="6997700" cy="902335"/>
           </a:xfrm>
-          <a:prstGeom prst="rect"/>
+          <a:prstGeom prst="rect">
+            <a:avLst/>
+          </a:prstGeom>
         </p:spPr>
         <p:txBody>
-          <a:bodyPr wrap="square" lIns="0" tIns="12700" rIns="0" bIns="0" rtlCol="0" vert="horz">
+          <a:bodyPr vert="horz" wrap="square" lIns="0" tIns="12700" rIns="0" bIns="0" rtlCol="0">
             <a:spAutoFit/>
           </a:bodyPr>
           <a:lstStyle/>
@@ -6077,11 +8392,59 @@
                 <a:spcPts val="100"/>
               </a:spcBef>
               <a:tabLst>
-                <a:tab pos="4782820" algn="l"/>
+                <a:tab pos="3013075" algn="l"/>
               </a:tabLst>
             </a:pPr>
             <a:r>
-              <a:rPr dirty="0" sz="5750" spc="795">
+              <a:rPr sz="5750" spc="420" dirty="0">
+                <a:solidFill>
+                  <a:srgbClr val="F7CF2B"/>
+                </a:solidFill>
+              </a:rPr>
+              <a:t>C</a:t>
+            </a:r>
+            <a:r>
+              <a:rPr sz="5750" spc="685" dirty="0">
+                <a:solidFill>
+                  <a:srgbClr val="F7CF2B"/>
+                </a:solidFill>
+              </a:rPr>
+              <a:t>L</a:t>
+            </a:r>
+            <a:r>
+              <a:rPr sz="5750" spc="440" dirty="0">
+                <a:solidFill>
+                  <a:srgbClr val="F7CF2B"/>
+                </a:solidFill>
+              </a:rPr>
+              <a:t>A</a:t>
+            </a:r>
+            <a:r>
+              <a:rPr sz="5750" spc="85" dirty="0">
+                <a:solidFill>
+                  <a:srgbClr val="F7CF2B"/>
+                </a:solidFill>
+              </a:rPr>
+              <a:t>S</a:t>
+            </a:r>
+            <a:r>
+              <a:rPr sz="5750" spc="-490" dirty="0">
+                <a:solidFill>
+                  <a:srgbClr val="F7CF2B"/>
+                </a:solidFill>
+              </a:rPr>
+              <a:t>S</a:t>
+            </a:r>
+            <a:r>
+              <a:rPr sz="5750" dirty="0">
+                <a:solidFill>
+                  <a:srgbClr val="F7CF2B"/>
+                </a:solidFill>
+              </a:rPr>
+              <a:t>	</a:t>
+            </a:r>
+            <a:r>
+              <a:rPr sz="5750" spc="795" dirty="0">
                 <a:solidFill>
                   <a:srgbClr val="F7CF2B"/>
                 </a:solidFill>
@@ -6089,7 +8452,15 @@
               <a:t>D</a:t>
             </a:r>
             <a:r>
-              <a:rPr dirty="0" sz="5750" spc="440">
+              <a:rPr sz="5750" spc="800" dirty="0">
+                <a:solidFill>
+                  <a:srgbClr val="F7CF2B"/>
+                </a:solidFill>
+              </a:rPr>
+              <a:t>I</a:t>
+            </a:r>
+            <a:r>
+              <a:rPr sz="5750" spc="440" dirty="0">
                 <a:solidFill>
                   <a:srgbClr val="F7CF2B"/>
                 </a:solidFill>
@@ -6097,15 +8468,23 @@
               <a:t>A</a:t>
             </a:r>
             <a:r>
-              <a:rPr dirty="0" sz="5750" spc="415">
-                <a:solidFill>
-                  <a:srgbClr val="F7CF2B"/>
-                </a:solidFill>
-              </a:rPr>
-              <a:t>T</a:t>
-            </a:r>
-            <a:r>
-              <a:rPr dirty="0" sz="5750" spc="440">
+              <a:rPr sz="5750" spc="450" dirty="0">
+                <a:solidFill>
+                  <a:srgbClr val="F7CF2B"/>
+                </a:solidFill>
+              </a:rPr>
+              <a:t>G</a:t>
+            </a:r>
+            <a:r>
+              <a:rPr sz="5750" spc="275" dirty="0">
+                <a:solidFill>
+                  <a:srgbClr val="F7CF2B"/>
+                </a:solidFill>
+              </a:rPr>
+              <a:t>R</a:t>
+            </a:r>
+            <a:r>
+              <a:rPr sz="5750" spc="440" dirty="0">
                 <a:solidFill>
                   <a:srgbClr val="F7CF2B"/>
                 </a:solidFill>
@@ -6113,98 +8492,59 @@
               <a:t>A</a:t>
             </a:r>
             <a:r>
-              <a:rPr dirty="0" sz="5750" spc="45">
-                <a:solidFill>
-                  <a:srgbClr val="F7CF2B"/>
-                </a:solidFill>
-              </a:rPr>
-              <a:t>B</a:t>
-            </a:r>
-            <a:r>
-              <a:rPr dirty="0" sz="5750" spc="440">
-                <a:solidFill>
-                  <a:srgbClr val="F7CF2B"/>
-                </a:solidFill>
-              </a:rPr>
-              <a:t>A</a:t>
-            </a:r>
-            <a:r>
-              <a:rPr dirty="0" sz="5750" spc="85">
-                <a:solidFill>
-                  <a:srgbClr val="F7CF2B"/>
-                </a:solidFill>
-              </a:rPr>
-              <a:t>S</a:t>
-            </a:r>
-            <a:r>
-              <a:rPr dirty="0" sz="5750" spc="-55">
-                <a:solidFill>
-                  <a:srgbClr val="F7CF2B"/>
-                </a:solidFill>
-              </a:rPr>
-              <a:t>E</a:t>
-            </a:r>
-            <a:r>
-              <a:rPr dirty="0" sz="5750">
-                <a:solidFill>
-                  <a:srgbClr val="F7CF2B"/>
-                </a:solidFill>
-              </a:rPr>
-              <a:t>	</a:t>
-            </a:r>
-            <a:r>
-              <a:rPr dirty="0" sz="5750" spc="795">
-                <a:solidFill>
-                  <a:srgbClr val="F7CF2B"/>
-                </a:solidFill>
-              </a:rPr>
-              <a:t>D</a:t>
-            </a:r>
-            <a:r>
-              <a:rPr dirty="0" sz="5750" spc="520">
-                <a:solidFill>
-                  <a:srgbClr val="F7CF2B"/>
-                </a:solidFill>
-              </a:rPr>
-              <a:t>E</a:t>
-            </a:r>
-            <a:r>
-              <a:rPr dirty="0" sz="5750" spc="85">
-                <a:solidFill>
-                  <a:srgbClr val="F7CF2B"/>
-                </a:solidFill>
-              </a:rPr>
-              <a:t>S</a:t>
-            </a:r>
-            <a:r>
-              <a:rPr dirty="0" sz="5750" spc="800">
-                <a:solidFill>
-                  <a:srgbClr val="F7CF2B"/>
-                </a:solidFill>
-              </a:rPr>
-              <a:t>I</a:t>
-            </a:r>
-            <a:r>
-              <a:rPr dirty="0" sz="5750" spc="450">
-                <a:solidFill>
-                  <a:srgbClr val="F7CF2B"/>
-                </a:solidFill>
-              </a:rPr>
-              <a:t>G</a:t>
-            </a:r>
-            <a:r>
-              <a:rPr dirty="0" sz="5750" spc="700">
-                <a:solidFill>
-                  <a:srgbClr val="F7CF2B"/>
-                </a:solidFill>
-              </a:rPr>
-              <a:t>N</a:t>
+              <a:rPr sz="5750" spc="585" dirty="0">
+                <a:solidFill>
+                  <a:srgbClr val="F7CF2B"/>
+                </a:solidFill>
+              </a:rPr>
+              <a:t>M</a:t>
             </a:r>
             <a:endParaRPr sz="5750"/>
           </a:p>
         </p:txBody>
       </p:sp>
+      <p:pic>
+        <p:nvPicPr>
+          <p:cNvPr id="5" name="Hình ảnh 4">
+            <a:extLst>
+              <a:ext uri="{FF2B5EF4-FFF2-40B4-BE49-F238E27FC236}">
+                <a16:creationId xmlns:a16="http://schemas.microsoft.com/office/drawing/2014/main" id="{CA23C474-E11E-4BA0-8540-E07E2D281BEA}"/>
+              </a:ext>
+            </a:extLst>
+          </p:cNvPr>
+          <p:cNvPicPr>
+            <a:picLocks noChangeAspect="1"/>
+          </p:cNvPicPr>
+          <p:nvPr/>
+        </p:nvPicPr>
+        <p:blipFill>
+          <a:blip r:embed="rId3">
+            <a:extLst>
+              <a:ext uri="{28A0092B-C50C-407E-A947-70E740481C1C}">
+                <a14:useLocalDpi xmlns:a14="http://schemas.microsoft.com/office/drawing/2010/main" val="0"/>
+              </a:ext>
+            </a:extLst>
+          </a:blip>
+          <a:stretch>
+            <a:fillRect/>
+          </a:stretch>
+        </p:blipFill>
+        <p:spPr>
+          <a:xfrm>
+            <a:off x="152400" y="1368837"/>
+            <a:ext cx="18288000" cy="9157547"/>
+          </a:xfrm>
+          <a:prstGeom prst="rect">
+            <a:avLst/>
+          </a:prstGeom>
+        </p:spPr>
+      </p:pic>
     </p:spTree>
+    <p:extLst>
+      <p:ext uri="{BB962C8B-B14F-4D97-AF65-F5344CB8AC3E}">
+        <p14:creationId xmlns:p14="http://schemas.microsoft.com/office/powerpoint/2010/main" val="3266466738"/>
+      </p:ext>
+    </p:extLst>
   </p:cSld>
   <p:clrMapOvr>
     <a:masterClrMapping/>
@@ -6213,7 +8553,7 @@
 </file>
 
 <file path=ppt/slides/slide7.xml><?xml version="1.0" encoding="utf-8"?>
-<p:sld xmlns:a="http://schemas.openxmlformats.org/drawingml/2006/main" xmlns:r="http://schemas.openxmlformats.org/officeDocument/2006/relationships" xmlns:p="http://schemas.openxmlformats.org/presentationml/2006/main" showMasterSp="0">
+<p:sld xmlns:a="http://schemas.openxmlformats.org/drawingml/2006/main" xmlns:r="http://schemas.openxmlformats.org/officeDocument/2006/relationships" xmlns:p="http://schemas.openxmlformats.org/presentationml/2006/main">
   <p:cSld>
     <p:spTree>
       <p:nvGrpSpPr>
@@ -6237,56 +8577,8 @@
         </p:nvSpPr>
         <p:spPr>
           <a:xfrm>
-            <a:off x="0" y="0"/>
-            <a:ext cx="18288000" cy="2009775"/>
-          </a:xfrm>
-          <a:custGeom>
-            <a:avLst/>
-            <a:gdLst/>
-            <a:ahLst/>
-            <a:cxnLst/>
-            <a:rect l="l" t="t" r="r" b="b"/>
-            <a:pathLst>
-              <a:path w="18288000" h="2009775">
-                <a:moveTo>
-                  <a:pt x="0" y="2009714"/>
-                </a:moveTo>
-                <a:lnTo>
-                  <a:pt x="18288000" y="2009714"/>
-                </a:lnTo>
-                <a:lnTo>
-                  <a:pt x="18288000" y="0"/>
-                </a:lnTo>
-                <a:lnTo>
-                  <a:pt x="0" y="0"/>
-                </a:lnTo>
-                <a:lnTo>
-                  <a:pt x="0" y="2009714"/>
-                </a:lnTo>
-                <a:close/>
-              </a:path>
-            </a:pathLst>
-          </a:custGeom>
-          <a:solidFill>
-            <a:srgbClr val="252826"/>
-          </a:solidFill>
-        </p:spPr>
-        <p:txBody>
-          <a:bodyPr wrap="square" lIns="0" tIns="0" rIns="0" bIns="0" rtlCol="0"/>
-          <a:lstStyle/>
-          <a:p/>
-        </p:txBody>
-      </p:sp>
-      <p:sp>
-        <p:nvSpPr>
-          <p:cNvPr id="3" name="object 3"/>
-          <p:cNvSpPr/>
-          <p:nvPr/>
-        </p:nvSpPr>
-        <p:spPr>
-          <a:xfrm>
-            <a:off x="0" y="2009713"/>
-            <a:ext cx="18288000" cy="8277225"/>
+            <a:off x="0" y="2009729"/>
+            <a:ext cx="18288000" cy="8277240"/>
           </a:xfrm>
           <a:prstGeom prst="rect">
             <a:avLst/>
@@ -6301,7 +8593,9 @@
         <p:txBody>
           <a:bodyPr wrap="square" lIns="0" tIns="0" rIns="0" bIns="0" rtlCol="0"/>
           <a:lstStyle/>
-          <a:p/>
+          <a:p>
+            <a:endParaRPr/>
+          </a:p>
         </p:txBody>
       </p:sp>
       <p:sp>
@@ -6316,169 +8610,15 @@
         </p:nvSpPr>
         <p:spPr>
           <a:xfrm>
-            <a:off x="292554" y="466502"/>
-            <a:ext cx="6624955" cy="902335"/>
-          </a:xfrm>
-          <a:prstGeom prst="rect"/>
-        </p:spPr>
-        <p:txBody>
-          <a:bodyPr wrap="square" lIns="0" tIns="12700" rIns="0" bIns="0" rtlCol="0" vert="horz">
-            <a:spAutoFit/>
-          </a:bodyPr>
-          <a:lstStyle/>
-          <a:p>
-            <a:pPr marL="12700">
-              <a:lnSpc>
-                <a:spcPct val="100000"/>
-              </a:lnSpc>
-              <a:spcBef>
-                <a:spcPts val="100"/>
-              </a:spcBef>
-            </a:pPr>
-            <a:r>
-              <a:rPr dirty="0" sz="5750" spc="420">
-                <a:solidFill>
-                  <a:srgbClr val="F7CF2B"/>
-                </a:solidFill>
-              </a:rPr>
-              <a:t>C</a:t>
-            </a:r>
-            <a:r>
-              <a:rPr dirty="0" sz="5750" spc="1019">
-                <a:solidFill>
-                  <a:srgbClr val="F7CF2B"/>
-                </a:solidFill>
-              </a:rPr>
-              <a:t>O</a:t>
-            </a:r>
-            <a:r>
-              <a:rPr dirty="0" sz="5750" spc="1275">
-                <a:solidFill>
-                  <a:srgbClr val="F7CF2B"/>
-                </a:solidFill>
-              </a:rPr>
-              <a:t>N</a:t>
-            </a:r>
-            <a:r>
-              <a:rPr dirty="0" sz="5750" spc="415">
-                <a:solidFill>
-                  <a:srgbClr val="F7CF2B"/>
-                </a:solidFill>
-              </a:rPr>
-              <a:t>T</a:t>
-            </a:r>
-            <a:r>
-              <a:rPr dirty="0" sz="5750" spc="275">
-                <a:solidFill>
-                  <a:srgbClr val="F7CF2B"/>
-                </a:solidFill>
-              </a:rPr>
-              <a:t>R</a:t>
-            </a:r>
-            <a:r>
-              <a:rPr dirty="0" sz="5750" spc="800">
-                <a:solidFill>
-                  <a:srgbClr val="F7CF2B"/>
-                </a:solidFill>
-              </a:rPr>
-              <a:t>I</a:t>
-            </a:r>
-            <a:r>
-              <a:rPr dirty="0" sz="5750" spc="45">
-                <a:solidFill>
-                  <a:srgbClr val="F7CF2B"/>
-                </a:solidFill>
-              </a:rPr>
-              <a:t>B</a:t>
-            </a:r>
-            <a:r>
-              <a:rPr dirty="0" sz="5750" spc="680">
-                <a:solidFill>
-                  <a:srgbClr val="F7CF2B"/>
-                </a:solidFill>
-              </a:rPr>
-              <a:t>U</a:t>
-            </a:r>
-            <a:r>
-              <a:rPr dirty="0" sz="5750" spc="415">
-                <a:solidFill>
-                  <a:srgbClr val="F7CF2B"/>
-                </a:solidFill>
-              </a:rPr>
-              <a:t>T</a:t>
-            </a:r>
-            <a:r>
-              <a:rPr dirty="0" sz="5750" spc="800">
-                <a:solidFill>
-                  <a:srgbClr val="F7CF2B"/>
-                </a:solidFill>
-              </a:rPr>
-              <a:t>I</a:t>
-            </a:r>
-            <a:r>
-              <a:rPr dirty="0" sz="5750" spc="1019">
-                <a:solidFill>
-                  <a:srgbClr val="F7CF2B"/>
-                </a:solidFill>
-              </a:rPr>
-              <a:t>O</a:t>
-            </a:r>
-            <a:r>
-              <a:rPr dirty="0" sz="5750" spc="700">
-                <a:solidFill>
-                  <a:srgbClr val="F7CF2B"/>
-                </a:solidFill>
-              </a:rPr>
-              <a:t>N</a:t>
-            </a:r>
-            <a:endParaRPr sz="5750"/>
-          </a:p>
-        </p:txBody>
-      </p:sp>
-      <p:sp>
-        <p:nvSpPr>
-          <p:cNvPr id="5" name="object 5"/>
-          <p:cNvSpPr/>
-          <p:nvPr/>
-        </p:nvSpPr>
-        <p:spPr>
-          <a:xfrm>
-            <a:off x="1031306" y="3697223"/>
-            <a:ext cx="95250" cy="95250"/>
-          </a:xfrm>
-          <a:prstGeom prst="rect">
-            <a:avLst/>
-          </a:prstGeom>
-          <a:blipFill>
-            <a:blip r:embed="rId3" cstate="print"/>
-            <a:stretch>
-              <a:fillRect/>
-            </a:stretch>
-          </a:blipFill>
-        </p:spPr>
-        <p:txBody>
-          <a:bodyPr wrap="square" lIns="0" tIns="0" rIns="0" bIns="0" rtlCol="0"/>
-          <a:lstStyle/>
-          <a:p/>
-        </p:txBody>
-      </p:sp>
-      <p:sp>
-        <p:nvSpPr>
-          <p:cNvPr id="6" name="object 6"/>
-          <p:cNvSpPr txBox="1"/>
-          <p:nvPr/>
-        </p:nvSpPr>
-        <p:spPr>
-          <a:xfrm>
-            <a:off x="1277418" y="3439826"/>
-            <a:ext cx="16019780" cy="490855"/>
+            <a:off x="1016000" y="466502"/>
+            <a:ext cx="6997700" cy="902335"/>
           </a:xfrm>
           <a:prstGeom prst="rect">
             <a:avLst/>
           </a:prstGeom>
         </p:spPr>
         <p:txBody>
-          <a:bodyPr wrap="square" lIns="0" tIns="12700" rIns="0" bIns="0" rtlCol="0" vert="horz">
+          <a:bodyPr vert="horz" wrap="square" lIns="0" tIns="12700" rIns="0" bIns="0" rtlCol="0">
             <a:spAutoFit/>
           </a:bodyPr>
           <a:lstStyle/>
@@ -6491,1157 +8631,159 @@
                 <a:spcPts val="100"/>
               </a:spcBef>
               <a:tabLst>
-                <a:tab pos="1902460" algn="l"/>
-                <a:tab pos="3030855" algn="l"/>
-                <a:tab pos="4349750" algn="l"/>
-                <a:tab pos="4669155" algn="l"/>
-                <a:tab pos="6039485" algn="l"/>
-                <a:tab pos="7245984" algn="l"/>
-                <a:tab pos="7936230" algn="l"/>
-                <a:tab pos="11500485" algn="l"/>
-                <a:tab pos="12707620" algn="l"/>
+                <a:tab pos="3013075" algn="l"/>
               </a:tabLst>
             </a:pPr>
             <a:r>
-              <a:rPr dirty="0" sz="3050" spc="420" b="1">
-                <a:solidFill>
-                  <a:srgbClr val="252826"/>
-                </a:solidFill>
-                <a:latin typeface="Arial"/>
-                <a:cs typeface="Arial"/>
+              <a:rPr sz="5750" spc="420" dirty="0">
+                <a:solidFill>
+                  <a:srgbClr val="F7CF2B"/>
+                </a:solidFill>
+              </a:rPr>
+              <a:t>C</a:t>
+            </a:r>
+            <a:r>
+              <a:rPr sz="5750" spc="685" dirty="0">
+                <a:solidFill>
+                  <a:srgbClr val="F7CF2B"/>
+                </a:solidFill>
+              </a:rPr>
+              <a:t>L</a:t>
+            </a:r>
+            <a:r>
+              <a:rPr sz="5750" spc="440" dirty="0">
+                <a:solidFill>
+                  <a:srgbClr val="F7CF2B"/>
+                </a:solidFill>
+              </a:rPr>
+              <a:t>A</a:t>
+            </a:r>
+            <a:r>
+              <a:rPr sz="5750" spc="85" dirty="0">
+                <a:solidFill>
+                  <a:srgbClr val="F7CF2B"/>
+                </a:solidFill>
+              </a:rPr>
+              <a:t>S</a:t>
+            </a:r>
+            <a:r>
+              <a:rPr sz="5750" spc="-490" dirty="0">
+                <a:solidFill>
+                  <a:srgbClr val="F7CF2B"/>
+                </a:solidFill>
+              </a:rPr>
+              <a:t>S</a:t>
+            </a:r>
+            <a:r>
+              <a:rPr sz="5750" dirty="0">
+                <a:solidFill>
+                  <a:srgbClr val="F7CF2B"/>
+                </a:solidFill>
+              </a:rPr>
+              <a:t>	</a:t>
+            </a:r>
+            <a:r>
+              <a:rPr sz="5750" spc="795" dirty="0">
+                <a:solidFill>
+                  <a:srgbClr val="F7CF2B"/>
+                </a:solidFill>
               </a:rPr>
               <a:t>D</a:t>
             </a:r>
             <a:r>
-              <a:rPr dirty="0" sz="3050" spc="360" b="1">
-                <a:solidFill>
-                  <a:srgbClr val="252826"/>
-                </a:solidFill>
-                <a:latin typeface="Arial"/>
-                <a:cs typeface="Arial"/>
-              </a:rPr>
-              <a:t>U</a:t>
-            </a:r>
-            <a:r>
-              <a:rPr dirty="0" sz="3050" spc="540" b="1">
-                <a:solidFill>
-                  <a:srgbClr val="252826"/>
-                </a:solidFill>
-                <a:latin typeface="Arial"/>
-                <a:cs typeface="Arial"/>
-              </a:rPr>
-              <a:t>O</a:t>
-            </a:r>
-            <a:r>
-              <a:rPr dirty="0" sz="3050" spc="675" b="1">
-                <a:solidFill>
-                  <a:srgbClr val="252826"/>
-                </a:solidFill>
-                <a:latin typeface="Arial"/>
-                <a:cs typeface="Arial"/>
-              </a:rPr>
-              <a:t>N</a:t>
-            </a:r>
-            <a:r>
-              <a:rPr dirty="0" sz="3050" spc="-70" b="1">
-                <a:solidFill>
-                  <a:srgbClr val="252826"/>
-                </a:solidFill>
-                <a:latin typeface="Arial"/>
-                <a:cs typeface="Arial"/>
+              <a:rPr sz="5750" spc="800" dirty="0">
+                <a:solidFill>
+                  <a:srgbClr val="F7CF2B"/>
+                </a:solidFill>
+              </a:rPr>
+              <a:t>I</a:t>
+            </a:r>
+            <a:r>
+              <a:rPr sz="5750" spc="440" dirty="0">
+                <a:solidFill>
+                  <a:srgbClr val="F7CF2B"/>
+                </a:solidFill>
+              </a:rPr>
+              <a:t>A</a:t>
+            </a:r>
+            <a:r>
+              <a:rPr sz="5750" spc="450" dirty="0">
+                <a:solidFill>
+                  <a:srgbClr val="F7CF2B"/>
+                </a:solidFill>
               </a:rPr>
               <a:t>G</a:t>
             </a:r>
             <a:r>
-              <a:rPr dirty="0" sz="3050" b="1">
-                <a:solidFill>
-                  <a:srgbClr val="252826"/>
-                </a:solidFill>
-                <a:latin typeface="Arial"/>
-                <a:cs typeface="Arial"/>
-              </a:rPr>
-              <a:t>	</a:t>
-            </a:r>
-            <a:r>
-              <a:rPr dirty="0" sz="3050" spc="515" b="1">
-                <a:solidFill>
-                  <a:srgbClr val="252826"/>
-                </a:solidFill>
-                <a:latin typeface="Arial"/>
-                <a:cs typeface="Arial"/>
-              </a:rPr>
-              <a:t>H</a:t>
-            </a:r>
-            <a:r>
-              <a:rPr dirty="0" sz="3050" spc="360" b="1">
-                <a:solidFill>
-                  <a:srgbClr val="252826"/>
-                </a:solidFill>
-                <a:latin typeface="Arial"/>
-                <a:cs typeface="Arial"/>
-              </a:rPr>
-              <a:t>U</a:t>
-            </a:r>
-            <a:r>
-              <a:rPr dirty="0" sz="3050" spc="-30" b="1">
-                <a:solidFill>
-                  <a:srgbClr val="252826"/>
-                </a:solidFill>
-                <a:latin typeface="Arial"/>
-                <a:cs typeface="Arial"/>
-              </a:rPr>
-              <a:t>E</a:t>
-            </a:r>
-            <a:r>
-              <a:rPr dirty="0" sz="3050" b="1">
-                <a:solidFill>
-                  <a:srgbClr val="252826"/>
-                </a:solidFill>
-                <a:latin typeface="Arial"/>
-                <a:cs typeface="Arial"/>
-              </a:rPr>
-              <a:t>	</a:t>
-            </a:r>
-            <a:r>
-              <a:rPr dirty="0" sz="3050" spc="360" b="1">
-                <a:solidFill>
-                  <a:srgbClr val="252826"/>
-                </a:solidFill>
-                <a:latin typeface="Arial"/>
-                <a:cs typeface="Arial"/>
-              </a:rPr>
-              <a:t>L</a:t>
-            </a:r>
-            <a:r>
-              <a:rPr dirty="0" sz="3050" spc="425" b="1">
-                <a:solidFill>
-                  <a:srgbClr val="252826"/>
-                </a:solidFill>
-                <a:latin typeface="Arial"/>
-                <a:cs typeface="Arial"/>
-              </a:rPr>
-              <a:t>I</a:t>
-            </a:r>
-            <a:r>
-              <a:rPr dirty="0" sz="3050" spc="675" b="1">
-                <a:solidFill>
-                  <a:srgbClr val="252826"/>
-                </a:solidFill>
-                <a:latin typeface="Arial"/>
-                <a:cs typeface="Arial"/>
-              </a:rPr>
-              <a:t>N</a:t>
-            </a:r>
-            <a:r>
-              <a:rPr dirty="0" sz="3050" spc="210" b="1">
-                <a:solidFill>
-                  <a:srgbClr val="252826"/>
-                </a:solidFill>
-                <a:latin typeface="Arial"/>
-                <a:cs typeface="Arial"/>
-              </a:rPr>
-              <a:t>H</a:t>
-            </a:r>
-            <a:r>
-              <a:rPr dirty="0" sz="3050" b="1">
-                <a:solidFill>
-                  <a:srgbClr val="252826"/>
-                </a:solidFill>
-                <a:latin typeface="Arial"/>
-                <a:cs typeface="Arial"/>
-              </a:rPr>
-              <a:t>	</a:t>
-            </a:r>
-            <a:r>
-              <a:rPr dirty="0" sz="3050" spc="-85" b="1">
-                <a:solidFill>
-                  <a:srgbClr val="252826"/>
-                </a:solidFill>
-                <a:latin typeface="Arial"/>
-                <a:cs typeface="Arial"/>
-              </a:rPr>
-              <a:t>-</a:t>
-            </a:r>
-            <a:r>
-              <a:rPr dirty="0" sz="3050" b="1">
-                <a:solidFill>
-                  <a:srgbClr val="252826"/>
-                </a:solidFill>
-                <a:latin typeface="Arial"/>
-                <a:cs typeface="Arial"/>
-              </a:rPr>
-              <a:t>	</a:t>
-            </a:r>
-            <a:r>
-              <a:rPr dirty="0" sz="3050" spc="484" b="1">
-                <a:solidFill>
-                  <a:srgbClr val="252826"/>
-                </a:solidFill>
-                <a:latin typeface="Arial"/>
-                <a:cs typeface="Arial"/>
-              </a:rPr>
-              <a:t>V</a:t>
-            </a:r>
-            <a:r>
-              <a:rPr dirty="0" sz="3050" spc="425" b="1">
-                <a:solidFill>
-                  <a:srgbClr val="252826"/>
-                </a:solidFill>
-                <a:latin typeface="Arial"/>
-                <a:cs typeface="Arial"/>
-              </a:rPr>
-              <a:t>I</a:t>
-            </a:r>
-            <a:r>
-              <a:rPr dirty="0" sz="3050" spc="275" b="1">
-                <a:solidFill>
-                  <a:srgbClr val="252826"/>
-                </a:solidFill>
-                <a:latin typeface="Arial"/>
-                <a:cs typeface="Arial"/>
-              </a:rPr>
-              <a:t>E</a:t>
-            </a:r>
-            <a:r>
-              <a:rPr dirty="0" sz="3050" spc="215" b="1">
-                <a:solidFill>
-                  <a:srgbClr val="252826"/>
-                </a:solidFill>
-                <a:latin typeface="Arial"/>
-                <a:cs typeface="Arial"/>
-              </a:rPr>
-              <a:t>W</a:t>
-            </a:r>
-            <a:r>
-              <a:rPr dirty="0" sz="3050" b="1">
-                <a:solidFill>
-                  <a:srgbClr val="252826"/>
-                </a:solidFill>
-                <a:latin typeface="Arial"/>
-                <a:cs typeface="Arial"/>
-              </a:rPr>
-              <a:t>	</a:t>
-            </a:r>
-            <a:r>
-              <a:rPr dirty="0" sz="3050" spc="25" b="1">
-                <a:solidFill>
-                  <a:srgbClr val="252826"/>
-                </a:solidFill>
-                <a:latin typeface="Arial"/>
-                <a:cs typeface="Arial"/>
-              </a:rPr>
-              <a:t>B</a:t>
-            </a:r>
-            <a:r>
-              <a:rPr dirty="0" sz="3050" spc="425" b="1">
-                <a:solidFill>
-                  <a:srgbClr val="252826"/>
-                </a:solidFill>
-                <a:latin typeface="Arial"/>
-                <a:cs typeface="Arial"/>
-              </a:rPr>
-              <a:t>I</a:t>
-            </a:r>
-            <a:r>
-              <a:rPr dirty="0" sz="3050" spc="204" b="1">
-                <a:solidFill>
-                  <a:srgbClr val="252826"/>
-                </a:solidFill>
-                <a:latin typeface="Arial"/>
-                <a:cs typeface="Arial"/>
-              </a:rPr>
-              <a:t>K</a:t>
-            </a:r>
-            <a:r>
-              <a:rPr dirty="0" sz="3050" spc="-30" b="1">
-                <a:solidFill>
-                  <a:srgbClr val="252826"/>
-                </a:solidFill>
-                <a:latin typeface="Arial"/>
-                <a:cs typeface="Arial"/>
-              </a:rPr>
-              <a:t>E</a:t>
-            </a:r>
-            <a:r>
-              <a:rPr dirty="0" sz="3050" b="1">
-                <a:solidFill>
-                  <a:srgbClr val="252826"/>
-                </a:solidFill>
-                <a:latin typeface="Arial"/>
-                <a:cs typeface="Arial"/>
-              </a:rPr>
-              <a:t>	</a:t>
-            </a:r>
-            <a:r>
-              <a:rPr dirty="0" sz="3050" spc="425" b="1">
-                <a:solidFill>
-                  <a:srgbClr val="252826"/>
-                </a:solidFill>
-                <a:latin typeface="Arial"/>
-                <a:cs typeface="Arial"/>
-              </a:rPr>
-              <a:t>I</a:t>
-            </a:r>
-            <a:r>
-              <a:rPr dirty="0" sz="3050" spc="370" b="1">
-                <a:solidFill>
-                  <a:srgbClr val="252826"/>
-                </a:solidFill>
-                <a:latin typeface="Arial"/>
-                <a:cs typeface="Arial"/>
-              </a:rPr>
-              <a:t>N</a:t>
-            </a:r>
-            <a:r>
-              <a:rPr dirty="0" sz="3050" b="1">
-                <a:solidFill>
-                  <a:srgbClr val="252826"/>
-                </a:solidFill>
-                <a:latin typeface="Arial"/>
-                <a:cs typeface="Arial"/>
-              </a:rPr>
-              <a:t>	</a:t>
-            </a:r>
-            <a:r>
-              <a:rPr dirty="0" sz="3050" spc="45" b="1">
-                <a:solidFill>
-                  <a:srgbClr val="252826"/>
-                </a:solidFill>
-                <a:latin typeface="Arial"/>
-                <a:cs typeface="Arial"/>
-              </a:rPr>
-              <a:t>S</a:t>
-            </a:r>
-            <a:r>
-              <a:rPr dirty="0" sz="3050" spc="220" b="1">
-                <a:solidFill>
-                  <a:srgbClr val="252826"/>
-                </a:solidFill>
-                <a:latin typeface="Arial"/>
-                <a:cs typeface="Arial"/>
-              </a:rPr>
-              <a:t>T</a:t>
-            </a:r>
-            <a:r>
-              <a:rPr dirty="0" sz="3050" spc="235" b="1">
-                <a:solidFill>
-                  <a:srgbClr val="252826"/>
-                </a:solidFill>
-                <a:latin typeface="Arial"/>
-                <a:cs typeface="Arial"/>
+              <a:rPr sz="5750" spc="275" dirty="0">
+                <a:solidFill>
+                  <a:srgbClr val="F7CF2B"/>
+                </a:solidFill>
+              </a:rPr>
+              <a:t>R</a:t>
+            </a:r>
+            <a:r>
+              <a:rPr sz="5750" spc="440" dirty="0">
+                <a:solidFill>
+                  <a:srgbClr val="F7CF2B"/>
+                </a:solidFill>
               </a:rPr>
               <a:t>A</a:t>
             </a:r>
             <a:r>
-              <a:rPr dirty="0" sz="3050" spc="220" b="1">
-                <a:solidFill>
-                  <a:srgbClr val="252826"/>
-                </a:solidFill>
-                <a:latin typeface="Arial"/>
-                <a:cs typeface="Arial"/>
-              </a:rPr>
-              <a:t>T</a:t>
-            </a:r>
-            <a:r>
-              <a:rPr dirty="0" sz="3050" spc="425" b="1">
-                <a:solidFill>
-                  <a:srgbClr val="252826"/>
-                </a:solidFill>
-                <a:latin typeface="Arial"/>
-                <a:cs typeface="Arial"/>
-              </a:rPr>
-              <a:t>I</a:t>
-            </a:r>
-            <a:r>
-              <a:rPr dirty="0" sz="3050" spc="540" b="1">
-                <a:solidFill>
-                  <a:srgbClr val="252826"/>
-                </a:solidFill>
-                <a:latin typeface="Arial"/>
-                <a:cs typeface="Arial"/>
-              </a:rPr>
-              <a:t>O</a:t>
-            </a:r>
-            <a:r>
-              <a:rPr dirty="0" sz="3050" spc="675" b="1">
-                <a:solidFill>
-                  <a:srgbClr val="252826"/>
-                </a:solidFill>
-                <a:latin typeface="Arial"/>
-                <a:cs typeface="Arial"/>
-              </a:rPr>
-              <a:t>N</a:t>
-            </a:r>
-            <a:r>
-              <a:rPr dirty="0" sz="3050" spc="675" b="1">
-                <a:solidFill>
-                  <a:srgbClr val="252826"/>
-                </a:solidFill>
-                <a:latin typeface="Arial"/>
-                <a:cs typeface="Arial"/>
-              </a:rPr>
-              <a:t>/</a:t>
-            </a:r>
-            <a:r>
-              <a:rPr dirty="0" sz="3050" spc="484" b="1">
-                <a:solidFill>
-                  <a:srgbClr val="252826"/>
-                </a:solidFill>
-                <a:latin typeface="Arial"/>
-                <a:cs typeface="Arial"/>
-              </a:rPr>
-              <a:t>V</a:t>
-            </a:r>
-            <a:r>
-              <a:rPr dirty="0" sz="3050" spc="425" b="1">
-                <a:solidFill>
-                  <a:srgbClr val="252826"/>
-                </a:solidFill>
-                <a:latin typeface="Arial"/>
-                <a:cs typeface="Arial"/>
-              </a:rPr>
-              <a:t>I</a:t>
-            </a:r>
-            <a:r>
-              <a:rPr dirty="0" sz="3050" spc="275" b="1">
-                <a:solidFill>
-                  <a:srgbClr val="252826"/>
-                </a:solidFill>
-                <a:latin typeface="Arial"/>
-                <a:cs typeface="Arial"/>
-              </a:rPr>
-              <a:t>E</a:t>
-            </a:r>
-            <a:r>
-              <a:rPr dirty="0" sz="3050" spc="215" b="1">
-                <a:solidFill>
-                  <a:srgbClr val="252826"/>
-                </a:solidFill>
-                <a:latin typeface="Arial"/>
-                <a:cs typeface="Arial"/>
-              </a:rPr>
-              <a:t>W</a:t>
-            </a:r>
-            <a:r>
-              <a:rPr dirty="0" sz="3050" b="1">
-                <a:solidFill>
-                  <a:srgbClr val="252826"/>
-                </a:solidFill>
-                <a:latin typeface="Arial"/>
-                <a:cs typeface="Arial"/>
-              </a:rPr>
-              <a:t>	</a:t>
-            </a:r>
-            <a:r>
-              <a:rPr dirty="0" sz="3050" spc="25" b="1">
-                <a:solidFill>
-                  <a:srgbClr val="252826"/>
-                </a:solidFill>
-                <a:latin typeface="Arial"/>
-                <a:cs typeface="Arial"/>
-              </a:rPr>
-              <a:t>B</a:t>
-            </a:r>
-            <a:r>
-              <a:rPr dirty="0" sz="3050" spc="425" b="1">
-                <a:solidFill>
-                  <a:srgbClr val="252826"/>
-                </a:solidFill>
-                <a:latin typeface="Arial"/>
-                <a:cs typeface="Arial"/>
-              </a:rPr>
-              <a:t>I</a:t>
-            </a:r>
-            <a:r>
-              <a:rPr dirty="0" sz="3050" spc="204" b="1">
-                <a:solidFill>
-                  <a:srgbClr val="252826"/>
-                </a:solidFill>
-                <a:latin typeface="Arial"/>
-                <a:cs typeface="Arial"/>
-              </a:rPr>
-              <a:t>K</a:t>
-            </a:r>
-            <a:r>
-              <a:rPr dirty="0" sz="3050" spc="-30" b="1">
-                <a:solidFill>
-                  <a:srgbClr val="252826"/>
-                </a:solidFill>
-                <a:latin typeface="Arial"/>
-                <a:cs typeface="Arial"/>
-              </a:rPr>
-              <a:t>E</a:t>
-            </a:r>
-            <a:r>
-              <a:rPr dirty="0" sz="3050" b="1">
-                <a:solidFill>
-                  <a:srgbClr val="252826"/>
-                </a:solidFill>
-                <a:latin typeface="Arial"/>
-                <a:cs typeface="Arial"/>
-              </a:rPr>
-              <a:t>	</a:t>
-            </a:r>
-            <a:r>
-              <a:rPr dirty="0" sz="3050" spc="425" b="1">
-                <a:solidFill>
-                  <a:srgbClr val="252826"/>
-                </a:solidFill>
-                <a:latin typeface="Arial"/>
-                <a:cs typeface="Arial"/>
-              </a:rPr>
-              <a:t>I</a:t>
-            </a:r>
-            <a:r>
-              <a:rPr dirty="0" sz="3050" spc="675" b="1">
-                <a:solidFill>
-                  <a:srgbClr val="252826"/>
-                </a:solidFill>
-                <a:latin typeface="Arial"/>
-                <a:cs typeface="Arial"/>
-              </a:rPr>
-              <a:t>N</a:t>
-            </a:r>
-            <a:r>
-              <a:rPr dirty="0" sz="3050" spc="250" b="1">
-                <a:solidFill>
-                  <a:srgbClr val="252826"/>
-                </a:solidFill>
-                <a:latin typeface="Arial"/>
-                <a:cs typeface="Arial"/>
-              </a:rPr>
-              <a:t>F</a:t>
-            </a:r>
-            <a:r>
-              <a:rPr dirty="0" sz="3050" spc="540" b="1">
-                <a:solidFill>
-                  <a:srgbClr val="252826"/>
-                </a:solidFill>
-                <a:latin typeface="Arial"/>
-                <a:cs typeface="Arial"/>
-              </a:rPr>
-              <a:t>O</a:t>
-            </a:r>
-            <a:r>
-              <a:rPr dirty="0" sz="3050" spc="145" b="1">
-                <a:solidFill>
-                  <a:srgbClr val="252826"/>
-                </a:solidFill>
-                <a:latin typeface="Arial"/>
-                <a:cs typeface="Arial"/>
-              </a:rPr>
-              <a:t>R</a:t>
-            </a:r>
-            <a:r>
-              <a:rPr dirty="0" sz="3050" spc="615" b="1">
-                <a:solidFill>
-                  <a:srgbClr val="252826"/>
-                </a:solidFill>
-                <a:latin typeface="Arial"/>
-                <a:cs typeface="Arial"/>
+              <a:rPr sz="5750" spc="585" dirty="0">
+                <a:solidFill>
+                  <a:srgbClr val="F7CF2B"/>
+                </a:solidFill>
               </a:rPr>
               <a:t>M</a:t>
             </a:r>
-            <a:r>
-              <a:rPr dirty="0" sz="3050" spc="235" b="1">
-                <a:solidFill>
-                  <a:srgbClr val="252826"/>
-                </a:solidFill>
-                <a:latin typeface="Arial"/>
-                <a:cs typeface="Arial"/>
-              </a:rPr>
-              <a:t>A</a:t>
-            </a:r>
-            <a:r>
-              <a:rPr dirty="0" sz="3050" spc="220" b="1">
-                <a:solidFill>
-                  <a:srgbClr val="252826"/>
-                </a:solidFill>
-                <a:latin typeface="Arial"/>
-                <a:cs typeface="Arial"/>
-              </a:rPr>
-              <a:t>T</a:t>
-            </a:r>
-            <a:r>
-              <a:rPr dirty="0" sz="3050" spc="425" b="1">
-                <a:solidFill>
-                  <a:srgbClr val="252826"/>
-                </a:solidFill>
-                <a:latin typeface="Arial"/>
-                <a:cs typeface="Arial"/>
-              </a:rPr>
-              <a:t>I</a:t>
-            </a:r>
-            <a:r>
-              <a:rPr dirty="0" sz="3050" spc="540" b="1">
-                <a:solidFill>
-                  <a:srgbClr val="252826"/>
-                </a:solidFill>
-                <a:latin typeface="Arial"/>
-                <a:cs typeface="Arial"/>
-              </a:rPr>
-              <a:t>O</a:t>
-            </a:r>
-            <a:r>
-              <a:rPr dirty="0" sz="3050" spc="370" b="1">
-                <a:solidFill>
-                  <a:srgbClr val="252826"/>
-                </a:solidFill>
-                <a:latin typeface="Arial"/>
-                <a:cs typeface="Arial"/>
-              </a:rPr>
-              <a:t>N</a:t>
-            </a:r>
-            <a:endParaRPr sz="3050">
-              <a:latin typeface="Arial"/>
-              <a:cs typeface="Arial"/>
-            </a:endParaRPr>
+            <a:endParaRPr sz="5750"/>
           </a:p>
         </p:txBody>
       </p:sp>
-      <p:sp>
-        <p:nvSpPr>
-          <p:cNvPr id="7" name="object 7"/>
-          <p:cNvSpPr/>
+      <p:pic>
+        <p:nvPicPr>
+          <p:cNvPr id="6" name="Hình ảnh 5">
+            <a:extLst>
+              <a:ext uri="{FF2B5EF4-FFF2-40B4-BE49-F238E27FC236}">
+                <a16:creationId xmlns:a16="http://schemas.microsoft.com/office/drawing/2014/main" id="{06878AB0-4F7B-4ADB-90CA-0CD5BFA198AC}"/>
+              </a:ext>
+            </a:extLst>
+          </p:cNvPr>
+          <p:cNvPicPr>
+            <a:picLocks noChangeAspect="1"/>
+          </p:cNvPicPr>
           <p:nvPr/>
-        </p:nvSpPr>
+        </p:nvPicPr>
+        <p:blipFill>
+          <a:blip r:embed="rId3">
+            <a:extLst>
+              <a:ext uri="{28A0092B-C50C-407E-A947-70E740481C1C}">
+                <a14:useLocalDpi xmlns:a14="http://schemas.microsoft.com/office/drawing/2010/main" val="0"/>
+              </a:ext>
+            </a:extLst>
+          </a:blip>
+          <a:stretch>
+            <a:fillRect/>
+          </a:stretch>
+        </p:blipFill>
         <p:spPr>
           <a:xfrm>
-            <a:off x="1031306" y="5328513"/>
-            <a:ext cx="95250" cy="95250"/>
-          </a:xfrm>
-          <a:prstGeom prst="rect">
-            <a:avLst/>
-          </a:prstGeom>
-          <a:blipFill>
-            <a:blip r:embed="rId3" cstate="print"/>
-            <a:stretch>
-              <a:fillRect/>
-            </a:stretch>
-          </a:blipFill>
-        </p:spPr>
-        <p:txBody>
-          <a:bodyPr wrap="square" lIns="0" tIns="0" rIns="0" bIns="0" rtlCol="0"/>
-          <a:lstStyle/>
-          <a:p/>
-        </p:txBody>
-      </p:sp>
-      <p:sp>
-        <p:nvSpPr>
-          <p:cNvPr id="8" name="object 8"/>
-          <p:cNvSpPr/>
-          <p:nvPr/>
-        </p:nvSpPr>
-        <p:spPr>
-          <a:xfrm>
-            <a:off x="1031306" y="6776252"/>
-            <a:ext cx="95250" cy="95250"/>
-          </a:xfrm>
-          <a:prstGeom prst="rect">
-            <a:avLst/>
-          </a:prstGeom>
-          <a:blipFill>
-            <a:blip r:embed="rId3" cstate="print"/>
-            <a:stretch>
-              <a:fillRect/>
-            </a:stretch>
-          </a:blipFill>
-        </p:spPr>
-        <p:txBody>
-          <a:bodyPr wrap="square" lIns="0" tIns="0" rIns="0" bIns="0" rtlCol="0"/>
-          <a:lstStyle/>
-          <a:p/>
-        </p:txBody>
-      </p:sp>
-      <p:sp>
-        <p:nvSpPr>
-          <p:cNvPr id="9" name="object 9"/>
-          <p:cNvSpPr txBox="1"/>
-          <p:nvPr/>
-        </p:nvSpPr>
-        <p:spPr>
-          <a:xfrm>
-            <a:off x="1277418" y="5071116"/>
-            <a:ext cx="9170670" cy="1938655"/>
+            <a:off x="1772571" y="2634063"/>
+            <a:ext cx="14742857" cy="7028571"/>
           </a:xfrm>
           <a:prstGeom prst="rect">
             <a:avLst/>
           </a:prstGeom>
         </p:spPr>
-        <p:txBody>
-          <a:bodyPr wrap="square" lIns="0" tIns="12700" rIns="0" bIns="0" rtlCol="0" vert="horz">
-            <a:spAutoFit/>
-          </a:bodyPr>
-          <a:lstStyle/>
-          <a:p>
-            <a:pPr marL="12700">
-              <a:lnSpc>
-                <a:spcPct val="100000"/>
-              </a:lnSpc>
-              <a:spcBef>
-                <a:spcPts val="100"/>
-              </a:spcBef>
-              <a:tabLst>
-                <a:tab pos="1413510" algn="l"/>
-                <a:tab pos="2348230" algn="l"/>
-                <a:tab pos="3924935" algn="l"/>
-                <a:tab pos="5822315" algn="l"/>
-                <a:tab pos="6142355" algn="l"/>
-                <a:tab pos="8152130" algn="l"/>
-              </a:tabLst>
-            </a:pPr>
-            <a:r>
-              <a:rPr dirty="0" sz="3050" spc="220" b="1">
-                <a:solidFill>
-                  <a:srgbClr val="252826"/>
-                </a:solidFill>
-                <a:latin typeface="Arial"/>
-                <a:cs typeface="Arial"/>
-              </a:rPr>
-              <a:t>T</a:t>
-            </a:r>
-            <a:r>
-              <a:rPr dirty="0" sz="3050" spc="145" b="1">
-                <a:solidFill>
-                  <a:srgbClr val="252826"/>
-                </a:solidFill>
-                <a:latin typeface="Arial"/>
-                <a:cs typeface="Arial"/>
-              </a:rPr>
-              <a:t>R</a:t>
-            </a:r>
-            <a:r>
-              <a:rPr dirty="0" sz="3050" spc="235" b="1">
-                <a:solidFill>
-                  <a:srgbClr val="252826"/>
-                </a:solidFill>
-                <a:latin typeface="Arial"/>
-                <a:cs typeface="Arial"/>
-              </a:rPr>
-              <a:t>A</a:t>
-            </a:r>
-            <a:r>
-              <a:rPr dirty="0" sz="3050" spc="370" b="1">
-                <a:solidFill>
-                  <a:srgbClr val="252826"/>
-                </a:solidFill>
-                <a:latin typeface="Arial"/>
-                <a:cs typeface="Arial"/>
-              </a:rPr>
-              <a:t>N</a:t>
-            </a:r>
-            <a:r>
-              <a:rPr dirty="0" sz="3050" b="1">
-                <a:solidFill>
-                  <a:srgbClr val="252826"/>
-                </a:solidFill>
-                <a:latin typeface="Arial"/>
-                <a:cs typeface="Arial"/>
-              </a:rPr>
-              <a:t>	</a:t>
-            </a:r>
-            <a:r>
-              <a:rPr dirty="0" sz="3050" spc="220" b="1">
-                <a:solidFill>
-                  <a:srgbClr val="252826"/>
-                </a:solidFill>
-                <a:latin typeface="Arial"/>
-                <a:cs typeface="Arial"/>
-              </a:rPr>
-              <a:t>T</a:t>
-            </a:r>
-            <a:r>
-              <a:rPr dirty="0" sz="3050" spc="515" b="1">
-                <a:solidFill>
-                  <a:srgbClr val="252826"/>
-                </a:solidFill>
-                <a:latin typeface="Arial"/>
-                <a:cs typeface="Arial"/>
-              </a:rPr>
-              <a:t>H</a:t>
-            </a:r>
-            <a:r>
-              <a:rPr dirty="0" sz="3050" spc="120" b="1">
-                <a:solidFill>
-                  <a:srgbClr val="252826"/>
-                </a:solidFill>
-                <a:latin typeface="Arial"/>
-                <a:cs typeface="Arial"/>
-              </a:rPr>
-              <a:t>I</a:t>
-            </a:r>
-            <a:r>
-              <a:rPr dirty="0" sz="3050" b="1">
-                <a:solidFill>
-                  <a:srgbClr val="252826"/>
-                </a:solidFill>
-                <a:latin typeface="Arial"/>
-                <a:cs typeface="Arial"/>
-              </a:rPr>
-              <a:t>	</a:t>
-            </a:r>
-            <a:r>
-              <a:rPr dirty="0" sz="3050" spc="515" b="1">
-                <a:solidFill>
-                  <a:srgbClr val="252826"/>
-                </a:solidFill>
-                <a:latin typeface="Arial"/>
-                <a:cs typeface="Arial"/>
-              </a:rPr>
-              <a:t>H</a:t>
-            </a:r>
-            <a:r>
-              <a:rPr dirty="0" sz="3050" spc="540" b="1">
-                <a:solidFill>
-                  <a:srgbClr val="252826"/>
-                </a:solidFill>
-                <a:latin typeface="Arial"/>
-                <a:cs typeface="Arial"/>
-              </a:rPr>
-              <a:t>O</a:t>
-            </a:r>
-            <a:r>
-              <a:rPr dirty="0" sz="3050" spc="675" b="1">
-                <a:solidFill>
-                  <a:srgbClr val="252826"/>
-                </a:solidFill>
-                <a:latin typeface="Arial"/>
-                <a:cs typeface="Arial"/>
-              </a:rPr>
-              <a:t>N</a:t>
-            </a:r>
-            <a:r>
-              <a:rPr dirty="0" sz="3050" spc="-70" b="1">
-                <a:solidFill>
-                  <a:srgbClr val="252826"/>
-                </a:solidFill>
-                <a:latin typeface="Arial"/>
-                <a:cs typeface="Arial"/>
-              </a:rPr>
-              <a:t>G</a:t>
-            </a:r>
-            <a:r>
-              <a:rPr dirty="0" sz="3050" b="1">
-                <a:solidFill>
-                  <a:srgbClr val="252826"/>
-                </a:solidFill>
-                <a:latin typeface="Arial"/>
-                <a:cs typeface="Arial"/>
-              </a:rPr>
-              <a:t>	</a:t>
-            </a:r>
-            <a:r>
-              <a:rPr dirty="0" sz="3050" spc="675" b="1">
-                <a:solidFill>
-                  <a:srgbClr val="252826"/>
-                </a:solidFill>
-                <a:latin typeface="Arial"/>
-                <a:cs typeface="Arial"/>
-              </a:rPr>
-              <a:t>N</a:t>
-            </a:r>
-            <a:r>
-              <a:rPr dirty="0" sz="3050" spc="515" b="1">
-                <a:solidFill>
-                  <a:srgbClr val="252826"/>
-                </a:solidFill>
-                <a:latin typeface="Arial"/>
-                <a:cs typeface="Arial"/>
-              </a:rPr>
-              <a:t>H</a:t>
-            </a:r>
-            <a:r>
-              <a:rPr dirty="0" sz="3050" spc="360" b="1">
-                <a:solidFill>
-                  <a:srgbClr val="252826"/>
-                </a:solidFill>
-                <a:latin typeface="Arial"/>
-                <a:cs typeface="Arial"/>
-              </a:rPr>
-              <a:t>U</a:t>
-            </a:r>
-            <a:r>
-              <a:rPr dirty="0" sz="3050" spc="675" b="1">
-                <a:solidFill>
-                  <a:srgbClr val="252826"/>
-                </a:solidFill>
-                <a:latin typeface="Arial"/>
-                <a:cs typeface="Arial"/>
-              </a:rPr>
-              <a:t>N</a:t>
-            </a:r>
-            <a:r>
-              <a:rPr dirty="0" sz="3050" spc="-70" b="1">
-                <a:solidFill>
-                  <a:srgbClr val="252826"/>
-                </a:solidFill>
-                <a:latin typeface="Arial"/>
-                <a:cs typeface="Arial"/>
-              </a:rPr>
-              <a:t>G</a:t>
-            </a:r>
-            <a:r>
-              <a:rPr dirty="0" sz="3050" b="1">
-                <a:solidFill>
-                  <a:srgbClr val="252826"/>
-                </a:solidFill>
-                <a:latin typeface="Arial"/>
-                <a:cs typeface="Arial"/>
-              </a:rPr>
-              <a:t>	</a:t>
-            </a:r>
-            <a:r>
-              <a:rPr dirty="0" sz="3050" spc="-85" b="1">
-                <a:solidFill>
-                  <a:srgbClr val="252826"/>
-                </a:solidFill>
-                <a:latin typeface="Arial"/>
-                <a:cs typeface="Arial"/>
-              </a:rPr>
-              <a:t>-</a:t>
-            </a:r>
-            <a:r>
-              <a:rPr dirty="0" sz="3050" b="1">
-                <a:solidFill>
-                  <a:srgbClr val="252826"/>
-                </a:solidFill>
-                <a:latin typeface="Arial"/>
-                <a:cs typeface="Arial"/>
-              </a:rPr>
-              <a:t>	</a:t>
-            </a:r>
-            <a:r>
-              <a:rPr dirty="0" sz="3050" spc="145" b="1">
-                <a:solidFill>
-                  <a:srgbClr val="252826"/>
-                </a:solidFill>
-                <a:latin typeface="Arial"/>
-                <a:cs typeface="Arial"/>
-              </a:rPr>
-              <a:t>R</a:t>
-            </a:r>
-            <a:r>
-              <a:rPr dirty="0" sz="3050" spc="275" b="1">
-                <a:solidFill>
-                  <a:srgbClr val="252826"/>
-                </a:solidFill>
-                <a:latin typeface="Arial"/>
-                <a:cs typeface="Arial"/>
-              </a:rPr>
-              <a:t>E</a:t>
-            </a:r>
-            <a:r>
-              <a:rPr dirty="0" sz="3050" spc="220" b="1">
-                <a:solidFill>
-                  <a:srgbClr val="252826"/>
-                </a:solidFill>
-                <a:latin typeface="Arial"/>
-                <a:cs typeface="Arial"/>
-              </a:rPr>
-              <a:t>T</a:t>
-            </a:r>
-            <a:r>
-              <a:rPr dirty="0" sz="3050" spc="360" b="1">
-                <a:solidFill>
-                  <a:srgbClr val="252826"/>
-                </a:solidFill>
-                <a:latin typeface="Arial"/>
-                <a:cs typeface="Arial"/>
-              </a:rPr>
-              <a:t>U</a:t>
-            </a:r>
-            <a:r>
-              <a:rPr dirty="0" sz="3050" spc="145" b="1">
-                <a:solidFill>
-                  <a:srgbClr val="252826"/>
-                </a:solidFill>
-                <a:latin typeface="Arial"/>
-                <a:cs typeface="Arial"/>
-              </a:rPr>
-              <a:t>R</a:t>
-            </a:r>
-            <a:r>
-              <a:rPr dirty="0" sz="3050" spc="370" b="1">
-                <a:solidFill>
-                  <a:srgbClr val="252826"/>
-                </a:solidFill>
-                <a:latin typeface="Arial"/>
-                <a:cs typeface="Arial"/>
-              </a:rPr>
-              <a:t>N</a:t>
-            </a:r>
-            <a:r>
-              <a:rPr dirty="0" sz="3050" b="1">
-                <a:solidFill>
-                  <a:srgbClr val="252826"/>
-                </a:solidFill>
-                <a:latin typeface="Arial"/>
-                <a:cs typeface="Arial"/>
-              </a:rPr>
-              <a:t>	</a:t>
-            </a:r>
-            <a:r>
-              <a:rPr dirty="0" sz="3050" spc="25" b="1">
-                <a:solidFill>
-                  <a:srgbClr val="252826"/>
-                </a:solidFill>
-                <a:latin typeface="Arial"/>
-                <a:cs typeface="Arial"/>
-              </a:rPr>
-              <a:t>B</a:t>
-            </a:r>
-            <a:r>
-              <a:rPr dirty="0" sz="3050" spc="425" b="1">
-                <a:solidFill>
-                  <a:srgbClr val="252826"/>
-                </a:solidFill>
-                <a:latin typeface="Arial"/>
-                <a:cs typeface="Arial"/>
-              </a:rPr>
-              <a:t>I</a:t>
-            </a:r>
-            <a:r>
-              <a:rPr dirty="0" sz="3050" spc="204" b="1">
-                <a:solidFill>
-                  <a:srgbClr val="252826"/>
-                </a:solidFill>
-                <a:latin typeface="Arial"/>
-                <a:cs typeface="Arial"/>
-              </a:rPr>
-              <a:t>K</a:t>
-            </a:r>
-            <a:r>
-              <a:rPr dirty="0" sz="3050" spc="-30" b="1">
-                <a:solidFill>
-                  <a:srgbClr val="252826"/>
-                </a:solidFill>
-                <a:latin typeface="Arial"/>
-                <a:cs typeface="Arial"/>
-              </a:rPr>
-              <a:t>E</a:t>
-            </a:r>
-            <a:endParaRPr sz="3050">
-              <a:latin typeface="Arial"/>
-              <a:cs typeface="Arial"/>
-            </a:endParaRPr>
-          </a:p>
-          <a:p>
-            <a:pPr>
-              <a:lnSpc>
-                <a:spcPct val="100000"/>
-              </a:lnSpc>
-            </a:pPr>
-            <a:endParaRPr sz="3000">
-              <a:latin typeface="Arial"/>
-              <a:cs typeface="Arial"/>
-            </a:endParaRPr>
-          </a:p>
-          <a:p>
-            <a:pPr>
-              <a:lnSpc>
-                <a:spcPct val="100000"/>
-              </a:lnSpc>
-              <a:spcBef>
-                <a:spcPts val="35"/>
-              </a:spcBef>
-            </a:pPr>
-            <a:endParaRPr sz="3700">
-              <a:latin typeface="Arial"/>
-              <a:cs typeface="Arial"/>
-            </a:endParaRPr>
-          </a:p>
-          <a:p>
-            <a:pPr marL="12700">
-              <a:lnSpc>
-                <a:spcPct val="100000"/>
-              </a:lnSpc>
-              <a:tabLst>
-                <a:tab pos="821055" algn="l"/>
-                <a:tab pos="1755775" algn="l"/>
-                <a:tab pos="3294379" algn="l"/>
-                <a:tab pos="4415790" algn="l"/>
-                <a:tab pos="4735830" algn="l"/>
-                <a:tab pos="6120765" algn="l"/>
-              </a:tabLst>
-            </a:pPr>
-            <a:r>
-              <a:rPr dirty="0" sz="3050" spc="270" b="1">
-                <a:solidFill>
-                  <a:srgbClr val="252826"/>
-                </a:solidFill>
-                <a:latin typeface="Arial"/>
-                <a:cs typeface="Arial"/>
-              </a:rPr>
-              <a:t>VU	</a:t>
-            </a:r>
-            <a:r>
-              <a:rPr dirty="0" sz="3050" spc="285" b="1">
-                <a:solidFill>
-                  <a:srgbClr val="252826"/>
-                </a:solidFill>
-                <a:latin typeface="Arial"/>
-                <a:cs typeface="Arial"/>
-              </a:rPr>
-              <a:t>THI	</a:t>
-            </a:r>
-            <a:r>
-              <a:rPr dirty="0" sz="3050" spc="340" b="1">
-                <a:solidFill>
-                  <a:srgbClr val="252826"/>
-                </a:solidFill>
-                <a:latin typeface="Arial"/>
-                <a:cs typeface="Arial"/>
-              </a:rPr>
-              <a:t>NGOC	</a:t>
-            </a:r>
-            <a:r>
-              <a:rPr dirty="0" sz="3050" spc="320" b="1">
-                <a:solidFill>
-                  <a:srgbClr val="252826"/>
-                </a:solidFill>
-                <a:latin typeface="Arial"/>
-                <a:cs typeface="Arial"/>
-              </a:rPr>
-              <a:t>LAN	</a:t>
-            </a:r>
-            <a:r>
-              <a:rPr dirty="0" sz="3050" spc="-85" b="1">
-                <a:solidFill>
-                  <a:srgbClr val="252826"/>
-                </a:solidFill>
-                <a:latin typeface="Arial"/>
-                <a:cs typeface="Arial"/>
-              </a:rPr>
-              <a:t>-	</a:t>
-            </a:r>
-            <a:r>
-              <a:rPr dirty="0" sz="3050" spc="254" b="1">
-                <a:solidFill>
-                  <a:srgbClr val="252826"/>
-                </a:solidFill>
-                <a:latin typeface="Arial"/>
-                <a:cs typeface="Arial"/>
-              </a:rPr>
-              <a:t>RENT	</a:t>
-            </a:r>
-            <a:r>
-              <a:rPr dirty="0" sz="3050" spc="155" b="1">
-                <a:solidFill>
-                  <a:srgbClr val="252826"/>
-                </a:solidFill>
-                <a:latin typeface="Arial"/>
-                <a:cs typeface="Arial"/>
-              </a:rPr>
-              <a:t>BIKE</a:t>
-            </a:r>
-            <a:endParaRPr sz="3050">
-              <a:latin typeface="Arial"/>
-              <a:cs typeface="Arial"/>
-            </a:endParaRPr>
-          </a:p>
-        </p:txBody>
-      </p:sp>
+      </p:pic>
     </p:spTree>
+    <p:extLst>
+      <p:ext uri="{BB962C8B-B14F-4D97-AF65-F5344CB8AC3E}">
+        <p14:creationId xmlns:p14="http://schemas.microsoft.com/office/powerpoint/2010/main" val="3118650017"/>
+      </p:ext>
+    </p:extLst>
   </p:cSld>
   <p:clrMapOvr>
     <a:masterClrMapping/>
@@ -7674,8 +8816,8 @@
         </p:nvSpPr>
         <p:spPr>
           <a:xfrm>
-            <a:off x="0" y="2009713"/>
-            <a:ext cx="18288000" cy="8277225"/>
+            <a:off x="0" y="2009729"/>
+            <a:ext cx="18288000" cy="8277240"/>
           </a:xfrm>
           <a:prstGeom prst="rect">
             <a:avLst/>
@@ -7690,828 +8832,14 @@
         <p:txBody>
           <a:bodyPr wrap="square" lIns="0" tIns="0" rIns="0" bIns="0" rtlCol="0"/>
           <a:lstStyle/>
-          <a:p/>
+          <a:p>
+            <a:endParaRPr/>
+          </a:p>
         </p:txBody>
       </p:sp>
-      <p:grpSp>
-        <p:nvGrpSpPr>
-          <p:cNvPr id="3" name="object 3"/>
-          <p:cNvGrpSpPr/>
-          <p:nvPr/>
-        </p:nvGrpSpPr>
-        <p:grpSpPr>
-          <a:xfrm>
-            <a:off x="8354628" y="228569"/>
-            <a:ext cx="1581150" cy="1600200"/>
-            <a:chOff x="8354628" y="228569"/>
-            <a:chExt cx="1581150" cy="1600200"/>
-          </a:xfrm>
-        </p:grpSpPr>
-        <p:sp>
-          <p:nvSpPr>
-            <p:cNvPr id="4" name="object 4"/>
-            <p:cNvSpPr/>
-            <p:nvPr/>
-          </p:nvSpPr>
-          <p:spPr>
-            <a:xfrm>
-              <a:off x="8354628" y="228569"/>
-              <a:ext cx="1581150" cy="1600200"/>
-            </a:xfrm>
-            <a:custGeom>
-              <a:avLst/>
-              <a:gdLst/>
-              <a:ahLst/>
-              <a:cxnLst/>
-              <a:rect l="l" t="t" r="r" b="b"/>
-              <a:pathLst>
-                <a:path w="1581150" h="1600200">
-                  <a:moveTo>
-                    <a:pt x="1581150" y="1600200"/>
-                  </a:moveTo>
-                  <a:lnTo>
-                    <a:pt x="0" y="1600200"/>
-                  </a:lnTo>
-                  <a:lnTo>
-                    <a:pt x="0" y="0"/>
-                  </a:lnTo>
-                  <a:lnTo>
-                    <a:pt x="1581150" y="0"/>
-                  </a:lnTo>
-                  <a:lnTo>
-                    <a:pt x="1581150" y="1600200"/>
-                  </a:lnTo>
-                  <a:close/>
-                </a:path>
-              </a:pathLst>
-            </a:custGeom>
-            <a:solidFill>
-              <a:srgbClr val="F7CF2B"/>
-            </a:solidFill>
-          </p:spPr>
-          <p:txBody>
-            <a:bodyPr wrap="square" lIns="0" tIns="0" rIns="0" bIns="0" rtlCol="0"/>
-            <a:lstStyle/>
-            <a:p/>
-          </p:txBody>
-        </p:sp>
-        <p:sp>
-          <p:nvSpPr>
-            <p:cNvPr id="5" name="object 5"/>
-            <p:cNvSpPr/>
-            <p:nvPr/>
-          </p:nvSpPr>
-          <p:spPr>
-            <a:xfrm>
-              <a:off x="8626874" y="526931"/>
-              <a:ext cx="1037590" cy="1007110"/>
-            </a:xfrm>
-            <a:custGeom>
-              <a:avLst/>
-              <a:gdLst/>
-              <a:ahLst/>
-              <a:cxnLst/>
-              <a:rect l="l" t="t" r="r" b="b"/>
-              <a:pathLst>
-                <a:path w="1037590" h="1007110">
-                  <a:moveTo>
-                    <a:pt x="237072" y="933032"/>
-                  </a:moveTo>
-                  <a:lnTo>
-                    <a:pt x="190436" y="928476"/>
-                  </a:lnTo>
-                  <a:lnTo>
-                    <a:pt x="146250" y="915092"/>
-                  </a:lnTo>
-                  <a:lnTo>
-                    <a:pt x="105545" y="893308"/>
-                  </a:lnTo>
-                  <a:lnTo>
-                    <a:pt x="69351" y="863552"/>
-                  </a:lnTo>
-                  <a:lnTo>
-                    <a:pt x="39005" y="826368"/>
-                  </a:lnTo>
-                  <a:lnTo>
-                    <a:pt x="17331" y="785106"/>
-                  </a:lnTo>
-                  <a:lnTo>
-                    <a:pt x="4329" y="741126"/>
-                  </a:lnTo>
-                  <a:lnTo>
-                    <a:pt x="0" y="695789"/>
-                  </a:lnTo>
-                  <a:lnTo>
-                    <a:pt x="4341" y="650451"/>
-                  </a:lnTo>
-                  <a:lnTo>
-                    <a:pt x="17356" y="606475"/>
-                  </a:lnTo>
-                  <a:lnTo>
-                    <a:pt x="39044" y="565217"/>
-                  </a:lnTo>
-                  <a:lnTo>
-                    <a:pt x="69351" y="528084"/>
-                  </a:lnTo>
-                  <a:lnTo>
-                    <a:pt x="133458" y="486362"/>
-                  </a:lnTo>
-                  <a:lnTo>
-                    <a:pt x="176582" y="468106"/>
-                  </a:lnTo>
-                  <a:lnTo>
-                    <a:pt x="224281" y="451624"/>
-                  </a:lnTo>
-                  <a:lnTo>
-                    <a:pt x="274450" y="436944"/>
-                  </a:lnTo>
-                  <a:lnTo>
-                    <a:pt x="324985" y="424095"/>
-                  </a:lnTo>
-                  <a:lnTo>
-                    <a:pt x="373782" y="413106"/>
-                  </a:lnTo>
-                  <a:lnTo>
-                    <a:pt x="418737" y="404004"/>
-                  </a:lnTo>
-                  <a:lnTo>
-                    <a:pt x="387212" y="376298"/>
-                  </a:lnTo>
-                  <a:lnTo>
-                    <a:pt x="363002" y="341904"/>
-                  </a:lnTo>
-                  <a:lnTo>
-                    <a:pt x="347473" y="302175"/>
-                  </a:lnTo>
-                  <a:lnTo>
-                    <a:pt x="341993" y="258463"/>
-                  </a:lnTo>
-                  <a:lnTo>
-                    <a:pt x="349521" y="207450"/>
-                  </a:lnTo>
-                  <a:lnTo>
-                    <a:pt x="370618" y="162295"/>
-                  </a:lnTo>
-                  <a:lnTo>
-                    <a:pt x="403055" y="125180"/>
-                  </a:lnTo>
-                  <a:lnTo>
-                    <a:pt x="444603" y="98285"/>
-                  </a:lnTo>
-                  <a:lnTo>
-                    <a:pt x="429671" y="80134"/>
-                  </a:lnTo>
-                  <a:lnTo>
-                    <a:pt x="410765" y="66138"/>
-                  </a:lnTo>
-                  <a:lnTo>
-                    <a:pt x="388693" y="57131"/>
-                  </a:lnTo>
-                  <a:lnTo>
-                    <a:pt x="364263" y="53943"/>
-                  </a:lnTo>
-                  <a:lnTo>
-                    <a:pt x="353764" y="51824"/>
-                  </a:lnTo>
-                  <a:lnTo>
-                    <a:pt x="345190" y="46044"/>
-                  </a:lnTo>
-                  <a:lnTo>
-                    <a:pt x="339410" y="37471"/>
-                  </a:lnTo>
-                  <a:lnTo>
-                    <a:pt x="337291" y="26971"/>
-                  </a:lnTo>
-                  <a:lnTo>
-                    <a:pt x="339410" y="16472"/>
-                  </a:lnTo>
-                  <a:lnTo>
-                    <a:pt x="345190" y="7899"/>
-                  </a:lnTo>
-                  <a:lnTo>
-                    <a:pt x="353764" y="2119"/>
-                  </a:lnTo>
-                  <a:lnTo>
-                    <a:pt x="364263" y="0"/>
-                  </a:lnTo>
-                  <a:lnTo>
-                    <a:pt x="406423" y="6091"/>
-                  </a:lnTo>
-                  <a:lnTo>
-                    <a:pt x="443828" y="23126"/>
-                  </a:lnTo>
-                  <a:lnTo>
-                    <a:pt x="474875" y="49399"/>
-                  </a:lnTo>
-                  <a:lnTo>
-                    <a:pt x="497810" y="83136"/>
-                  </a:lnTo>
-                  <a:lnTo>
-                    <a:pt x="539226" y="83136"/>
-                  </a:lnTo>
-                  <a:lnTo>
-                    <a:pt x="540794" y="83334"/>
-                  </a:lnTo>
-                  <a:lnTo>
-                    <a:pt x="606357" y="83334"/>
-                  </a:lnTo>
-                  <a:lnTo>
-                    <a:pt x="593776" y="98798"/>
-                  </a:lnTo>
-                  <a:lnTo>
-                    <a:pt x="634916" y="125767"/>
-                  </a:lnTo>
-                  <a:lnTo>
-                    <a:pt x="667015" y="162794"/>
-                  </a:lnTo>
-                  <a:lnTo>
-                    <a:pt x="687883" y="207740"/>
-                  </a:lnTo>
-                  <a:lnTo>
-                    <a:pt x="695326" y="258463"/>
-                  </a:lnTo>
-                  <a:lnTo>
-                    <a:pt x="689844" y="302179"/>
-                  </a:lnTo>
-                  <a:lnTo>
-                    <a:pt x="674313" y="341907"/>
-                  </a:lnTo>
-                  <a:lnTo>
-                    <a:pt x="650103" y="376299"/>
-                  </a:lnTo>
-                  <a:lnTo>
-                    <a:pt x="618582" y="404004"/>
-                  </a:lnTo>
-                  <a:lnTo>
-                    <a:pt x="663534" y="413106"/>
-                  </a:lnTo>
-                  <a:lnTo>
-                    <a:pt x="712330" y="424095"/>
-                  </a:lnTo>
-                  <a:lnTo>
-                    <a:pt x="762865" y="436944"/>
-                  </a:lnTo>
-                  <a:lnTo>
-                    <a:pt x="796054" y="446655"/>
-                  </a:lnTo>
-                  <a:lnTo>
-                    <a:pt x="551035" y="446655"/>
-                  </a:lnTo>
-                  <a:lnTo>
-                    <a:pt x="486176" y="446664"/>
-                  </a:lnTo>
-                  <a:lnTo>
-                    <a:pt x="439958" y="454978"/>
-                  </a:lnTo>
-                  <a:lnTo>
-                    <a:pt x="387446" y="465566"/>
-                  </a:lnTo>
-                  <a:lnTo>
-                    <a:pt x="331626" y="478238"/>
-                  </a:lnTo>
-                  <a:lnTo>
-                    <a:pt x="275235" y="492880"/>
-                  </a:lnTo>
-                  <a:lnTo>
-                    <a:pt x="222013" y="509072"/>
-                  </a:lnTo>
-                  <a:lnTo>
-                    <a:pt x="174192" y="526856"/>
-                  </a:lnTo>
-                  <a:lnTo>
-                    <a:pt x="135010" y="545963"/>
-                  </a:lnTo>
-                  <a:lnTo>
-                    <a:pt x="77681" y="605258"/>
-                  </a:lnTo>
-                  <a:lnTo>
-                    <a:pt x="59820" y="649294"/>
-                  </a:lnTo>
-                  <a:lnTo>
-                    <a:pt x="53870" y="695821"/>
-                  </a:lnTo>
-                  <a:lnTo>
-                    <a:pt x="59827" y="742329"/>
-                  </a:lnTo>
-                  <a:lnTo>
-                    <a:pt x="77690" y="786350"/>
-                  </a:lnTo>
-                  <a:lnTo>
-                    <a:pt x="107465" y="825396"/>
-                  </a:lnTo>
-                  <a:lnTo>
-                    <a:pt x="166889" y="865213"/>
-                  </a:lnTo>
-                  <a:lnTo>
-                    <a:pt x="237027" y="879061"/>
-                  </a:lnTo>
-                  <a:lnTo>
-                    <a:pt x="386735" y="879070"/>
-                  </a:lnTo>
-                  <a:lnTo>
-                    <a:pt x="358761" y="899495"/>
-                  </a:lnTo>
-                  <a:lnTo>
-                    <a:pt x="320705" y="917903"/>
-                  </a:lnTo>
-                  <a:lnTo>
-                    <a:pt x="279877" y="929194"/>
-                  </a:lnTo>
-                  <a:lnTo>
-                    <a:pt x="237072" y="933032"/>
-                  </a:lnTo>
-                  <a:close/>
-                </a:path>
-                <a:path w="1037590" h="1007110">
-                  <a:moveTo>
-                    <a:pt x="606357" y="83334"/>
-                  </a:moveTo>
-                  <a:lnTo>
-                    <a:pt x="540794" y="83334"/>
-                  </a:lnTo>
-                  <a:lnTo>
-                    <a:pt x="563717" y="49524"/>
-                  </a:lnTo>
-                  <a:lnTo>
-                    <a:pt x="594778" y="23188"/>
-                  </a:lnTo>
-                  <a:lnTo>
-                    <a:pt x="632256" y="6091"/>
-                  </a:lnTo>
-                  <a:lnTo>
-                    <a:pt x="674432" y="0"/>
-                  </a:lnTo>
-                  <a:lnTo>
-                    <a:pt x="684931" y="2119"/>
-                  </a:lnTo>
-                  <a:lnTo>
-                    <a:pt x="693504" y="7899"/>
-                  </a:lnTo>
-                  <a:lnTo>
-                    <a:pt x="699284" y="16472"/>
-                  </a:lnTo>
-                  <a:lnTo>
-                    <a:pt x="701403" y="26971"/>
-                  </a:lnTo>
-                  <a:lnTo>
-                    <a:pt x="699284" y="37471"/>
-                  </a:lnTo>
-                  <a:lnTo>
-                    <a:pt x="693504" y="46044"/>
-                  </a:lnTo>
-                  <a:lnTo>
-                    <a:pt x="684931" y="51824"/>
-                  </a:lnTo>
-                  <a:lnTo>
-                    <a:pt x="674432" y="53943"/>
-                  </a:lnTo>
-                  <a:lnTo>
-                    <a:pt x="649854" y="57172"/>
-                  </a:lnTo>
-                  <a:lnTo>
-                    <a:pt x="627671" y="66290"/>
-                  </a:lnTo>
-                  <a:lnTo>
-                    <a:pt x="608705" y="80448"/>
-                  </a:lnTo>
-                  <a:lnTo>
-                    <a:pt x="606357" y="83334"/>
-                  </a:lnTo>
-                  <a:close/>
-                </a:path>
-                <a:path w="1037590" h="1007110">
-                  <a:moveTo>
-                    <a:pt x="539226" y="83136"/>
-                  </a:moveTo>
-                  <a:lnTo>
-                    <a:pt x="497810" y="83136"/>
-                  </a:lnTo>
-                  <a:lnTo>
-                    <a:pt x="504661" y="82336"/>
-                  </a:lnTo>
-                  <a:lnTo>
-                    <a:pt x="511602" y="81796"/>
-                  </a:lnTo>
-                  <a:lnTo>
-                    <a:pt x="526176" y="81796"/>
-                  </a:lnTo>
-                  <a:lnTo>
-                    <a:pt x="533521" y="82417"/>
-                  </a:lnTo>
-                  <a:lnTo>
-                    <a:pt x="539226" y="83136"/>
-                  </a:lnTo>
-                  <a:close/>
-                </a:path>
-                <a:path w="1037590" h="1007110">
-                  <a:moveTo>
-                    <a:pt x="949107" y="879061"/>
-                  </a:moveTo>
-                  <a:lnTo>
-                    <a:pt x="800175" y="879061"/>
-                  </a:lnTo>
-                  <a:lnTo>
-                    <a:pt x="836202" y="875542"/>
-                  </a:lnTo>
-                  <a:lnTo>
-                    <a:pt x="870336" y="865204"/>
-                  </a:lnTo>
-                  <a:lnTo>
-                    <a:pt x="929748" y="825387"/>
-                  </a:lnTo>
-                  <a:lnTo>
-                    <a:pt x="959533" y="786342"/>
-                  </a:lnTo>
-                  <a:lnTo>
-                    <a:pt x="977400" y="742316"/>
-                  </a:lnTo>
-                  <a:lnTo>
-                    <a:pt x="983352" y="695789"/>
-                  </a:lnTo>
-                  <a:lnTo>
-                    <a:pt x="977393" y="649281"/>
-                  </a:lnTo>
-                  <a:lnTo>
-                    <a:pt x="959526" y="605253"/>
-                  </a:lnTo>
-                  <a:lnTo>
-                    <a:pt x="929748" y="566195"/>
-                  </a:lnTo>
-                  <a:lnTo>
-                    <a:pt x="863010" y="526848"/>
-                  </a:lnTo>
-                  <a:lnTo>
-                    <a:pt x="815189" y="509066"/>
-                  </a:lnTo>
-                  <a:lnTo>
-                    <a:pt x="761716" y="492798"/>
-                  </a:lnTo>
-                  <a:lnTo>
-                    <a:pt x="705578" y="478233"/>
-                  </a:lnTo>
-                  <a:lnTo>
-                    <a:pt x="649760" y="465561"/>
-                  </a:lnTo>
-                  <a:lnTo>
-                    <a:pt x="597250" y="454972"/>
-                  </a:lnTo>
-                  <a:lnTo>
-                    <a:pt x="551035" y="446655"/>
-                  </a:lnTo>
-                  <a:lnTo>
-                    <a:pt x="796084" y="446664"/>
-                  </a:lnTo>
-                  <a:lnTo>
-                    <a:pt x="860732" y="468106"/>
-                  </a:lnTo>
-                  <a:lnTo>
-                    <a:pt x="903856" y="486362"/>
-                  </a:lnTo>
-                  <a:lnTo>
-                    <a:pt x="940299" y="506364"/>
-                  </a:lnTo>
-                  <a:lnTo>
-                    <a:pt x="967901" y="528039"/>
-                  </a:lnTo>
-                  <a:lnTo>
-                    <a:pt x="998317" y="565261"/>
-                  </a:lnTo>
-                  <a:lnTo>
-                    <a:pt x="1019968" y="606516"/>
-                  </a:lnTo>
-                  <a:lnTo>
-                    <a:pt x="1032957" y="650489"/>
-                  </a:lnTo>
-                  <a:lnTo>
-                    <a:pt x="1037282" y="695821"/>
-                  </a:lnTo>
-                  <a:lnTo>
-                    <a:pt x="1032945" y="741153"/>
-                  </a:lnTo>
-                  <a:lnTo>
-                    <a:pt x="1019946" y="785124"/>
-                  </a:lnTo>
-                  <a:lnTo>
-                    <a:pt x="998286" y="826377"/>
-                  </a:lnTo>
-                  <a:lnTo>
-                    <a:pt x="967967" y="863552"/>
-                  </a:lnTo>
-                  <a:lnTo>
-                    <a:pt x="949107" y="879061"/>
-                  </a:lnTo>
-                  <a:close/>
-                </a:path>
-                <a:path w="1037590" h="1007110">
-                  <a:moveTo>
-                    <a:pt x="386735" y="879070"/>
-                  </a:moveTo>
-                  <a:lnTo>
-                    <a:pt x="237027" y="879070"/>
-                  </a:lnTo>
-                  <a:lnTo>
-                    <a:pt x="273096" y="875542"/>
-                  </a:lnTo>
-                  <a:lnTo>
-                    <a:pt x="307226" y="865204"/>
-                  </a:lnTo>
-                  <a:lnTo>
-                    <a:pt x="366643" y="825387"/>
-                  </a:lnTo>
-                  <a:lnTo>
-                    <a:pt x="405990" y="758642"/>
-                  </a:lnTo>
-                  <a:lnTo>
-                    <a:pt x="423773" y="710818"/>
-                  </a:lnTo>
-                  <a:lnTo>
-                    <a:pt x="440042" y="657342"/>
-                  </a:lnTo>
-                  <a:lnTo>
-                    <a:pt x="454607" y="601201"/>
-                  </a:lnTo>
-                  <a:lnTo>
-                    <a:pt x="467277" y="545382"/>
-                  </a:lnTo>
-                  <a:lnTo>
-                    <a:pt x="477877" y="492798"/>
-                  </a:lnTo>
-                  <a:lnTo>
-                    <a:pt x="486176" y="446664"/>
-                  </a:lnTo>
-                  <a:lnTo>
-                    <a:pt x="551036" y="446664"/>
-                  </a:lnTo>
-                  <a:lnTo>
-                    <a:pt x="559350" y="492880"/>
-                  </a:lnTo>
-                  <a:lnTo>
-                    <a:pt x="569937" y="545390"/>
-                  </a:lnTo>
-                  <a:lnTo>
-                    <a:pt x="574233" y="564316"/>
-                  </a:lnTo>
-                  <a:lnTo>
-                    <a:pt x="518623" y="564316"/>
-                  </a:lnTo>
-                  <a:lnTo>
-                    <a:pt x="509747" y="603696"/>
-                  </a:lnTo>
-                  <a:lnTo>
-                    <a:pt x="499660" y="644307"/>
-                  </a:lnTo>
-                  <a:lnTo>
-                    <a:pt x="488376" y="685061"/>
-                  </a:lnTo>
-                  <a:lnTo>
-                    <a:pt x="475909" y="724871"/>
-                  </a:lnTo>
-                  <a:lnTo>
-                    <a:pt x="618667" y="724871"/>
-                  </a:lnTo>
-                  <a:lnTo>
-                    <a:pt x="631229" y="758647"/>
-                  </a:lnTo>
-                  <a:lnTo>
-                    <a:pt x="641065" y="778815"/>
-                  </a:lnTo>
-                  <a:lnTo>
-                    <a:pt x="455734" y="778815"/>
-                  </a:lnTo>
-                  <a:lnTo>
-                    <a:pt x="449187" y="793707"/>
-                  </a:lnTo>
-                  <a:lnTo>
-                    <a:pt x="442425" y="807745"/>
-                  </a:lnTo>
-                  <a:lnTo>
-                    <a:pt x="435452" y="820889"/>
-                  </a:lnTo>
-                  <a:lnTo>
-                    <a:pt x="428267" y="833065"/>
-                  </a:lnTo>
-                  <a:lnTo>
-                    <a:pt x="448128" y="846199"/>
-                  </a:lnTo>
-                  <a:lnTo>
-                    <a:pt x="470036" y="856056"/>
-                  </a:lnTo>
-                  <a:lnTo>
-                    <a:pt x="493652" y="862249"/>
-                  </a:lnTo>
-                  <a:lnTo>
-                    <a:pt x="518632" y="864397"/>
-                  </a:lnTo>
-                  <a:lnTo>
-                    <a:pt x="728494" y="864397"/>
-                  </a:lnTo>
-                  <a:lnTo>
-                    <a:pt x="730031" y="865213"/>
-                  </a:lnTo>
-                  <a:lnTo>
-                    <a:pt x="760056" y="874305"/>
-                  </a:lnTo>
-                  <a:lnTo>
-                    <a:pt x="644075" y="874314"/>
-                  </a:lnTo>
-                  <a:lnTo>
-                    <a:pt x="393249" y="874314"/>
-                  </a:lnTo>
-                  <a:lnTo>
-                    <a:pt x="386735" y="879070"/>
-                  </a:lnTo>
-                  <a:close/>
-                </a:path>
-                <a:path w="1037590" h="1007110">
-                  <a:moveTo>
-                    <a:pt x="968004" y="528084"/>
-                  </a:moveTo>
-                  <a:close/>
-                </a:path>
-                <a:path w="1037590" h="1007110">
-                  <a:moveTo>
-                    <a:pt x="618667" y="724871"/>
-                  </a:moveTo>
-                  <a:lnTo>
-                    <a:pt x="561329" y="724871"/>
-                  </a:lnTo>
-                  <a:lnTo>
-                    <a:pt x="548867" y="685061"/>
-                  </a:lnTo>
-                  <a:lnTo>
-                    <a:pt x="537586" y="644307"/>
-                  </a:lnTo>
-                  <a:lnTo>
-                    <a:pt x="527500" y="603696"/>
-                  </a:lnTo>
-                  <a:lnTo>
-                    <a:pt x="518623" y="564316"/>
-                  </a:lnTo>
-                  <a:lnTo>
-                    <a:pt x="574233" y="564316"/>
-                  </a:lnTo>
-                  <a:lnTo>
-                    <a:pt x="582608" y="601208"/>
-                  </a:lnTo>
-                  <a:lnTo>
-                    <a:pt x="597173" y="657348"/>
-                  </a:lnTo>
-                  <a:lnTo>
-                    <a:pt x="613443" y="710823"/>
-                  </a:lnTo>
-                  <a:lnTo>
-                    <a:pt x="618667" y="724871"/>
-                  </a:lnTo>
-                  <a:close/>
-                </a:path>
-                <a:path w="1037590" h="1007110">
-                  <a:moveTo>
-                    <a:pt x="728494" y="864397"/>
-                  </a:moveTo>
-                  <a:lnTo>
-                    <a:pt x="518632" y="864397"/>
-                  </a:lnTo>
-                  <a:lnTo>
-                    <a:pt x="543630" y="862247"/>
-                  </a:lnTo>
-                  <a:lnTo>
-                    <a:pt x="567241" y="856054"/>
-                  </a:lnTo>
-                  <a:lnTo>
-                    <a:pt x="589133" y="846199"/>
-                  </a:lnTo>
-                  <a:lnTo>
-                    <a:pt x="608989" y="833056"/>
-                  </a:lnTo>
-                  <a:lnTo>
-                    <a:pt x="601798" y="820867"/>
-                  </a:lnTo>
-                  <a:lnTo>
-                    <a:pt x="594819" y="807705"/>
-                  </a:lnTo>
-                  <a:lnTo>
-                    <a:pt x="588057" y="793658"/>
-                  </a:lnTo>
-                  <a:lnTo>
-                    <a:pt x="581513" y="778815"/>
-                  </a:lnTo>
-                  <a:lnTo>
-                    <a:pt x="641065" y="778815"/>
-                  </a:lnTo>
-                  <a:lnTo>
-                    <a:pt x="650342" y="797833"/>
-                  </a:lnTo>
-                  <a:lnTo>
-                    <a:pt x="670594" y="825396"/>
-                  </a:lnTo>
-                  <a:lnTo>
-                    <a:pt x="698568" y="848385"/>
-                  </a:lnTo>
-                  <a:lnTo>
-                    <a:pt x="728494" y="864397"/>
-                  </a:lnTo>
-                  <a:close/>
-                </a:path>
-                <a:path w="1037590" h="1007110">
-                  <a:moveTo>
-                    <a:pt x="800247" y="933032"/>
-                  </a:moveTo>
-                  <a:lnTo>
-                    <a:pt x="757429" y="929192"/>
-                  </a:lnTo>
-                  <a:lnTo>
-                    <a:pt x="716607" y="917900"/>
-                  </a:lnTo>
-                  <a:lnTo>
-                    <a:pt x="678567" y="899495"/>
-                  </a:lnTo>
-                  <a:lnTo>
-                    <a:pt x="644088" y="874305"/>
-                  </a:lnTo>
-                  <a:lnTo>
-                    <a:pt x="760086" y="874314"/>
-                  </a:lnTo>
-                  <a:lnTo>
-                    <a:pt x="764141" y="875542"/>
-                  </a:lnTo>
-                  <a:lnTo>
-                    <a:pt x="800175" y="879061"/>
-                  </a:lnTo>
-                  <a:lnTo>
-                    <a:pt x="949107" y="879061"/>
-                  </a:lnTo>
-                  <a:lnTo>
-                    <a:pt x="931776" y="893312"/>
-                  </a:lnTo>
-                  <a:lnTo>
-                    <a:pt x="891074" y="915095"/>
-                  </a:lnTo>
-                  <a:lnTo>
-                    <a:pt x="846891" y="928477"/>
-                  </a:lnTo>
-                  <a:lnTo>
-                    <a:pt x="800247" y="933032"/>
-                  </a:lnTo>
-                  <a:close/>
-                </a:path>
-                <a:path w="1037590" h="1007110">
-                  <a:moveTo>
-                    <a:pt x="545640" y="1006512"/>
-                  </a:moveTo>
-                  <a:lnTo>
-                    <a:pt x="491696" y="1006512"/>
-                  </a:lnTo>
-                  <a:lnTo>
-                    <a:pt x="491696" y="916489"/>
-                  </a:lnTo>
-                  <a:lnTo>
-                    <a:pt x="464636" y="910919"/>
-                  </a:lnTo>
-                  <a:lnTo>
-                    <a:pt x="439035" y="901857"/>
-                  </a:lnTo>
-                  <a:lnTo>
-                    <a:pt x="415149" y="889564"/>
-                  </a:lnTo>
-                  <a:lnTo>
-                    <a:pt x="393249" y="874314"/>
-                  </a:lnTo>
-                  <a:lnTo>
-                    <a:pt x="644075" y="874314"/>
-                  </a:lnTo>
-                  <a:lnTo>
-                    <a:pt x="622154" y="889573"/>
-                  </a:lnTo>
-                  <a:lnTo>
-                    <a:pt x="598261" y="901864"/>
-                  </a:lnTo>
-                  <a:lnTo>
-                    <a:pt x="572660" y="910924"/>
-                  </a:lnTo>
-                  <a:lnTo>
-                    <a:pt x="545640" y="916489"/>
-                  </a:lnTo>
-                  <a:lnTo>
-                    <a:pt x="545640" y="1006512"/>
-                  </a:lnTo>
-                  <a:close/>
-                </a:path>
-              </a:pathLst>
-            </a:custGeom>
-            <a:solidFill>
-              <a:srgbClr val="252826"/>
-            </a:solidFill>
-          </p:spPr>
-          <p:txBody>
-            <a:bodyPr wrap="square" lIns="0" tIns="0" rIns="0" bIns="0" rtlCol="0"/>
-            <a:lstStyle/>
-            <a:p/>
-          </p:txBody>
-        </p:sp>
-      </p:grpSp>
       <p:sp>
         <p:nvSpPr>
-          <p:cNvPr id="6" name="object 6"/>
+          <p:cNvPr id="4" name="object 4"/>
           <p:cNvSpPr txBox="1">
             <a:spLocks noGrp="1"/>
           </p:cNvSpPr>
@@ -8521,13 +8849,15 @@
         </p:nvSpPr>
         <p:spPr>
           <a:xfrm>
-            <a:off x="3697569" y="5016450"/>
-            <a:ext cx="10748645" cy="902335"/>
+            <a:off x="1016000" y="466502"/>
+            <a:ext cx="6997700" cy="902335"/>
           </a:xfrm>
-          <a:prstGeom prst="rect"/>
+          <a:prstGeom prst="rect">
+            <a:avLst/>
+          </a:prstGeom>
         </p:spPr>
         <p:txBody>
-          <a:bodyPr wrap="square" lIns="0" tIns="12700" rIns="0" bIns="0" rtlCol="0" vert="horz">
+          <a:bodyPr vert="horz" wrap="square" lIns="0" tIns="12700" rIns="0" bIns="0" rtlCol="0">
             <a:spAutoFit/>
           </a:bodyPr>
           <a:lstStyle/>
@@ -8540,99 +8870,398 @@
                 <a:spcPts val="100"/>
               </a:spcBef>
               <a:tabLst>
-                <a:tab pos="3816985" algn="l"/>
-                <a:tab pos="5890260" algn="l"/>
+                <a:tab pos="3013075" algn="l"/>
               </a:tabLst>
             </a:pPr>
             <a:r>
-              <a:rPr dirty="0" sz="5750" spc="415"/>
-              <a:t>T</a:t>
-            </a:r>
-            <a:r>
-              <a:rPr dirty="0" sz="5750" spc="975"/>
-              <a:t>H</a:t>
-            </a:r>
-            <a:r>
-              <a:rPr dirty="0" sz="5750" spc="440"/>
+              <a:rPr sz="5750" spc="420" dirty="0">
+                <a:solidFill>
+                  <a:srgbClr val="F7CF2B"/>
+                </a:solidFill>
+              </a:rPr>
+              <a:t>C</a:t>
+            </a:r>
+            <a:r>
+              <a:rPr sz="5750" spc="685" dirty="0">
+                <a:solidFill>
+                  <a:srgbClr val="F7CF2B"/>
+                </a:solidFill>
+              </a:rPr>
+              <a:t>L</a:t>
+            </a:r>
+            <a:r>
+              <a:rPr sz="5750" spc="440" dirty="0">
+                <a:solidFill>
+                  <a:srgbClr val="F7CF2B"/>
+                </a:solidFill>
+              </a:rPr>
               <a:t>A</a:t>
             </a:r>
             <a:r>
-              <a:rPr dirty="0" sz="5750" spc="1275"/>
-              <a:t>N</a:t>
-            </a:r>
-            <a:r>
-              <a:rPr dirty="0" sz="5750" spc="385"/>
-              <a:t>K</a:t>
-            </a:r>
-            <a:r>
-              <a:rPr dirty="0" sz="5750" spc="-490"/>
+              <a:rPr sz="5750" spc="85" dirty="0">
+                <a:solidFill>
+                  <a:srgbClr val="F7CF2B"/>
+                </a:solidFill>
+              </a:rPr>
               <a:t>S</a:t>
             </a:r>
             <a:r>
-              <a:rPr dirty="0" sz="5750"/>
+              <a:rPr sz="5750" spc="-490" dirty="0">
+                <a:solidFill>
+                  <a:srgbClr val="F7CF2B"/>
+                </a:solidFill>
+              </a:rPr>
+              <a:t>S</a:t>
+            </a:r>
+            <a:r>
+              <a:rPr sz="5750" dirty="0">
+                <a:solidFill>
+                  <a:srgbClr val="F7CF2B"/>
+                </a:solidFill>
+              </a:rPr>
               <a:t>	</a:t>
             </a:r>
             <a:r>
-              <a:rPr dirty="0" sz="5750" spc="470"/>
-              <a:t>F</a:t>
-            </a:r>
-            <a:r>
-              <a:rPr dirty="0" sz="5750" spc="1019"/>
-              <a:t>O</a:t>
-            </a:r>
-            <a:r>
-              <a:rPr dirty="0" sz="5750" spc="-300"/>
+              <a:rPr sz="5750" spc="795" dirty="0">
+                <a:solidFill>
+                  <a:srgbClr val="F7CF2B"/>
+                </a:solidFill>
+              </a:rPr>
+              <a:t>D</a:t>
+            </a:r>
+            <a:r>
+              <a:rPr sz="5750" spc="800" dirty="0">
+                <a:solidFill>
+                  <a:srgbClr val="F7CF2B"/>
+                </a:solidFill>
+              </a:rPr>
+              <a:t>I</a:t>
+            </a:r>
+            <a:r>
+              <a:rPr sz="5750" spc="440" dirty="0">
+                <a:solidFill>
+                  <a:srgbClr val="F7CF2B"/>
+                </a:solidFill>
+              </a:rPr>
+              <a:t>A</a:t>
+            </a:r>
+            <a:r>
+              <a:rPr sz="5750" spc="450" dirty="0">
+                <a:solidFill>
+                  <a:srgbClr val="F7CF2B"/>
+                </a:solidFill>
+              </a:rPr>
+              <a:t>G</a:t>
+            </a:r>
+            <a:r>
+              <a:rPr sz="5750" spc="275" dirty="0">
+                <a:solidFill>
+                  <a:srgbClr val="F7CF2B"/>
+                </a:solidFill>
+              </a:rPr>
               <a:t>R</a:t>
             </a:r>
             <a:r>
-              <a:rPr dirty="0" sz="5750"/>
-              <a:t>	</a:t>
-            </a:r>
-            <a:r>
-              <a:rPr dirty="0" sz="5750" spc="685"/>
-              <a:t>L</a:t>
-            </a:r>
-            <a:r>
-              <a:rPr dirty="0" sz="5750" spc="800"/>
-              <a:t>I</a:t>
-            </a:r>
-            <a:r>
-              <a:rPr dirty="0" sz="5750" spc="85"/>
-              <a:t>S</a:t>
-            </a:r>
-            <a:r>
-              <a:rPr dirty="0" sz="5750" spc="415"/>
-              <a:t>T</a:t>
-            </a:r>
-            <a:r>
-              <a:rPr dirty="0" sz="5750" spc="520"/>
-              <a:t>E</a:t>
-            </a:r>
-            <a:r>
-              <a:rPr dirty="0" sz="5750" spc="1275"/>
-              <a:t>N</a:t>
-            </a:r>
-            <a:r>
-              <a:rPr dirty="0" sz="5750" spc="800"/>
-              <a:t>I</a:t>
-            </a:r>
-            <a:r>
-              <a:rPr dirty="0" sz="5750" spc="1275"/>
-              <a:t>N</a:t>
-            </a:r>
-            <a:r>
-              <a:rPr dirty="0" sz="5750" spc="450"/>
-              <a:t>G</a:t>
-            </a:r>
-            <a:r>
-              <a:rPr dirty="0" sz="5750" spc="-755"/>
-              <a:t>!</a:t>
+              <a:rPr sz="5750" spc="440" dirty="0">
+                <a:solidFill>
+                  <a:srgbClr val="F7CF2B"/>
+                </a:solidFill>
+              </a:rPr>
+              <a:t>A</a:t>
+            </a:r>
+            <a:r>
+              <a:rPr sz="5750" spc="585" dirty="0">
+                <a:solidFill>
+                  <a:srgbClr val="F7CF2B"/>
+                </a:solidFill>
+              </a:rPr>
+              <a:t>M</a:t>
             </a:r>
             <a:endParaRPr sz="5750"/>
           </a:p>
         </p:txBody>
       </p:sp>
+      <p:pic>
+        <p:nvPicPr>
+          <p:cNvPr id="5" name="Hình ảnh 4">
+            <a:extLst>
+              <a:ext uri="{FF2B5EF4-FFF2-40B4-BE49-F238E27FC236}">
+                <a16:creationId xmlns:a16="http://schemas.microsoft.com/office/drawing/2014/main" id="{5257852A-520E-4C01-B92F-33CFD5EE9B7F}"/>
+              </a:ext>
+            </a:extLst>
+          </p:cNvPr>
+          <p:cNvPicPr>
+            <a:picLocks noChangeAspect="1"/>
+          </p:cNvPicPr>
+          <p:nvPr/>
+        </p:nvPicPr>
+        <p:blipFill>
+          <a:blip r:embed="rId3">
+            <a:extLst>
+              <a:ext uri="{28A0092B-C50C-407E-A947-70E740481C1C}">
+                <a14:useLocalDpi xmlns:a14="http://schemas.microsoft.com/office/drawing/2010/main" val="0"/>
+              </a:ext>
+            </a:extLst>
+          </a:blip>
+          <a:stretch>
+            <a:fillRect/>
+          </a:stretch>
+        </p:blipFill>
+        <p:spPr>
+          <a:xfrm>
+            <a:off x="3501143" y="2129214"/>
+            <a:ext cx="11285714" cy="6028571"/>
+          </a:xfrm>
+          <a:prstGeom prst="rect">
+            <a:avLst/>
+          </a:prstGeom>
+        </p:spPr>
+      </p:pic>
     </p:spTree>
+    <p:extLst>
+      <p:ext uri="{BB962C8B-B14F-4D97-AF65-F5344CB8AC3E}">
+        <p14:creationId xmlns:p14="http://schemas.microsoft.com/office/powerpoint/2010/main" val="147208626"/>
+      </p:ext>
+    </p:extLst>
+  </p:cSld>
+  <p:clrMapOvr>
+    <a:masterClrMapping/>
+  </p:clrMapOvr>
+</p:sld>
+</file>
+
+<file path=ppt/slides/slide9.xml><?xml version="1.0" encoding="utf-8"?>
+<p:sld xmlns:a="http://schemas.openxmlformats.org/drawingml/2006/main" xmlns:r="http://schemas.openxmlformats.org/officeDocument/2006/relationships" xmlns:p="http://schemas.openxmlformats.org/presentationml/2006/main">
+  <p:cSld>
+    <p:spTree>
+      <p:nvGrpSpPr>
+        <p:cNvPr id="1" name=""/>
+        <p:cNvGrpSpPr/>
+        <p:nvPr/>
+      </p:nvGrpSpPr>
+      <p:grpSpPr>
+        <a:xfrm>
+          <a:off x="0" y="0"/>
+          <a:ext cx="0" cy="0"/>
+          <a:chOff x="0" y="0"/>
+          <a:chExt cx="0" cy="0"/>
+        </a:xfrm>
+      </p:grpSpPr>
+      <p:sp>
+        <p:nvSpPr>
+          <p:cNvPr id="2" name="object 2"/>
+          <p:cNvSpPr/>
+          <p:nvPr/>
+        </p:nvSpPr>
+        <p:spPr>
+          <a:xfrm>
+            <a:off x="0" y="2009729"/>
+            <a:ext cx="18288000" cy="8277240"/>
+          </a:xfrm>
+          <a:prstGeom prst="rect">
+            <a:avLst/>
+          </a:prstGeom>
+          <a:blipFill>
+            <a:blip r:embed="rId2" cstate="print"/>
+            <a:stretch>
+              <a:fillRect/>
+            </a:stretch>
+          </a:blipFill>
+        </p:spPr>
+        <p:txBody>
+          <a:bodyPr wrap="square" lIns="0" tIns="0" rIns="0" bIns="0" rtlCol="0"/>
+          <a:lstStyle/>
+          <a:p>
+            <a:endParaRPr/>
+          </a:p>
+        </p:txBody>
+      </p:sp>
+      <p:sp>
+        <p:nvSpPr>
+          <p:cNvPr id="4" name="object 4"/>
+          <p:cNvSpPr txBox="1">
+            <a:spLocks noGrp="1"/>
+          </p:cNvSpPr>
+          <p:nvPr>
+            <p:ph type="title"/>
+          </p:nvPr>
+        </p:nvSpPr>
+        <p:spPr>
+          <a:xfrm>
+            <a:off x="1016000" y="466502"/>
+            <a:ext cx="6997700" cy="902335"/>
+          </a:xfrm>
+          <a:prstGeom prst="rect">
+            <a:avLst/>
+          </a:prstGeom>
+        </p:spPr>
+        <p:txBody>
+          <a:bodyPr vert="horz" wrap="square" lIns="0" tIns="12700" rIns="0" bIns="0" rtlCol="0">
+            <a:spAutoFit/>
+          </a:bodyPr>
+          <a:lstStyle/>
+          <a:p>
+            <a:pPr marL="12700">
+              <a:lnSpc>
+                <a:spcPct val="100000"/>
+              </a:lnSpc>
+              <a:spcBef>
+                <a:spcPts val="100"/>
+              </a:spcBef>
+              <a:tabLst>
+                <a:tab pos="3013075" algn="l"/>
+              </a:tabLst>
+            </a:pPr>
+            <a:r>
+              <a:rPr sz="5750" spc="420" dirty="0">
+                <a:solidFill>
+                  <a:srgbClr val="F7CF2B"/>
+                </a:solidFill>
+              </a:rPr>
+              <a:t>C</a:t>
+            </a:r>
+            <a:r>
+              <a:rPr sz="5750" spc="685" dirty="0">
+                <a:solidFill>
+                  <a:srgbClr val="F7CF2B"/>
+                </a:solidFill>
+              </a:rPr>
+              <a:t>L</a:t>
+            </a:r>
+            <a:r>
+              <a:rPr sz="5750" spc="440" dirty="0">
+                <a:solidFill>
+                  <a:srgbClr val="F7CF2B"/>
+                </a:solidFill>
+              </a:rPr>
+              <a:t>A</a:t>
+            </a:r>
+            <a:r>
+              <a:rPr sz="5750" spc="85" dirty="0">
+                <a:solidFill>
+                  <a:srgbClr val="F7CF2B"/>
+                </a:solidFill>
+              </a:rPr>
+              <a:t>S</a:t>
+            </a:r>
+            <a:r>
+              <a:rPr sz="5750" spc="-490" dirty="0">
+                <a:solidFill>
+                  <a:srgbClr val="F7CF2B"/>
+                </a:solidFill>
+              </a:rPr>
+              <a:t>S</a:t>
+            </a:r>
+            <a:r>
+              <a:rPr sz="5750" dirty="0">
+                <a:solidFill>
+                  <a:srgbClr val="F7CF2B"/>
+                </a:solidFill>
+              </a:rPr>
+              <a:t>	</a:t>
+            </a:r>
+            <a:r>
+              <a:rPr sz="5750" spc="795" dirty="0">
+                <a:solidFill>
+                  <a:srgbClr val="F7CF2B"/>
+                </a:solidFill>
+              </a:rPr>
+              <a:t>D</a:t>
+            </a:r>
+            <a:r>
+              <a:rPr sz="5750" spc="800" dirty="0">
+                <a:solidFill>
+                  <a:srgbClr val="F7CF2B"/>
+                </a:solidFill>
+              </a:rPr>
+              <a:t>I</a:t>
+            </a:r>
+            <a:r>
+              <a:rPr sz="5750" spc="440" dirty="0">
+                <a:solidFill>
+                  <a:srgbClr val="F7CF2B"/>
+                </a:solidFill>
+              </a:rPr>
+              <a:t>A</a:t>
+            </a:r>
+            <a:r>
+              <a:rPr sz="5750" spc="450" dirty="0">
+                <a:solidFill>
+                  <a:srgbClr val="F7CF2B"/>
+                </a:solidFill>
+              </a:rPr>
+              <a:t>G</a:t>
+            </a:r>
+            <a:r>
+              <a:rPr sz="5750" spc="275" dirty="0">
+                <a:solidFill>
+                  <a:srgbClr val="F7CF2B"/>
+                </a:solidFill>
+              </a:rPr>
+              <a:t>R</a:t>
+            </a:r>
+            <a:r>
+              <a:rPr sz="5750" spc="440" dirty="0">
+                <a:solidFill>
+                  <a:srgbClr val="F7CF2B"/>
+                </a:solidFill>
+              </a:rPr>
+              <a:t>A</a:t>
+            </a:r>
+            <a:r>
+              <a:rPr sz="5750" spc="585" dirty="0">
+                <a:solidFill>
+                  <a:srgbClr val="F7CF2B"/>
+                </a:solidFill>
+              </a:rPr>
+              <a:t>M</a:t>
+            </a:r>
+            <a:endParaRPr sz="5750"/>
+          </a:p>
+        </p:txBody>
+      </p:sp>
+      <p:pic>
+        <p:nvPicPr>
+          <p:cNvPr id="6" name="Hình ảnh 5">
+            <a:extLst>
+              <a:ext uri="{FF2B5EF4-FFF2-40B4-BE49-F238E27FC236}">
+                <a16:creationId xmlns:a16="http://schemas.microsoft.com/office/drawing/2014/main" id="{9FB35A8D-5EAE-42DB-BEF6-8CC7811B03B1}"/>
+              </a:ext>
+            </a:extLst>
+          </p:cNvPr>
+          <p:cNvPicPr>
+            <a:picLocks noChangeAspect="1"/>
+          </p:cNvPicPr>
+          <p:nvPr/>
+        </p:nvPicPr>
+        <p:blipFill>
+          <a:blip r:embed="rId3">
+            <a:extLst>
+              <a:ext uri="{28A0092B-C50C-407E-A947-70E740481C1C}">
+                <a14:useLocalDpi xmlns:a14="http://schemas.microsoft.com/office/drawing/2010/main" val="0"/>
+              </a:ext>
+            </a:extLst>
+          </a:blip>
+          <a:stretch>
+            <a:fillRect/>
+          </a:stretch>
+        </p:blipFill>
+        <p:spPr>
+          <a:xfrm>
+            <a:off x="3429000" y="2324100"/>
+            <a:ext cx="10904762" cy="6342857"/>
+          </a:xfrm>
+          <a:prstGeom prst="rect">
+            <a:avLst/>
+          </a:prstGeom>
+        </p:spPr>
+      </p:pic>
+    </p:spTree>
+    <p:extLst>
+      <p:ext uri="{BB962C8B-B14F-4D97-AF65-F5344CB8AC3E}">
+        <p14:creationId xmlns:p14="http://schemas.microsoft.com/office/powerpoint/2010/main" val="907189785"/>
+      </p:ext>
+    </p:extLst>
   </p:cSld>
   <p:clrMapOvr>
     <a:masterClrMapping/>
